--- a/SpecifikacijaZahtjeva.pptx
+++ b/SpecifikacijaZahtjeva.pptx
@@ -401,7 +401,7 @@
           <a:p>
             <a:fld id="{397E0307-B85C-446A-8EF0-0407D435D787}" type="datetimeFigureOut">
               <a:rPr lang="en-US" dirty="0"/>
-              <a:t>10/29/2022</a:t>
+              <a:t>10/30/2022</a:t>
             </a:fld>
             <a:endParaRPr lang="en-US" dirty="0"/>
           </a:p>
@@ -810,7 +810,7 @@
           <a:p>
             <a:fld id="{8BD862E7-95FA-4FC4-9EC5-DDBFA8DC7417}" type="datetimeFigureOut">
               <a:rPr lang="en-US" dirty="0"/>
-              <a:t>10/29/2022</a:t>
+              <a:t>10/30/2022</a:t>
             </a:fld>
             <a:endParaRPr lang="en-US" dirty="0"/>
           </a:p>
@@ -1141,7 +1141,7 @@
           <a:p>
             <a:fld id="{8DB987F2-A784-4F72-BB57-0E9EACDE722E}" type="datetimeFigureOut">
               <a:rPr lang="en-US" dirty="0"/>
-              <a:t>10/29/2022</a:t>
+              <a:t>10/30/2022</a:t>
             </a:fld>
             <a:endParaRPr lang="en-US" dirty="0"/>
           </a:p>
@@ -1541,7 +1541,7 @@
           <a:p>
             <a:fld id="{40BBD51E-4B19-444E-85C0-DBD7EB6263F4}" type="datetimeFigureOut">
               <a:rPr lang="en-US" dirty="0"/>
-              <a:t>10/29/2022</a:t>
+              <a:t>10/30/2022</a:t>
             </a:fld>
             <a:endParaRPr lang="en-US" dirty="0"/>
           </a:p>
@@ -2104,7 +2104,7 @@
           <a:p>
             <a:fld id="{F0D7255A-4AD5-4D3E-9A0A-689DA3BA976C}" type="datetimeFigureOut">
               <a:rPr lang="en-US" dirty="0"/>
-              <a:t>10/29/2022</a:t>
+              <a:t>10/30/2022</a:t>
             </a:fld>
             <a:endParaRPr lang="en-US" dirty="0"/>
           </a:p>
@@ -2780,7 +2780,7 @@
           <a:p>
             <a:fld id="{3EE0AD15-87AC-45B2-9EE5-8D165AF83CD7}" type="datetimeFigureOut">
               <a:rPr lang="en-US" dirty="0"/>
-              <a:t>10/29/2022</a:t>
+              <a:t>10/30/2022</a:t>
             </a:fld>
             <a:endParaRPr lang="en-US" dirty="0"/>
           </a:p>
@@ -3688,7 +3688,7 @@
           <a:p>
             <a:fld id="{FCC40CCD-F0D6-4CC2-A4C8-2D7D0D875F02}" type="datetimeFigureOut">
               <a:rPr lang="en-US" dirty="0"/>
-              <a:t>10/29/2022</a:t>
+              <a:t>10/30/2022</a:t>
             </a:fld>
             <a:endParaRPr lang="en-US" dirty="0"/>
           </a:p>
@@ -3996,7 +3996,7 @@
           <a:p>
             <a:fld id="{B3CFE2CC-454D-4466-AC55-B86DA0A87BAE}" type="datetimeFigureOut">
               <a:rPr lang="en-US" dirty="0"/>
-              <a:t>10/29/2022</a:t>
+              <a:t>10/30/2022</a:t>
             </a:fld>
             <a:endParaRPr lang="en-US" dirty="0"/>
           </a:p>
@@ -4255,7 +4255,7 @@
           <a:p>
             <a:fld id="{B647B1BF-4039-460D-A637-65428CBD720E}" type="datetimeFigureOut">
               <a:rPr lang="en-US" dirty="0"/>
-              <a:t>10/29/2022</a:t>
+              <a:t>10/30/2022</a:t>
             </a:fld>
             <a:endParaRPr lang="en-US" dirty="0"/>
           </a:p>
@@ -4574,7 +4574,7 @@
           <a:p>
             <a:fld id="{AAA39ACE-9343-4EBE-B5CA-AEA240A1DC53}" type="datetimeFigureOut">
               <a:rPr lang="en-US" dirty="0"/>
-              <a:t>10/29/2022</a:t>
+              <a:t>10/30/2022</a:t>
             </a:fld>
             <a:endParaRPr lang="en-US" dirty="0"/>
           </a:p>
@@ -4958,7 +4958,7 @@
           <a:p>
             <a:fld id="{C9A00F7B-89C5-4DF7-A309-6263220147D4}" type="datetimeFigureOut">
               <a:rPr lang="en-US" dirty="0"/>
-              <a:t>10/29/2022</a:t>
+              <a:t>10/30/2022</a:t>
             </a:fld>
             <a:endParaRPr lang="en-US" dirty="0"/>
           </a:p>
@@ -5329,7 +5329,7 @@
           <a:p>
             <a:fld id="{449C95DE-FD64-4606-AE61-EC1136867CC6}" type="datetimeFigureOut">
               <a:rPr lang="en-US" dirty="0"/>
-              <a:t>10/29/2022</a:t>
+              <a:t>10/30/2022</a:t>
             </a:fld>
             <a:endParaRPr lang="en-US" dirty="0"/>
           </a:p>
@@ -5830,7 +5830,7 @@
           <a:p>
             <a:fld id="{5DEB0BBD-30FE-4CF1-900A-0C45149F8AF8}" type="datetimeFigureOut">
               <a:rPr lang="en-US" dirty="0"/>
-              <a:t>10/29/2022</a:t>
+              <a:t>10/30/2022</a:t>
             </a:fld>
             <a:endParaRPr lang="en-US" dirty="0"/>
           </a:p>
@@ -6082,7 +6082,7 @@
           <a:p>
             <a:fld id="{B91A5F7F-3E81-4C65-A4D1-CB62D5B9DB91}" type="datetimeFigureOut">
               <a:rPr lang="en-US" dirty="0"/>
-              <a:t>10/29/2022</a:t>
+              <a:t>10/30/2022</a:t>
             </a:fld>
             <a:endParaRPr lang="en-US" dirty="0"/>
           </a:p>
@@ -6240,7 +6240,7 @@
           <a:p>
             <a:fld id="{377ECC86-1672-4627-AEFE-EC5485C73905}" type="datetimeFigureOut">
               <a:rPr lang="en-US" dirty="0"/>
-              <a:t>10/29/2022</a:t>
+              <a:t>10/30/2022</a:t>
             </a:fld>
             <a:endParaRPr lang="en-US" dirty="0"/>
           </a:p>
@@ -6625,7 +6625,7 @@
           <a:p>
             <a:fld id="{3CDCB01F-D966-4C62-B900-0BE008A90C98}" type="datetimeFigureOut">
               <a:rPr lang="en-US" dirty="0"/>
-              <a:t>10/29/2022</a:t>
+              <a:t>10/30/2022</a:t>
             </a:fld>
             <a:endParaRPr lang="en-US" dirty="0"/>
           </a:p>
@@ -7029,7 +7029,7 @@
           <a:p>
             <a:fld id="{5E73A0EA-7DC7-4964-BB97-B173EF3B859A}" type="datetimeFigureOut">
               <a:rPr lang="en-US" dirty="0"/>
-              <a:t>10/29/2022</a:t>
+              <a:t>10/30/2022</a:t>
             </a:fld>
             <a:endParaRPr lang="en-US" dirty="0"/>
           </a:p>
@@ -7268,7 +7268,7 @@
           <a:p>
             <a:fld id="{30EF52CC-F3D9-41D4-BCE4-C208E61A3F31}" type="datetimeFigureOut">
               <a:rPr lang="en-US" dirty="0"/>
-              <a:t>10/29/2022</a:t>
+              <a:t>10/30/2022</a:t>
             </a:fld>
             <a:endParaRPr lang="en-US" dirty="0"/>
           </a:p>
@@ -7921,19 +7921,17 @@
       </p:sp>
       <p:pic>
         <p:nvPicPr>
-          <p:cNvPr id="4" name="Content Placeholder 3">
+          <p:cNvPr id="7" name="Picture 6">
             <a:extLst>
               <a:ext uri="{FF2B5EF4-FFF2-40B4-BE49-F238E27FC236}">
-                <a16:creationId xmlns:a16="http://schemas.microsoft.com/office/drawing/2014/main" id="{8F48B8B3-23FA-4BCD-3F19-3D99CF4C442C}"/>
+                <a16:creationId xmlns:a16="http://schemas.microsoft.com/office/drawing/2014/main" id="{02E5591F-E754-1EA9-FCD2-B2AD98B9F4F2}"/>
               </a:ext>
             </a:extLst>
           </p:cNvPr>
           <p:cNvPicPr>
-            <a:picLocks noGrp="1" noChangeAspect="1"/>
+            <a:picLocks noChangeAspect="1"/>
           </p:cNvPicPr>
-          <p:nvPr>
-            <p:ph idx="1"/>
-          </p:nvPr>
+          <p:nvPr/>
         </p:nvPicPr>
         <p:blipFill>
           <a:blip r:embed="rId2"/>
@@ -7943,12 +7941,22 @@
         </p:blipFill>
         <p:spPr>
           <a:xfrm>
-            <a:off x="680321" y="2424223"/>
-            <a:ext cx="9613861" cy="4433777"/>
+            <a:off x="1297048" y="2506888"/>
+            <a:ext cx="9453136" cy="3370037"/>
           </a:xfrm>
           <a:prstGeom prst="rect">
             <a:avLst/>
           </a:prstGeom>
+          <a:ln>
+            <a:noFill/>
+          </a:ln>
+          <a:effectLst>
+            <a:outerShdw blurRad="190500" algn="tl" rotWithShape="0">
+              <a:srgbClr val="000000">
+                <a:alpha val="70000"/>
+              </a:srgbClr>
+            </a:outerShdw>
+          </a:effectLst>
         </p:spPr>
       </p:pic>
     </p:spTree>
@@ -8098,7 +8106,7 @@
               <a:rPr lang="hr-BA" b="1" dirty="0">
                 <a:latin typeface="Agency FB" panose="020B0503020202020204" pitchFamily="34" charset="0"/>
               </a:rPr>
-              <a:t>Neki od nefunkcionalnih zahtjevi</a:t>
+              <a:t>Neki od nefunkcionalnih zahtjeva</a:t>
             </a:r>
           </a:p>
         </p:txBody>

--- a/SpecifikacijaZahtjeva.pptx
+++ b/SpecifikacijaZahtjeva.pptx
@@ -401,7 +401,7 @@
           <a:p>
             <a:fld id="{397E0307-B85C-446A-8EF0-0407D435D787}" type="datetimeFigureOut">
               <a:rPr lang="en-US" dirty="0"/>
-              <a:t>10/29/2022</a:t>
+              <a:t>10/30/2022</a:t>
             </a:fld>
             <a:endParaRPr lang="en-US" dirty="0"/>
           </a:p>
@@ -810,7 +810,7 @@
           <a:p>
             <a:fld id="{8BD862E7-95FA-4FC4-9EC5-DDBFA8DC7417}" type="datetimeFigureOut">
               <a:rPr lang="en-US" dirty="0"/>
-              <a:t>10/29/2022</a:t>
+              <a:t>10/30/2022</a:t>
             </a:fld>
             <a:endParaRPr lang="en-US" dirty="0"/>
           </a:p>
@@ -1141,7 +1141,7 @@
           <a:p>
             <a:fld id="{8DB987F2-A784-4F72-BB57-0E9EACDE722E}" type="datetimeFigureOut">
               <a:rPr lang="en-US" dirty="0"/>
-              <a:t>10/29/2022</a:t>
+              <a:t>10/30/2022</a:t>
             </a:fld>
             <a:endParaRPr lang="en-US" dirty="0"/>
           </a:p>
@@ -1541,7 +1541,7 @@
           <a:p>
             <a:fld id="{40BBD51E-4B19-444E-85C0-DBD7EB6263F4}" type="datetimeFigureOut">
               <a:rPr lang="en-US" dirty="0"/>
-              <a:t>10/29/2022</a:t>
+              <a:t>10/30/2022</a:t>
             </a:fld>
             <a:endParaRPr lang="en-US" dirty="0"/>
           </a:p>
@@ -2104,7 +2104,7 @@
           <a:p>
             <a:fld id="{F0D7255A-4AD5-4D3E-9A0A-689DA3BA976C}" type="datetimeFigureOut">
               <a:rPr lang="en-US" dirty="0"/>
-              <a:t>10/29/2022</a:t>
+              <a:t>10/30/2022</a:t>
             </a:fld>
             <a:endParaRPr lang="en-US" dirty="0"/>
           </a:p>
@@ -2780,7 +2780,7 @@
           <a:p>
             <a:fld id="{3EE0AD15-87AC-45B2-9EE5-8D165AF83CD7}" type="datetimeFigureOut">
               <a:rPr lang="en-US" dirty="0"/>
-              <a:t>10/29/2022</a:t>
+              <a:t>10/30/2022</a:t>
             </a:fld>
             <a:endParaRPr lang="en-US" dirty="0"/>
           </a:p>
@@ -3688,7 +3688,7 @@
           <a:p>
             <a:fld id="{FCC40CCD-F0D6-4CC2-A4C8-2D7D0D875F02}" type="datetimeFigureOut">
               <a:rPr lang="en-US" dirty="0"/>
-              <a:t>10/29/2022</a:t>
+              <a:t>10/30/2022</a:t>
             </a:fld>
             <a:endParaRPr lang="en-US" dirty="0"/>
           </a:p>
@@ -3996,7 +3996,7 @@
           <a:p>
             <a:fld id="{B3CFE2CC-454D-4466-AC55-B86DA0A87BAE}" type="datetimeFigureOut">
               <a:rPr lang="en-US" dirty="0"/>
-              <a:t>10/29/2022</a:t>
+              <a:t>10/30/2022</a:t>
             </a:fld>
             <a:endParaRPr lang="en-US" dirty="0"/>
           </a:p>
@@ -4255,7 +4255,7 @@
           <a:p>
             <a:fld id="{B647B1BF-4039-460D-A637-65428CBD720E}" type="datetimeFigureOut">
               <a:rPr lang="en-US" dirty="0"/>
-              <a:t>10/29/2022</a:t>
+              <a:t>10/30/2022</a:t>
             </a:fld>
             <a:endParaRPr lang="en-US" dirty="0"/>
           </a:p>
@@ -4574,7 +4574,7 @@
           <a:p>
             <a:fld id="{AAA39ACE-9343-4EBE-B5CA-AEA240A1DC53}" type="datetimeFigureOut">
               <a:rPr lang="en-US" dirty="0"/>
-              <a:t>10/29/2022</a:t>
+              <a:t>10/30/2022</a:t>
             </a:fld>
             <a:endParaRPr lang="en-US" dirty="0"/>
           </a:p>
@@ -4958,7 +4958,7 @@
           <a:p>
             <a:fld id="{C9A00F7B-89C5-4DF7-A309-6263220147D4}" type="datetimeFigureOut">
               <a:rPr lang="en-US" dirty="0"/>
-              <a:t>10/29/2022</a:t>
+              <a:t>10/30/2022</a:t>
             </a:fld>
             <a:endParaRPr lang="en-US" dirty="0"/>
           </a:p>
@@ -5329,7 +5329,7 @@
           <a:p>
             <a:fld id="{449C95DE-FD64-4606-AE61-EC1136867CC6}" type="datetimeFigureOut">
               <a:rPr lang="en-US" dirty="0"/>
-              <a:t>10/29/2022</a:t>
+              <a:t>10/30/2022</a:t>
             </a:fld>
             <a:endParaRPr lang="en-US" dirty="0"/>
           </a:p>
@@ -5830,7 +5830,7 @@
           <a:p>
             <a:fld id="{5DEB0BBD-30FE-4CF1-900A-0C45149F8AF8}" type="datetimeFigureOut">
               <a:rPr lang="en-US" dirty="0"/>
-              <a:t>10/29/2022</a:t>
+              <a:t>10/30/2022</a:t>
             </a:fld>
             <a:endParaRPr lang="en-US" dirty="0"/>
           </a:p>
@@ -6082,7 +6082,7 @@
           <a:p>
             <a:fld id="{B91A5F7F-3E81-4C65-A4D1-CB62D5B9DB91}" type="datetimeFigureOut">
               <a:rPr lang="en-US" dirty="0"/>
-              <a:t>10/29/2022</a:t>
+              <a:t>10/30/2022</a:t>
             </a:fld>
             <a:endParaRPr lang="en-US" dirty="0"/>
           </a:p>
@@ -6240,7 +6240,7 @@
           <a:p>
             <a:fld id="{377ECC86-1672-4627-AEFE-EC5485C73905}" type="datetimeFigureOut">
               <a:rPr lang="en-US" dirty="0"/>
-              <a:t>10/29/2022</a:t>
+              <a:t>10/30/2022</a:t>
             </a:fld>
             <a:endParaRPr lang="en-US" dirty="0"/>
           </a:p>
@@ -6625,7 +6625,7 @@
           <a:p>
             <a:fld id="{3CDCB01F-D966-4C62-B900-0BE008A90C98}" type="datetimeFigureOut">
               <a:rPr lang="en-US" dirty="0"/>
-              <a:t>10/29/2022</a:t>
+              <a:t>10/30/2022</a:t>
             </a:fld>
             <a:endParaRPr lang="en-US" dirty="0"/>
           </a:p>
@@ -7029,7 +7029,7 @@
           <a:p>
             <a:fld id="{5E73A0EA-7DC7-4964-BB97-B173EF3B859A}" type="datetimeFigureOut">
               <a:rPr lang="en-US" dirty="0"/>
-              <a:t>10/29/2022</a:t>
+              <a:t>10/30/2022</a:t>
             </a:fld>
             <a:endParaRPr lang="en-US" dirty="0"/>
           </a:p>
@@ -7268,7 +7268,7 @@
           <a:p>
             <a:fld id="{30EF52CC-F3D9-41D4-BCE4-C208E61A3F31}" type="datetimeFigureOut">
               <a:rPr lang="en-US" dirty="0"/>
-              <a:t>10/29/2022</a:t>
+              <a:t>10/30/2022</a:t>
             </a:fld>
             <a:endParaRPr lang="en-US" dirty="0"/>
           </a:p>
@@ -7921,10 +7921,10 @@
       </p:sp>
       <p:pic>
         <p:nvPicPr>
-          <p:cNvPr id="4" name="Content Placeholder 3">
+          <p:cNvPr id="105" name="Content Placeholder 104">
             <a:extLst>
               <a:ext uri="{FF2B5EF4-FFF2-40B4-BE49-F238E27FC236}">
-                <a16:creationId xmlns:a16="http://schemas.microsoft.com/office/drawing/2014/main" id="{8F48B8B3-23FA-4BCD-3F19-3D99CF4C442C}"/>
+                <a16:creationId xmlns:a16="http://schemas.microsoft.com/office/drawing/2014/main" id="{146B5943-BF6B-93F6-4C1A-1B440027B82D}"/>
               </a:ext>
             </a:extLst>
           </p:cNvPr>
@@ -7936,15 +7936,15 @@
           </p:nvPr>
         </p:nvPicPr>
         <p:blipFill>
-          <a:blip r:embed="rId2"/>
+          <a:blip r:embed="rId3"/>
           <a:stretch>
             <a:fillRect/>
           </a:stretch>
         </p:blipFill>
         <p:spPr>
           <a:xfrm>
-            <a:off x="680321" y="2424223"/>
-            <a:ext cx="9613861" cy="4433777"/>
+            <a:off x="680321" y="2201089"/>
+            <a:ext cx="9613861" cy="4433887"/>
           </a:xfrm>
           <a:prstGeom prst="rect">
             <a:avLst/>
@@ -8013,10 +8013,10 @@
       </p:sp>
       <p:pic>
         <p:nvPicPr>
-          <p:cNvPr id="4" name="Content Placeholder 3">
+          <p:cNvPr id="6" name="Content Placeholder 5">
             <a:extLst>
               <a:ext uri="{FF2B5EF4-FFF2-40B4-BE49-F238E27FC236}">
-                <a16:creationId xmlns:a16="http://schemas.microsoft.com/office/drawing/2014/main" id="{D3646999-2099-5617-7B7E-9FE51F611D6E}"/>
+                <a16:creationId xmlns:a16="http://schemas.microsoft.com/office/drawing/2014/main" id="{0C4D1558-FDA7-E512-20FD-AAC6EA999D4F}"/>
               </a:ext>
             </a:extLst>
           </p:cNvPr>
@@ -8035,8 +8035,8 @@
         </p:blipFill>
         <p:spPr>
           <a:xfrm>
-            <a:off x="680321" y="2307800"/>
-            <a:ext cx="9613861" cy="4550200"/>
+            <a:off x="680321" y="2269678"/>
+            <a:ext cx="9613861" cy="4354146"/>
           </a:xfrm>
           <a:prstGeom prst="rect">
             <a:avLst/>
@@ -8130,7 +8130,7 @@
               <a:rPr lang="hr-BA" sz="2800" b="1" dirty="0">
                 <a:latin typeface="Agency FB" panose="020B0503020202020204" pitchFamily="34" charset="0"/>
               </a:rPr>
-              <a:t>Preglednici u kojima web stranica radi</a:t>
+              <a:t>Preglednici u kojima bi web stranica radila</a:t>
             </a:r>
           </a:p>
           <a:p>

--- a/SpecifikacijaZahtjeva.pptx
+++ b/SpecifikacijaZahtjeva.pptx
@@ -401,7 +401,7 @@
           <a:p>
             <a:fld id="{397E0307-B85C-446A-8EF0-0407D435D787}" type="datetimeFigureOut">
               <a:rPr lang="en-US" dirty="0"/>
-              <a:t>10/30/2022</a:t>
+              <a:t>11/1/2022</a:t>
             </a:fld>
             <a:endParaRPr lang="en-US" dirty="0"/>
           </a:p>
@@ -810,7 +810,7 @@
           <a:p>
             <a:fld id="{8BD862E7-95FA-4FC4-9EC5-DDBFA8DC7417}" type="datetimeFigureOut">
               <a:rPr lang="en-US" dirty="0"/>
-              <a:t>10/30/2022</a:t>
+              <a:t>11/1/2022</a:t>
             </a:fld>
             <a:endParaRPr lang="en-US" dirty="0"/>
           </a:p>
@@ -1141,7 +1141,7 @@
           <a:p>
             <a:fld id="{8DB987F2-A784-4F72-BB57-0E9EACDE722E}" type="datetimeFigureOut">
               <a:rPr lang="en-US" dirty="0"/>
-              <a:t>10/30/2022</a:t>
+              <a:t>11/1/2022</a:t>
             </a:fld>
             <a:endParaRPr lang="en-US" dirty="0"/>
           </a:p>
@@ -1541,7 +1541,7 @@
           <a:p>
             <a:fld id="{40BBD51E-4B19-444E-85C0-DBD7EB6263F4}" type="datetimeFigureOut">
               <a:rPr lang="en-US" dirty="0"/>
-              <a:t>10/30/2022</a:t>
+              <a:t>11/1/2022</a:t>
             </a:fld>
             <a:endParaRPr lang="en-US" dirty="0"/>
           </a:p>
@@ -2104,7 +2104,7 @@
           <a:p>
             <a:fld id="{F0D7255A-4AD5-4D3E-9A0A-689DA3BA976C}" type="datetimeFigureOut">
               <a:rPr lang="en-US" dirty="0"/>
-              <a:t>10/30/2022</a:t>
+              <a:t>11/1/2022</a:t>
             </a:fld>
             <a:endParaRPr lang="en-US" dirty="0"/>
           </a:p>
@@ -2780,7 +2780,7 @@
           <a:p>
             <a:fld id="{3EE0AD15-87AC-45B2-9EE5-8D165AF83CD7}" type="datetimeFigureOut">
               <a:rPr lang="en-US" dirty="0"/>
-              <a:t>10/30/2022</a:t>
+              <a:t>11/1/2022</a:t>
             </a:fld>
             <a:endParaRPr lang="en-US" dirty="0"/>
           </a:p>
@@ -3688,7 +3688,7 @@
           <a:p>
             <a:fld id="{FCC40CCD-F0D6-4CC2-A4C8-2D7D0D875F02}" type="datetimeFigureOut">
               <a:rPr lang="en-US" dirty="0"/>
-              <a:t>10/30/2022</a:t>
+              <a:t>11/1/2022</a:t>
             </a:fld>
             <a:endParaRPr lang="en-US" dirty="0"/>
           </a:p>
@@ -3996,7 +3996,7 @@
           <a:p>
             <a:fld id="{B3CFE2CC-454D-4466-AC55-B86DA0A87BAE}" type="datetimeFigureOut">
               <a:rPr lang="en-US" dirty="0"/>
-              <a:t>10/30/2022</a:t>
+              <a:t>11/1/2022</a:t>
             </a:fld>
             <a:endParaRPr lang="en-US" dirty="0"/>
           </a:p>
@@ -4255,7 +4255,7 @@
           <a:p>
             <a:fld id="{B647B1BF-4039-460D-A637-65428CBD720E}" type="datetimeFigureOut">
               <a:rPr lang="en-US" dirty="0"/>
-              <a:t>10/30/2022</a:t>
+              <a:t>11/1/2022</a:t>
             </a:fld>
             <a:endParaRPr lang="en-US" dirty="0"/>
           </a:p>
@@ -4574,7 +4574,7 @@
           <a:p>
             <a:fld id="{AAA39ACE-9343-4EBE-B5CA-AEA240A1DC53}" type="datetimeFigureOut">
               <a:rPr lang="en-US" dirty="0"/>
-              <a:t>10/30/2022</a:t>
+              <a:t>11/1/2022</a:t>
             </a:fld>
             <a:endParaRPr lang="en-US" dirty="0"/>
           </a:p>
@@ -4958,7 +4958,7 @@
           <a:p>
             <a:fld id="{C9A00F7B-89C5-4DF7-A309-6263220147D4}" type="datetimeFigureOut">
               <a:rPr lang="en-US" dirty="0"/>
-              <a:t>10/30/2022</a:t>
+              <a:t>11/1/2022</a:t>
             </a:fld>
             <a:endParaRPr lang="en-US" dirty="0"/>
           </a:p>
@@ -5329,7 +5329,7 @@
           <a:p>
             <a:fld id="{449C95DE-FD64-4606-AE61-EC1136867CC6}" type="datetimeFigureOut">
               <a:rPr lang="en-US" dirty="0"/>
-              <a:t>10/30/2022</a:t>
+              <a:t>11/1/2022</a:t>
             </a:fld>
             <a:endParaRPr lang="en-US" dirty="0"/>
           </a:p>
@@ -5830,7 +5830,7 @@
           <a:p>
             <a:fld id="{5DEB0BBD-30FE-4CF1-900A-0C45149F8AF8}" type="datetimeFigureOut">
               <a:rPr lang="en-US" dirty="0"/>
-              <a:t>10/30/2022</a:t>
+              <a:t>11/1/2022</a:t>
             </a:fld>
             <a:endParaRPr lang="en-US" dirty="0"/>
           </a:p>
@@ -6082,7 +6082,7 @@
           <a:p>
             <a:fld id="{B91A5F7F-3E81-4C65-A4D1-CB62D5B9DB91}" type="datetimeFigureOut">
               <a:rPr lang="en-US" dirty="0"/>
-              <a:t>10/30/2022</a:t>
+              <a:t>11/1/2022</a:t>
             </a:fld>
             <a:endParaRPr lang="en-US" dirty="0"/>
           </a:p>
@@ -6240,7 +6240,7 @@
           <a:p>
             <a:fld id="{377ECC86-1672-4627-AEFE-EC5485C73905}" type="datetimeFigureOut">
               <a:rPr lang="en-US" dirty="0"/>
-              <a:t>10/30/2022</a:t>
+              <a:t>11/1/2022</a:t>
             </a:fld>
             <a:endParaRPr lang="en-US" dirty="0"/>
           </a:p>
@@ -6625,7 +6625,7 @@
           <a:p>
             <a:fld id="{3CDCB01F-D966-4C62-B900-0BE008A90C98}" type="datetimeFigureOut">
               <a:rPr lang="en-US" dirty="0"/>
-              <a:t>10/30/2022</a:t>
+              <a:t>11/1/2022</a:t>
             </a:fld>
             <a:endParaRPr lang="en-US" dirty="0"/>
           </a:p>
@@ -7029,7 +7029,7 @@
           <a:p>
             <a:fld id="{5E73A0EA-7DC7-4964-BB97-B173EF3B859A}" type="datetimeFigureOut">
               <a:rPr lang="en-US" dirty="0"/>
-              <a:t>10/30/2022</a:t>
+              <a:t>11/1/2022</a:t>
             </a:fld>
             <a:endParaRPr lang="en-US" dirty="0"/>
           </a:p>
@@ -7268,7 +7268,7 @@
           <a:p>
             <a:fld id="{30EF52CC-F3D9-41D4-BCE4-C208E61A3F31}" type="datetimeFigureOut">
               <a:rPr lang="en-US" dirty="0"/>
-              <a:t>10/30/2022</a:t>
+              <a:t>11/1/2022</a:t>
             </a:fld>
             <a:endParaRPr lang="en-US" dirty="0"/>
           </a:p>
@@ -7936,7 +7936,7 @@
           </p:nvPr>
         </p:nvPicPr>
         <p:blipFill>
-          <a:blip r:embed="rId3"/>
+          <a:blip r:embed="rId2"/>
           <a:stretch>
             <a:fillRect/>
           </a:stretch>
@@ -8013,19 +8013,17 @@
       </p:sp>
       <p:pic>
         <p:nvPicPr>
-          <p:cNvPr id="6" name="Content Placeholder 5">
+          <p:cNvPr id="7" name="Picture 6">
             <a:extLst>
               <a:ext uri="{FF2B5EF4-FFF2-40B4-BE49-F238E27FC236}">
-                <a16:creationId xmlns:a16="http://schemas.microsoft.com/office/drawing/2014/main" id="{0C4D1558-FDA7-E512-20FD-AAC6EA999D4F}"/>
+                <a16:creationId xmlns:a16="http://schemas.microsoft.com/office/drawing/2014/main" id="{97A83F3A-20FD-2C88-7DDD-A0A533AD0CA4}"/>
               </a:ext>
             </a:extLst>
           </p:cNvPr>
           <p:cNvPicPr>
-            <a:picLocks noGrp="1" noChangeAspect="1"/>
+            <a:picLocks noChangeAspect="1"/>
           </p:cNvPicPr>
-          <p:nvPr>
-            <p:ph idx="1"/>
-          </p:nvPr>
+          <p:nvPr/>
         </p:nvPicPr>
         <p:blipFill>
           <a:blip r:embed="rId2"/>
@@ -8035,8 +8033,8 @@
         </p:blipFill>
         <p:spPr>
           <a:xfrm>
-            <a:off x="680321" y="2269678"/>
-            <a:ext cx="9613861" cy="4354146"/>
+            <a:off x="1277675" y="2351585"/>
+            <a:ext cx="8176875" cy="3823005"/>
           </a:xfrm>
           <a:prstGeom prst="rect">
             <a:avLst/>

--- a/SpecifikacijaZahtjeva.pptx
+++ b/SpecifikacijaZahtjeva.pptx
@@ -401,7 +401,7 @@
           <a:p>
             <a:fld id="{397E0307-B85C-446A-8EF0-0407D435D787}" type="datetimeFigureOut">
               <a:rPr lang="en-US" dirty="0"/>
-              <a:t>11/1/2022</a:t>
+              <a:t>11/2/2022</a:t>
             </a:fld>
             <a:endParaRPr lang="en-US" dirty="0"/>
           </a:p>
@@ -810,7 +810,7 @@
           <a:p>
             <a:fld id="{8BD862E7-95FA-4FC4-9EC5-DDBFA8DC7417}" type="datetimeFigureOut">
               <a:rPr lang="en-US" dirty="0"/>
-              <a:t>11/1/2022</a:t>
+              <a:t>11/2/2022</a:t>
             </a:fld>
             <a:endParaRPr lang="en-US" dirty="0"/>
           </a:p>
@@ -1141,7 +1141,7 @@
           <a:p>
             <a:fld id="{8DB987F2-A784-4F72-BB57-0E9EACDE722E}" type="datetimeFigureOut">
               <a:rPr lang="en-US" dirty="0"/>
-              <a:t>11/1/2022</a:t>
+              <a:t>11/2/2022</a:t>
             </a:fld>
             <a:endParaRPr lang="en-US" dirty="0"/>
           </a:p>
@@ -1541,7 +1541,7 @@
           <a:p>
             <a:fld id="{40BBD51E-4B19-444E-85C0-DBD7EB6263F4}" type="datetimeFigureOut">
               <a:rPr lang="en-US" dirty="0"/>
-              <a:t>11/1/2022</a:t>
+              <a:t>11/2/2022</a:t>
             </a:fld>
             <a:endParaRPr lang="en-US" dirty="0"/>
           </a:p>
@@ -2104,7 +2104,7 @@
           <a:p>
             <a:fld id="{F0D7255A-4AD5-4D3E-9A0A-689DA3BA976C}" type="datetimeFigureOut">
               <a:rPr lang="en-US" dirty="0"/>
-              <a:t>11/1/2022</a:t>
+              <a:t>11/2/2022</a:t>
             </a:fld>
             <a:endParaRPr lang="en-US" dirty="0"/>
           </a:p>
@@ -2780,7 +2780,7 @@
           <a:p>
             <a:fld id="{3EE0AD15-87AC-45B2-9EE5-8D165AF83CD7}" type="datetimeFigureOut">
               <a:rPr lang="en-US" dirty="0"/>
-              <a:t>11/1/2022</a:t>
+              <a:t>11/2/2022</a:t>
             </a:fld>
             <a:endParaRPr lang="en-US" dirty="0"/>
           </a:p>
@@ -3688,7 +3688,7 @@
           <a:p>
             <a:fld id="{FCC40CCD-F0D6-4CC2-A4C8-2D7D0D875F02}" type="datetimeFigureOut">
               <a:rPr lang="en-US" dirty="0"/>
-              <a:t>11/1/2022</a:t>
+              <a:t>11/2/2022</a:t>
             </a:fld>
             <a:endParaRPr lang="en-US" dirty="0"/>
           </a:p>
@@ -3996,7 +3996,7 @@
           <a:p>
             <a:fld id="{B3CFE2CC-454D-4466-AC55-B86DA0A87BAE}" type="datetimeFigureOut">
               <a:rPr lang="en-US" dirty="0"/>
-              <a:t>11/1/2022</a:t>
+              <a:t>11/2/2022</a:t>
             </a:fld>
             <a:endParaRPr lang="en-US" dirty="0"/>
           </a:p>
@@ -4255,7 +4255,7 @@
           <a:p>
             <a:fld id="{B647B1BF-4039-460D-A637-65428CBD720E}" type="datetimeFigureOut">
               <a:rPr lang="en-US" dirty="0"/>
-              <a:t>11/1/2022</a:t>
+              <a:t>11/2/2022</a:t>
             </a:fld>
             <a:endParaRPr lang="en-US" dirty="0"/>
           </a:p>
@@ -4574,7 +4574,7 @@
           <a:p>
             <a:fld id="{AAA39ACE-9343-4EBE-B5CA-AEA240A1DC53}" type="datetimeFigureOut">
               <a:rPr lang="en-US" dirty="0"/>
-              <a:t>11/1/2022</a:t>
+              <a:t>11/2/2022</a:t>
             </a:fld>
             <a:endParaRPr lang="en-US" dirty="0"/>
           </a:p>
@@ -4958,7 +4958,7 @@
           <a:p>
             <a:fld id="{C9A00F7B-89C5-4DF7-A309-6263220147D4}" type="datetimeFigureOut">
               <a:rPr lang="en-US" dirty="0"/>
-              <a:t>11/1/2022</a:t>
+              <a:t>11/2/2022</a:t>
             </a:fld>
             <a:endParaRPr lang="en-US" dirty="0"/>
           </a:p>
@@ -5329,7 +5329,7 @@
           <a:p>
             <a:fld id="{449C95DE-FD64-4606-AE61-EC1136867CC6}" type="datetimeFigureOut">
               <a:rPr lang="en-US" dirty="0"/>
-              <a:t>11/1/2022</a:t>
+              <a:t>11/2/2022</a:t>
             </a:fld>
             <a:endParaRPr lang="en-US" dirty="0"/>
           </a:p>
@@ -5830,7 +5830,7 @@
           <a:p>
             <a:fld id="{5DEB0BBD-30FE-4CF1-900A-0C45149F8AF8}" type="datetimeFigureOut">
               <a:rPr lang="en-US" dirty="0"/>
-              <a:t>11/1/2022</a:t>
+              <a:t>11/2/2022</a:t>
             </a:fld>
             <a:endParaRPr lang="en-US" dirty="0"/>
           </a:p>
@@ -6082,7 +6082,7 @@
           <a:p>
             <a:fld id="{B91A5F7F-3E81-4C65-A4D1-CB62D5B9DB91}" type="datetimeFigureOut">
               <a:rPr lang="en-US" dirty="0"/>
-              <a:t>11/1/2022</a:t>
+              <a:t>11/2/2022</a:t>
             </a:fld>
             <a:endParaRPr lang="en-US" dirty="0"/>
           </a:p>
@@ -6240,7 +6240,7 @@
           <a:p>
             <a:fld id="{377ECC86-1672-4627-AEFE-EC5485C73905}" type="datetimeFigureOut">
               <a:rPr lang="en-US" dirty="0"/>
-              <a:t>11/1/2022</a:t>
+              <a:t>11/2/2022</a:t>
             </a:fld>
             <a:endParaRPr lang="en-US" dirty="0"/>
           </a:p>
@@ -6625,7 +6625,7 @@
           <a:p>
             <a:fld id="{3CDCB01F-D966-4C62-B900-0BE008A90C98}" type="datetimeFigureOut">
               <a:rPr lang="en-US" dirty="0"/>
-              <a:t>11/1/2022</a:t>
+              <a:t>11/2/2022</a:t>
             </a:fld>
             <a:endParaRPr lang="en-US" dirty="0"/>
           </a:p>
@@ -7029,7 +7029,7 @@
           <a:p>
             <a:fld id="{5E73A0EA-7DC7-4964-BB97-B173EF3B859A}" type="datetimeFigureOut">
               <a:rPr lang="en-US" dirty="0"/>
-              <a:t>11/1/2022</a:t>
+              <a:t>11/2/2022</a:t>
             </a:fld>
             <a:endParaRPr lang="en-US" dirty="0"/>
           </a:p>
@@ -7268,7 +7268,7 @@
           <a:p>
             <a:fld id="{30EF52CC-F3D9-41D4-BCE4-C208E61A3F31}" type="datetimeFigureOut">
               <a:rPr lang="en-US" dirty="0"/>
-              <a:t>11/1/2022</a:t>
+              <a:t>11/2/2022</a:t>
             </a:fld>
             <a:endParaRPr lang="en-US" dirty="0"/>
           </a:p>
@@ -7921,19 +7921,17 @@
       </p:sp>
       <p:pic>
         <p:nvPicPr>
-          <p:cNvPr id="105" name="Content Placeholder 104">
+          <p:cNvPr id="6" name="Picture 5">
             <a:extLst>
               <a:ext uri="{FF2B5EF4-FFF2-40B4-BE49-F238E27FC236}">
-                <a16:creationId xmlns:a16="http://schemas.microsoft.com/office/drawing/2014/main" id="{146B5943-BF6B-93F6-4C1A-1B440027B82D}"/>
+                <a16:creationId xmlns:a16="http://schemas.microsoft.com/office/drawing/2014/main" id="{01EE85F3-2A4D-8E43-009C-35215AAF2B63}"/>
               </a:ext>
             </a:extLst>
           </p:cNvPr>
           <p:cNvPicPr>
-            <a:picLocks noGrp="1" noChangeAspect="1"/>
+            <a:picLocks noChangeAspect="1"/>
           </p:cNvPicPr>
-          <p:nvPr>
-            <p:ph idx="1"/>
-          </p:nvPr>
+          <p:nvPr/>
         </p:nvPicPr>
         <p:blipFill>
           <a:blip r:embed="rId2"/>
@@ -7943,8 +7941,8 @@
         </p:blipFill>
         <p:spPr>
           <a:xfrm>
-            <a:off x="680321" y="2201089"/>
-            <a:ext cx="9613861" cy="4433887"/>
+            <a:off x="897321" y="2437734"/>
+            <a:ext cx="9130694" cy="3239166"/>
           </a:xfrm>
           <a:prstGeom prst="rect">
             <a:avLst/>

--- a/SpecifikacijaZahtjeva.pptx
+++ b/SpecifikacijaZahtjeva.pptx
@@ -7,9 +7,10 @@
   <p:sldIdLst>
     <p:sldId id="256" r:id="rId2"/>
     <p:sldId id="257" r:id="rId3"/>
-    <p:sldId id="258" r:id="rId4"/>
-    <p:sldId id="259" r:id="rId5"/>
-    <p:sldId id="260" r:id="rId6"/>
+    <p:sldId id="261" r:id="rId4"/>
+    <p:sldId id="258" r:id="rId5"/>
+    <p:sldId id="259" r:id="rId6"/>
+    <p:sldId id="260" r:id="rId7"/>
   </p:sldIdLst>
   <p:sldSz cx="12192000" cy="6858000"/>
   <p:notesSz cx="6858000" cy="9144000"/>
@@ -7911,44 +7912,384 @@
           <a:lstStyle/>
           <a:p>
             <a:r>
-              <a:rPr lang="hr-BA" b="1" dirty="0">
+              <a:rPr lang="en-US" b="1" dirty="0" err="1">
                 <a:latin typeface="Agency FB" panose="020B0503020202020204" pitchFamily="34" charset="0"/>
               </a:rPr>
-              <a:t>Podjela uloga</a:t>
-            </a:r>
-          </a:p>
-        </p:txBody>
-      </p:sp>
-      <p:pic>
-        <p:nvPicPr>
-          <p:cNvPr id="6" name="Picture 5">
+              <a:t>Usluge</a:t>
+            </a:r>
+            <a:r>
+              <a:rPr lang="en-US" b="1" dirty="0">
+                <a:latin typeface="Agency FB" panose="020B0503020202020204" pitchFamily="34" charset="0"/>
+              </a:rPr>
+              <a:t> </a:t>
+            </a:r>
+            <a:endParaRPr lang="hr-BA" b="1" dirty="0">
+              <a:latin typeface="Agency FB" panose="020B0503020202020204" pitchFamily="34" charset="0"/>
+            </a:endParaRPr>
+          </a:p>
+        </p:txBody>
+      </p:sp>
+      <p:sp>
+        <p:nvSpPr>
+          <p:cNvPr id="4" name="Rezervirano mjesto sadržaja 3">
             <a:extLst>
               <a:ext uri="{FF2B5EF4-FFF2-40B4-BE49-F238E27FC236}">
-                <a16:creationId xmlns:a16="http://schemas.microsoft.com/office/drawing/2014/main" id="{01EE85F3-2A4D-8E43-009C-35215AAF2B63}"/>
+                <a16:creationId xmlns:a16="http://schemas.microsoft.com/office/drawing/2014/main" id="{7D956789-DF80-72E1-B1E1-65DC6819A43E}"/>
               </a:ext>
             </a:extLst>
           </p:cNvPr>
-          <p:cNvPicPr>
-            <a:picLocks noChangeAspect="1"/>
-          </p:cNvPicPr>
-          <p:nvPr/>
-        </p:nvPicPr>
-        <p:blipFill>
-          <a:blip r:embed="rId2"/>
-          <a:stretch>
-            <a:fillRect/>
-          </a:stretch>
-        </p:blipFill>
-        <p:spPr>
-          <a:xfrm>
-            <a:off x="897321" y="2437734"/>
-            <a:ext cx="9130694" cy="3239166"/>
-          </a:xfrm>
-          <a:prstGeom prst="rect">
-            <a:avLst/>
-          </a:prstGeom>
-        </p:spPr>
-      </p:pic>
+          <p:cNvSpPr>
+            <a:spLocks noGrp="1"/>
+          </p:cNvSpPr>
+          <p:nvPr>
+            <p:ph idx="1"/>
+          </p:nvPr>
+        </p:nvSpPr>
+        <p:spPr>
+          <a:xfrm>
+            <a:off x="680321" y="2336872"/>
+            <a:ext cx="9613861" cy="3767899"/>
+          </a:xfrm>
+        </p:spPr>
+        <p:txBody>
+          <a:bodyPr/>
+          <a:lstStyle/>
+          <a:p>
+            <a:pPr marL="0" indent="0">
+              <a:buNone/>
+            </a:pPr>
+            <a:r>
+              <a:rPr lang="en-US" dirty="0" err="1">
+                <a:solidFill>
+                  <a:schemeClr val="bg1"/>
+                </a:solidFill>
+              </a:rPr>
+              <a:t>Usluge</a:t>
+            </a:r>
+            <a:r>
+              <a:rPr lang="en-US" dirty="0">
+                <a:solidFill>
+                  <a:schemeClr val="bg1"/>
+                </a:solidFill>
+              </a:rPr>
+              <a:t> </a:t>
+            </a:r>
+            <a:r>
+              <a:rPr lang="en-US" dirty="0" err="1">
+                <a:solidFill>
+                  <a:schemeClr val="bg1"/>
+                </a:solidFill>
+              </a:rPr>
+              <a:t>koje</a:t>
+            </a:r>
+            <a:r>
+              <a:rPr lang="en-US" dirty="0">
+                <a:solidFill>
+                  <a:schemeClr val="bg1"/>
+                </a:solidFill>
+              </a:rPr>
+              <a:t> house hub </a:t>
+            </a:r>
+            <a:r>
+              <a:rPr lang="en-US" dirty="0" err="1">
+                <a:solidFill>
+                  <a:schemeClr val="bg1"/>
+                </a:solidFill>
+              </a:rPr>
+              <a:t>pruža</a:t>
+            </a:r>
+            <a:r>
+              <a:rPr lang="en-US" dirty="0">
+                <a:solidFill>
+                  <a:schemeClr val="bg1"/>
+                </a:solidFill>
+              </a:rPr>
+              <a:t> </a:t>
+            </a:r>
+            <a:r>
+              <a:rPr lang="en-US" dirty="0" err="1">
+                <a:solidFill>
+                  <a:schemeClr val="bg1"/>
+                </a:solidFill>
+              </a:rPr>
+              <a:t>su</a:t>
+            </a:r>
+            <a:r>
+              <a:rPr lang="en-US" dirty="0">
+                <a:solidFill>
+                  <a:schemeClr val="bg1"/>
+                </a:solidFill>
+              </a:rPr>
+              <a:t>: </a:t>
+            </a:r>
+          </a:p>
+          <a:p>
+            <a:pPr marL="0" indent="0">
+              <a:buNone/>
+            </a:pPr>
+            <a:endParaRPr lang="en-US" dirty="0">
+              <a:solidFill>
+                <a:schemeClr val="bg1"/>
+              </a:solidFill>
+            </a:endParaRPr>
+          </a:p>
+          <a:p>
+            <a:pPr marL="342900" marR="0" lvl="0" indent="-342900">
+              <a:lnSpc>
+                <a:spcPct val="115000"/>
+              </a:lnSpc>
+              <a:spcBef>
+                <a:spcPts val="0"/>
+              </a:spcBef>
+              <a:spcAft>
+                <a:spcPts val="0"/>
+              </a:spcAft>
+              <a:buFont typeface="Symbol" panose="05050102010706020507" pitchFamily="18" charset="2"/>
+              <a:buChar char=""/>
+            </a:pPr>
+            <a:r>
+              <a:rPr lang="hr-BA" sz="1800" dirty="0">
+                <a:solidFill>
+                  <a:schemeClr val="bg1"/>
+                </a:solidFill>
+                <a:effectLst/>
+                <a:latin typeface="Times New Roman" panose="02020603050405020304" pitchFamily="18" charset="0"/>
+                <a:ea typeface="MS Mincho" panose="02020609040205080304" pitchFamily="49" charset="-128"/>
+                <a:cs typeface="Times New Roman" panose="02020603050405020304" pitchFamily="18" charset="0"/>
+              </a:rPr>
+              <a:t>Podaci o nekretnini: ime, lokacija, broj soba, cijena, ocjena, dodatni podaci (npr. postojanje interneta, parkirnog mjesta)</a:t>
+            </a:r>
+            <a:endParaRPr lang="en-US" sz="1800" dirty="0">
+              <a:solidFill>
+                <a:schemeClr val="bg1"/>
+              </a:solidFill>
+              <a:effectLst/>
+              <a:latin typeface="Times New Roman" panose="02020603050405020304" pitchFamily="18" charset="0"/>
+              <a:ea typeface="MS Mincho" panose="02020609040205080304" pitchFamily="49" charset="-128"/>
+              <a:cs typeface="Times New Roman" panose="02020603050405020304" pitchFamily="18" charset="0"/>
+            </a:endParaRPr>
+          </a:p>
+          <a:p>
+            <a:pPr marL="342900" marR="0" lvl="0" indent="-342900">
+              <a:lnSpc>
+                <a:spcPct val="115000"/>
+              </a:lnSpc>
+              <a:spcBef>
+                <a:spcPts val="0"/>
+              </a:spcBef>
+              <a:spcAft>
+                <a:spcPts val="0"/>
+              </a:spcAft>
+              <a:buFont typeface="Symbol" panose="05050102010706020507" pitchFamily="18" charset="2"/>
+              <a:buChar char=""/>
+            </a:pPr>
+            <a:r>
+              <a:rPr lang="hr-BA" sz="1800" dirty="0">
+                <a:solidFill>
+                  <a:schemeClr val="bg1"/>
+                </a:solidFill>
+                <a:effectLst/>
+                <a:latin typeface="Times New Roman" panose="02020603050405020304" pitchFamily="18" charset="0"/>
+                <a:ea typeface="MS Mincho" panose="02020609040205080304" pitchFamily="49" charset="-128"/>
+                <a:cs typeface="Times New Roman" panose="02020603050405020304" pitchFamily="18" charset="0"/>
+              </a:rPr>
+              <a:t>Korištenje stranice na hrvatskom i engleskom jeziku</a:t>
+            </a:r>
+            <a:endParaRPr lang="en-US" sz="1800" dirty="0">
+              <a:solidFill>
+                <a:schemeClr val="bg1"/>
+              </a:solidFill>
+              <a:effectLst/>
+              <a:latin typeface="Times New Roman" panose="02020603050405020304" pitchFamily="18" charset="0"/>
+              <a:ea typeface="MS Mincho" panose="02020609040205080304" pitchFamily="49" charset="-128"/>
+              <a:cs typeface="Times New Roman" panose="02020603050405020304" pitchFamily="18" charset="0"/>
+            </a:endParaRPr>
+          </a:p>
+          <a:p>
+            <a:pPr marL="342900" marR="0" lvl="0" indent="-342900">
+              <a:lnSpc>
+                <a:spcPct val="115000"/>
+              </a:lnSpc>
+              <a:spcBef>
+                <a:spcPts val="0"/>
+              </a:spcBef>
+              <a:spcAft>
+                <a:spcPts val="0"/>
+              </a:spcAft>
+              <a:buFont typeface="Symbol" panose="05050102010706020507" pitchFamily="18" charset="2"/>
+              <a:buChar char=""/>
+            </a:pPr>
+            <a:r>
+              <a:rPr lang="hr-BA" sz="1800" dirty="0">
+                <a:solidFill>
+                  <a:schemeClr val="bg1"/>
+                </a:solidFill>
+                <a:effectLst/>
+                <a:latin typeface="Times New Roman" panose="02020603050405020304" pitchFamily="18" charset="0"/>
+                <a:ea typeface="MS Mincho" panose="02020609040205080304" pitchFamily="49" charset="-128"/>
+                <a:cs typeface="Times New Roman" panose="02020603050405020304" pitchFamily="18" charset="0"/>
+              </a:rPr>
+              <a:t>Kalendar sa slobodnim datumima</a:t>
+            </a:r>
+            <a:endParaRPr lang="en-US" sz="1800" dirty="0">
+              <a:solidFill>
+                <a:schemeClr val="bg1"/>
+              </a:solidFill>
+              <a:effectLst/>
+              <a:latin typeface="Times New Roman" panose="02020603050405020304" pitchFamily="18" charset="0"/>
+              <a:ea typeface="MS Mincho" panose="02020609040205080304" pitchFamily="49" charset="-128"/>
+              <a:cs typeface="Times New Roman" panose="02020603050405020304" pitchFamily="18" charset="0"/>
+            </a:endParaRPr>
+          </a:p>
+          <a:p>
+            <a:pPr marL="342900" marR="0" lvl="0" indent="-342900" algn="just">
+              <a:lnSpc>
+                <a:spcPct val="115000"/>
+              </a:lnSpc>
+              <a:spcBef>
+                <a:spcPts val="0"/>
+              </a:spcBef>
+              <a:spcAft>
+                <a:spcPts val="0"/>
+              </a:spcAft>
+              <a:buFont typeface="Symbol" panose="05050102010706020507" pitchFamily="18" charset="2"/>
+              <a:buChar char=""/>
+            </a:pPr>
+            <a:r>
+              <a:rPr lang="hr-BA" sz="1800" dirty="0">
+                <a:solidFill>
+                  <a:schemeClr val="bg1"/>
+                </a:solidFill>
+                <a:effectLst/>
+                <a:latin typeface="Times New Roman" panose="02020603050405020304" pitchFamily="18" charset="0"/>
+                <a:ea typeface="MS Mincho" panose="02020609040205080304" pitchFamily="49" charset="-128"/>
+                <a:cs typeface="Times New Roman" panose="02020603050405020304" pitchFamily="18" charset="0"/>
+              </a:rPr>
+              <a:t>Mogućnost rezervacije</a:t>
+            </a:r>
+            <a:endParaRPr lang="en-US" sz="1800" dirty="0">
+              <a:solidFill>
+                <a:schemeClr val="bg1"/>
+              </a:solidFill>
+              <a:effectLst/>
+              <a:latin typeface="Times New Roman" panose="02020603050405020304" pitchFamily="18" charset="0"/>
+              <a:ea typeface="MS Mincho" panose="02020609040205080304" pitchFamily="49" charset="-128"/>
+              <a:cs typeface="Times New Roman" panose="02020603050405020304" pitchFamily="18" charset="0"/>
+            </a:endParaRPr>
+          </a:p>
+          <a:p>
+            <a:pPr marL="342900" marR="0" lvl="0" indent="-342900" algn="just">
+              <a:lnSpc>
+                <a:spcPct val="115000"/>
+              </a:lnSpc>
+              <a:spcBef>
+                <a:spcPts val="0"/>
+              </a:spcBef>
+              <a:spcAft>
+                <a:spcPts val="0"/>
+              </a:spcAft>
+              <a:buFont typeface="Symbol" panose="05050102010706020507" pitchFamily="18" charset="2"/>
+              <a:buChar char=""/>
+            </a:pPr>
+            <a:r>
+              <a:rPr lang="hr-BA" sz="1800" dirty="0">
+                <a:solidFill>
+                  <a:schemeClr val="bg1"/>
+                </a:solidFill>
+                <a:effectLst/>
+                <a:latin typeface="Times New Roman" panose="02020603050405020304" pitchFamily="18" charset="0"/>
+                <a:ea typeface="MS Mincho" panose="02020609040205080304" pitchFamily="49" charset="-128"/>
+                <a:cs typeface="Times New Roman" panose="02020603050405020304" pitchFamily="18" charset="0"/>
+              </a:rPr>
+              <a:t>Mogućnost ostavljanja recenzije i ocjene</a:t>
+            </a:r>
+            <a:endParaRPr lang="en-US" sz="1800" dirty="0">
+              <a:solidFill>
+                <a:schemeClr val="bg1"/>
+              </a:solidFill>
+              <a:effectLst/>
+              <a:latin typeface="Times New Roman" panose="02020603050405020304" pitchFamily="18" charset="0"/>
+              <a:ea typeface="MS Mincho" panose="02020609040205080304" pitchFamily="49" charset="-128"/>
+              <a:cs typeface="Times New Roman" panose="02020603050405020304" pitchFamily="18" charset="0"/>
+            </a:endParaRPr>
+          </a:p>
+          <a:p>
+            <a:pPr marL="342900" marR="0" lvl="0" indent="-342900" algn="just">
+              <a:lnSpc>
+                <a:spcPct val="115000"/>
+              </a:lnSpc>
+              <a:spcBef>
+                <a:spcPts val="0"/>
+              </a:spcBef>
+              <a:spcAft>
+                <a:spcPts val="0"/>
+              </a:spcAft>
+              <a:buFont typeface="Symbol" panose="05050102010706020507" pitchFamily="18" charset="2"/>
+              <a:buChar char=""/>
+            </a:pPr>
+            <a:r>
+              <a:rPr lang="hr-BA" sz="1800" dirty="0">
+                <a:solidFill>
+                  <a:schemeClr val="bg1"/>
+                </a:solidFill>
+                <a:effectLst/>
+                <a:latin typeface="Times New Roman" panose="02020603050405020304" pitchFamily="18" charset="0"/>
+                <a:ea typeface="MS Mincho" panose="02020609040205080304" pitchFamily="49" charset="-128"/>
+                <a:cs typeface="Times New Roman" panose="02020603050405020304" pitchFamily="18" charset="0"/>
+              </a:rPr>
+              <a:t>Praćenje baze podataka</a:t>
+            </a:r>
+            <a:endParaRPr lang="en-US" sz="1800" dirty="0">
+              <a:solidFill>
+                <a:schemeClr val="bg1"/>
+              </a:solidFill>
+              <a:effectLst/>
+              <a:latin typeface="Times New Roman" panose="02020603050405020304" pitchFamily="18" charset="0"/>
+              <a:ea typeface="MS Mincho" panose="02020609040205080304" pitchFamily="49" charset="-128"/>
+              <a:cs typeface="Times New Roman" panose="02020603050405020304" pitchFamily="18" charset="0"/>
+            </a:endParaRPr>
+          </a:p>
+          <a:p>
+            <a:pPr marL="342900" marR="0" lvl="0" indent="-342900" algn="just">
+              <a:lnSpc>
+                <a:spcPct val="115000"/>
+              </a:lnSpc>
+              <a:spcBef>
+                <a:spcPts val="0"/>
+              </a:spcBef>
+              <a:spcAft>
+                <a:spcPts val="1000"/>
+              </a:spcAft>
+              <a:buFont typeface="Symbol" panose="05050102010706020507" pitchFamily="18" charset="2"/>
+              <a:buChar char=""/>
+            </a:pPr>
+            <a:r>
+              <a:rPr lang="hr-BA" sz="1800" dirty="0">
+                <a:solidFill>
+                  <a:schemeClr val="bg1"/>
+                </a:solidFill>
+                <a:effectLst/>
+                <a:latin typeface="Times New Roman" panose="02020603050405020304" pitchFamily="18" charset="0"/>
+                <a:ea typeface="MS Mincho" panose="02020609040205080304" pitchFamily="49" charset="-128"/>
+                <a:cs typeface="Times New Roman" panose="02020603050405020304" pitchFamily="18" charset="0"/>
+              </a:rPr>
+              <a:t>Mogućnost plaćanja preko stranice</a:t>
+            </a:r>
+            <a:endParaRPr lang="en-US" sz="1800" dirty="0">
+              <a:solidFill>
+                <a:schemeClr val="bg1"/>
+              </a:solidFill>
+              <a:effectLst/>
+              <a:latin typeface="Times New Roman" panose="02020603050405020304" pitchFamily="18" charset="0"/>
+              <a:ea typeface="MS Mincho" panose="02020609040205080304" pitchFamily="49" charset="-128"/>
+              <a:cs typeface="Times New Roman" panose="02020603050405020304" pitchFamily="18" charset="0"/>
+            </a:endParaRPr>
+          </a:p>
+          <a:p>
+            <a:endParaRPr lang="en-US" dirty="0"/>
+          </a:p>
+        </p:txBody>
+      </p:sp>
     </p:spTree>
     <p:extLst>
       <p:ext uri="{BB962C8B-B14F-4D97-AF65-F5344CB8AC3E}">
@@ -7981,10 +8322,10 @@
       </p:grpSpPr>
       <p:sp>
         <p:nvSpPr>
-          <p:cNvPr id="2" name="Title 1">
+          <p:cNvPr id="2" name="Naslov 1">
             <a:extLst>
               <a:ext uri="{FF2B5EF4-FFF2-40B4-BE49-F238E27FC236}">
-                <a16:creationId xmlns:a16="http://schemas.microsoft.com/office/drawing/2014/main" id="{03B12609-8574-B4E3-5127-E7650C54FDC7}"/>
+                <a16:creationId xmlns:a16="http://schemas.microsoft.com/office/drawing/2014/main" id="{463520A4-C546-DFE3-0B0D-E44B06CB2165}"/>
               </a:ext>
             </a:extLst>
           </p:cNvPr>
@@ -8001,48 +8342,779 @@
           <a:lstStyle/>
           <a:p>
             <a:r>
-              <a:rPr lang="hr-BA" b="1" dirty="0">
+              <a:rPr lang="en-US" b="1" dirty="0" err="1">
                 <a:latin typeface="Agency FB" panose="020B0503020202020204" pitchFamily="34" charset="0"/>
               </a:rPr>
-              <a:t>Funkcionalni zahtjevi</a:t>
-            </a:r>
-          </a:p>
-        </p:txBody>
-      </p:sp>
-      <p:pic>
-        <p:nvPicPr>
-          <p:cNvPr id="7" name="Picture 6">
+              <a:t>Korisnici</a:t>
+            </a:r>
+            <a:r>
+              <a:rPr lang="en-US" dirty="0"/>
+              <a:t> </a:t>
+            </a:r>
+          </a:p>
+        </p:txBody>
+      </p:sp>
+      <p:graphicFrame>
+        <p:nvGraphicFramePr>
+          <p:cNvPr id="4" name="Rezervirano mjesto sadržaja 3">
             <a:extLst>
               <a:ext uri="{FF2B5EF4-FFF2-40B4-BE49-F238E27FC236}">
-                <a16:creationId xmlns:a16="http://schemas.microsoft.com/office/drawing/2014/main" id="{97A83F3A-20FD-2C88-7DDD-A0A533AD0CA4}"/>
+                <a16:creationId xmlns:a16="http://schemas.microsoft.com/office/drawing/2014/main" id="{5C0AAB89-C531-BA26-50D3-5A78CFD21383}"/>
               </a:ext>
             </a:extLst>
           </p:cNvPr>
-          <p:cNvPicPr>
-            <a:picLocks noChangeAspect="1"/>
-          </p:cNvPicPr>
-          <p:nvPr/>
-        </p:nvPicPr>
-        <p:blipFill>
-          <a:blip r:embed="rId2"/>
-          <a:stretch>
-            <a:fillRect/>
-          </a:stretch>
-        </p:blipFill>
-        <p:spPr>
-          <a:xfrm>
-            <a:off x="1277675" y="2351585"/>
-            <a:ext cx="8176875" cy="3823005"/>
-          </a:xfrm>
-          <a:prstGeom prst="rect">
-            <a:avLst/>
-          </a:prstGeom>
-        </p:spPr>
-      </p:pic>
+          <p:cNvGraphicFramePr>
+            <a:graphicFrameLocks noGrp="1"/>
+          </p:cNvGraphicFramePr>
+          <p:nvPr>
+            <p:ph idx="1"/>
+            <p:extLst>
+              <p:ext uri="{D42A27DB-BD31-4B8C-83A1-F6EECF244321}">
+                <p14:modId xmlns:p14="http://schemas.microsoft.com/office/powerpoint/2010/main" val="1095569198"/>
+              </p:ext>
+            </p:extLst>
+          </p:nvPr>
+        </p:nvGraphicFramePr>
+        <p:xfrm>
+          <a:off x="1845578" y="2357307"/>
+          <a:ext cx="6946083" cy="4001547"/>
+        </p:xfrm>
+        <a:graphic>
+          <a:graphicData uri="http://schemas.openxmlformats.org/drawingml/2006/table">
+            <a:tbl>
+              <a:tblPr firstRow="1" firstCol="1" bandRow="1"/>
+              <a:tblGrid>
+                <a:gridCol w="1458774">
+                  <a:extLst>
+                    <a:ext uri="{9D8B030D-6E8A-4147-A177-3AD203B41FA5}">
+                      <a16:colId xmlns:a16="http://schemas.microsoft.com/office/drawing/2014/main" val="1742028848"/>
+                    </a:ext>
+                  </a:extLst>
+                </a:gridCol>
+                <a:gridCol w="5487309">
+                  <a:extLst>
+                    <a:ext uri="{9D8B030D-6E8A-4147-A177-3AD203B41FA5}">
+                      <a16:colId xmlns:a16="http://schemas.microsoft.com/office/drawing/2014/main" val="1922650550"/>
+                    </a:ext>
+                  </a:extLst>
+                </a:gridCol>
+              </a:tblGrid>
+              <a:tr h="311150">
+                <a:tc>
+                  <a:txBody>
+                    <a:bodyPr/>
+                    <a:lstStyle/>
+                    <a:p>
+                      <a:pPr marL="0" marR="0" algn="ctr">
+                        <a:lnSpc>
+                          <a:spcPct val="115000"/>
+                        </a:lnSpc>
+                        <a:spcBef>
+                          <a:spcPts val="0"/>
+                        </a:spcBef>
+                        <a:spcAft>
+                          <a:spcPts val="0"/>
+                        </a:spcAft>
+                      </a:pPr>
+                      <a:r>
+                        <a:rPr lang="hr-BA" sz="1400" b="1">
+                          <a:solidFill>
+                            <a:srgbClr val="000000"/>
+                          </a:solidFill>
+                          <a:effectLst/>
+                          <a:latin typeface="Times New Roman" panose="02020603050405020304" pitchFamily="18" charset="0"/>
+                          <a:ea typeface="MS Mincho" panose="02020609040205080304" pitchFamily="49" charset="-128"/>
+                          <a:cs typeface="Times New Roman" panose="02020603050405020304" pitchFamily="18" charset="0"/>
+                        </a:rPr>
+                        <a:t>Korisnici</a:t>
+                      </a:r>
+                      <a:endParaRPr lang="en-US" sz="1400">
+                        <a:effectLst/>
+                        <a:latin typeface="Times New Roman" panose="02020603050405020304" pitchFamily="18" charset="0"/>
+                        <a:ea typeface="MS Mincho" panose="02020609040205080304" pitchFamily="49" charset="-128"/>
+                        <a:cs typeface="Times New Roman" panose="02020603050405020304" pitchFamily="18" charset="0"/>
+                      </a:endParaRPr>
+                    </a:p>
+                  </a:txBody>
+                  <a:tcPr marL="68580" marR="68580" marT="0" marB="0">
+                    <a:lnL w="12700" cap="flat" cmpd="sng" algn="ctr">
+                      <a:solidFill>
+                        <a:srgbClr val="000000"/>
+                      </a:solidFill>
+                      <a:prstDash val="solid"/>
+                      <a:round/>
+                      <a:headEnd type="none" w="med" len="med"/>
+                      <a:tailEnd type="none" w="med" len="med"/>
+                    </a:lnL>
+                    <a:lnR w="12700" cap="flat" cmpd="sng" algn="ctr">
+                      <a:solidFill>
+                        <a:srgbClr val="000000"/>
+                      </a:solidFill>
+                      <a:prstDash val="solid"/>
+                      <a:round/>
+                      <a:headEnd type="none" w="med" len="med"/>
+                      <a:tailEnd type="none" w="med" len="med"/>
+                    </a:lnR>
+                    <a:lnT w="12700" cap="flat" cmpd="sng" algn="ctr">
+                      <a:solidFill>
+                        <a:srgbClr val="000000"/>
+                      </a:solidFill>
+                      <a:prstDash val="solid"/>
+                      <a:round/>
+                      <a:headEnd type="none" w="med" len="med"/>
+                      <a:tailEnd type="none" w="med" len="med"/>
+                    </a:lnT>
+                    <a:lnB w="12700" cap="flat" cmpd="sng" algn="ctr">
+                      <a:solidFill>
+                        <a:srgbClr val="000000"/>
+                      </a:solidFill>
+                      <a:prstDash val="solid"/>
+                      <a:round/>
+                      <a:headEnd type="none" w="med" len="med"/>
+                      <a:tailEnd type="none" w="med" len="med"/>
+                    </a:lnB>
+                    <a:solidFill>
+                      <a:srgbClr val="548DD4"/>
+                    </a:solidFill>
+                  </a:tcPr>
+                </a:tc>
+                <a:tc>
+                  <a:txBody>
+                    <a:bodyPr/>
+                    <a:lstStyle/>
+                    <a:p>
+                      <a:pPr marL="0" marR="0" algn="ctr">
+                        <a:lnSpc>
+                          <a:spcPct val="115000"/>
+                        </a:lnSpc>
+                        <a:spcBef>
+                          <a:spcPts val="0"/>
+                        </a:spcBef>
+                        <a:spcAft>
+                          <a:spcPts val="0"/>
+                        </a:spcAft>
+                      </a:pPr>
+                      <a:r>
+                        <a:rPr lang="hr-BA" sz="1400" b="1">
+                          <a:solidFill>
+                            <a:srgbClr val="000000"/>
+                          </a:solidFill>
+                          <a:effectLst/>
+                          <a:latin typeface="Times New Roman" panose="02020603050405020304" pitchFamily="18" charset="0"/>
+                          <a:ea typeface="MS Mincho" panose="02020609040205080304" pitchFamily="49" charset="-128"/>
+                          <a:cs typeface="Times New Roman" panose="02020603050405020304" pitchFamily="18" charset="0"/>
+                        </a:rPr>
+                        <a:t>Kratak opis</a:t>
+                      </a:r>
+                      <a:endParaRPr lang="en-US" sz="1400">
+                        <a:effectLst/>
+                        <a:latin typeface="Times New Roman" panose="02020603050405020304" pitchFamily="18" charset="0"/>
+                        <a:ea typeface="MS Mincho" panose="02020609040205080304" pitchFamily="49" charset="-128"/>
+                        <a:cs typeface="Times New Roman" panose="02020603050405020304" pitchFamily="18" charset="0"/>
+                      </a:endParaRPr>
+                    </a:p>
+                  </a:txBody>
+                  <a:tcPr marL="68580" marR="68580" marT="0" marB="0">
+                    <a:lnL w="12700" cap="flat" cmpd="sng" algn="ctr">
+                      <a:solidFill>
+                        <a:srgbClr val="000000"/>
+                      </a:solidFill>
+                      <a:prstDash val="solid"/>
+                      <a:round/>
+                      <a:headEnd type="none" w="med" len="med"/>
+                      <a:tailEnd type="none" w="med" len="med"/>
+                    </a:lnL>
+                    <a:lnR w="12700" cap="flat" cmpd="sng" algn="ctr">
+                      <a:solidFill>
+                        <a:srgbClr val="000000"/>
+                      </a:solidFill>
+                      <a:prstDash val="solid"/>
+                      <a:round/>
+                      <a:headEnd type="none" w="med" len="med"/>
+                      <a:tailEnd type="none" w="med" len="med"/>
+                    </a:lnR>
+                    <a:lnT w="12700" cap="flat" cmpd="sng" algn="ctr">
+                      <a:solidFill>
+                        <a:srgbClr val="000000"/>
+                      </a:solidFill>
+                      <a:prstDash val="solid"/>
+                      <a:round/>
+                      <a:headEnd type="none" w="med" len="med"/>
+                      <a:tailEnd type="none" w="med" len="med"/>
+                    </a:lnT>
+                    <a:lnB w="12700" cap="flat" cmpd="sng" algn="ctr">
+                      <a:solidFill>
+                        <a:srgbClr val="000000"/>
+                      </a:solidFill>
+                      <a:prstDash val="solid"/>
+                      <a:round/>
+                      <a:headEnd type="none" w="med" len="med"/>
+                      <a:tailEnd type="none" w="med" len="med"/>
+                    </a:lnB>
+                    <a:solidFill>
+                      <a:srgbClr val="548DD4"/>
+                    </a:solidFill>
+                  </a:tcPr>
+                </a:tc>
+                <a:extLst>
+                  <a:ext uri="{0D108BD9-81ED-4DB2-BD59-A6C34878D82A}">
+                    <a16:rowId xmlns:a16="http://schemas.microsoft.com/office/drawing/2014/main" val="3865704221"/>
+                  </a:ext>
+                </a:extLst>
+              </a:tr>
+              <a:tr h="794409">
+                <a:tc>
+                  <a:txBody>
+                    <a:bodyPr/>
+                    <a:lstStyle/>
+                    <a:p>
+                      <a:pPr marL="0" marR="0" algn="ctr">
+                        <a:lnSpc>
+                          <a:spcPct val="115000"/>
+                        </a:lnSpc>
+                        <a:spcBef>
+                          <a:spcPts val="500"/>
+                        </a:spcBef>
+                        <a:spcAft>
+                          <a:spcPts val="0"/>
+                        </a:spcAft>
+                      </a:pPr>
+                      <a:r>
+                        <a:rPr lang="hr-BA" sz="1400" b="1">
+                          <a:solidFill>
+                            <a:srgbClr val="000000"/>
+                          </a:solidFill>
+                          <a:effectLst/>
+                          <a:latin typeface="Times New Roman" panose="02020603050405020304" pitchFamily="18" charset="0"/>
+                          <a:ea typeface="MS Mincho" panose="02020609040205080304" pitchFamily="49" charset="-128"/>
+                          <a:cs typeface="Times New Roman" panose="02020603050405020304" pitchFamily="18" charset="0"/>
+                        </a:rPr>
+                        <a:t>Iznajmljivač </a:t>
+                      </a:r>
+                      <a:endParaRPr lang="en-US" sz="1400">
+                        <a:effectLst/>
+                        <a:latin typeface="Times New Roman" panose="02020603050405020304" pitchFamily="18" charset="0"/>
+                        <a:ea typeface="MS Mincho" panose="02020609040205080304" pitchFamily="49" charset="-128"/>
+                        <a:cs typeface="Times New Roman" panose="02020603050405020304" pitchFamily="18" charset="0"/>
+                      </a:endParaRPr>
+                    </a:p>
+                  </a:txBody>
+                  <a:tcPr marL="68580" marR="68580" marT="0" marB="0">
+                    <a:lnL w="12700" cap="flat" cmpd="sng" algn="ctr">
+                      <a:solidFill>
+                        <a:srgbClr val="000000"/>
+                      </a:solidFill>
+                      <a:prstDash val="solid"/>
+                      <a:round/>
+                      <a:headEnd type="none" w="med" len="med"/>
+                      <a:tailEnd type="none" w="med" len="med"/>
+                    </a:lnL>
+                    <a:lnR w="12700" cap="flat" cmpd="sng" algn="ctr">
+                      <a:solidFill>
+                        <a:srgbClr val="000000"/>
+                      </a:solidFill>
+                      <a:prstDash val="solid"/>
+                      <a:round/>
+                      <a:headEnd type="none" w="med" len="med"/>
+                      <a:tailEnd type="none" w="med" len="med"/>
+                    </a:lnR>
+                    <a:lnT w="12700" cap="flat" cmpd="sng" algn="ctr">
+                      <a:solidFill>
+                        <a:srgbClr val="000000"/>
+                      </a:solidFill>
+                      <a:prstDash val="solid"/>
+                      <a:round/>
+                      <a:headEnd type="none" w="med" len="med"/>
+                      <a:tailEnd type="none" w="med" len="med"/>
+                    </a:lnT>
+                    <a:lnB w="12700" cap="flat" cmpd="sng" algn="ctr">
+                      <a:solidFill>
+                        <a:srgbClr val="000000"/>
+                      </a:solidFill>
+                      <a:prstDash val="solid"/>
+                      <a:round/>
+                      <a:headEnd type="none" w="med" len="med"/>
+                      <a:tailEnd type="none" w="med" len="med"/>
+                    </a:lnB>
+                    <a:solidFill>
+                      <a:srgbClr val="C6D9F1"/>
+                    </a:solidFill>
+                  </a:tcPr>
+                </a:tc>
+                <a:tc>
+                  <a:txBody>
+                    <a:bodyPr/>
+                    <a:lstStyle/>
+                    <a:p>
+                      <a:pPr marL="0" marR="0">
+                        <a:lnSpc>
+                          <a:spcPct val="115000"/>
+                        </a:lnSpc>
+                        <a:spcBef>
+                          <a:spcPts val="0"/>
+                        </a:spcBef>
+                        <a:spcAft>
+                          <a:spcPts val="0"/>
+                        </a:spcAft>
+                      </a:pPr>
+                      <a:r>
+                        <a:rPr lang="hr-BA" sz="1400">
+                          <a:solidFill>
+                            <a:srgbClr val="000000"/>
+                          </a:solidFill>
+                          <a:effectLst/>
+                          <a:latin typeface="Times New Roman" panose="02020603050405020304" pitchFamily="18" charset="0"/>
+                          <a:ea typeface="MS Mincho" panose="02020609040205080304" pitchFamily="49" charset="-128"/>
+                          <a:cs typeface="Times New Roman" panose="02020603050405020304" pitchFamily="18" charset="0"/>
+                        </a:rPr>
+                        <a:t>Osoba koja stavlja nekretninu u najam. Prilaže podatke o nekretnini i svoje osobne podatke (administratoru).</a:t>
+                      </a:r>
+                      <a:endParaRPr lang="en-US" sz="1400">
+                        <a:effectLst/>
+                        <a:latin typeface="Times New Roman" panose="02020603050405020304" pitchFamily="18" charset="0"/>
+                        <a:ea typeface="MS Mincho" panose="02020609040205080304" pitchFamily="49" charset="-128"/>
+                        <a:cs typeface="Times New Roman" panose="02020603050405020304" pitchFamily="18" charset="0"/>
+                      </a:endParaRPr>
+                    </a:p>
+                  </a:txBody>
+                  <a:tcPr marL="68580" marR="68580" marT="0" marB="0">
+                    <a:lnL w="12700" cap="flat" cmpd="sng" algn="ctr">
+                      <a:solidFill>
+                        <a:srgbClr val="000000"/>
+                      </a:solidFill>
+                      <a:prstDash val="solid"/>
+                      <a:round/>
+                      <a:headEnd type="none" w="med" len="med"/>
+                      <a:tailEnd type="none" w="med" len="med"/>
+                    </a:lnL>
+                    <a:lnR w="12700" cap="flat" cmpd="sng" algn="ctr">
+                      <a:solidFill>
+                        <a:srgbClr val="000000"/>
+                      </a:solidFill>
+                      <a:prstDash val="solid"/>
+                      <a:round/>
+                      <a:headEnd type="none" w="med" len="med"/>
+                      <a:tailEnd type="none" w="med" len="med"/>
+                    </a:lnR>
+                    <a:lnT w="12700" cap="flat" cmpd="sng" algn="ctr">
+                      <a:solidFill>
+                        <a:srgbClr val="000000"/>
+                      </a:solidFill>
+                      <a:prstDash val="solid"/>
+                      <a:round/>
+                      <a:headEnd type="none" w="med" len="med"/>
+                      <a:tailEnd type="none" w="med" len="med"/>
+                    </a:lnT>
+                    <a:lnB w="12700" cap="flat" cmpd="sng" algn="ctr">
+                      <a:solidFill>
+                        <a:srgbClr val="000000"/>
+                      </a:solidFill>
+                      <a:prstDash val="solid"/>
+                      <a:round/>
+                      <a:headEnd type="none" w="med" len="med"/>
+                      <a:tailEnd type="none" w="med" len="med"/>
+                    </a:lnB>
+                    <a:solidFill>
+                      <a:srgbClr val="C6D9F1"/>
+                    </a:solidFill>
+                  </a:tcPr>
+                </a:tc>
+                <a:extLst>
+                  <a:ext uri="{0D108BD9-81ED-4DB2-BD59-A6C34878D82A}">
+                    <a16:rowId xmlns:a16="http://schemas.microsoft.com/office/drawing/2014/main" val="1924414632"/>
+                  </a:ext>
+                </a:extLst>
+              </a:tr>
+              <a:tr h="1939391">
+                <a:tc>
+                  <a:txBody>
+                    <a:bodyPr/>
+                    <a:lstStyle/>
+                    <a:p>
+                      <a:pPr marL="0" marR="0">
+                        <a:lnSpc>
+                          <a:spcPct val="115000"/>
+                        </a:lnSpc>
+                        <a:spcBef>
+                          <a:spcPts val="0"/>
+                        </a:spcBef>
+                        <a:spcAft>
+                          <a:spcPts val="0"/>
+                        </a:spcAft>
+                      </a:pPr>
+                      <a:r>
+                        <a:rPr lang="hr-BA" sz="1400">
+                          <a:effectLst/>
+                          <a:latin typeface="Times New Roman" panose="02020603050405020304" pitchFamily="18" charset="0"/>
+                          <a:ea typeface="MS Mincho" panose="02020609040205080304" pitchFamily="49" charset="-128"/>
+                          <a:cs typeface="Times New Roman" panose="02020603050405020304" pitchFamily="18" charset="0"/>
+                        </a:rPr>
+                        <a:t> </a:t>
+                      </a:r>
+                      <a:endParaRPr lang="en-US" sz="1400">
+                        <a:effectLst/>
+                        <a:latin typeface="Times New Roman" panose="02020603050405020304" pitchFamily="18" charset="0"/>
+                        <a:ea typeface="MS Mincho" panose="02020609040205080304" pitchFamily="49" charset="-128"/>
+                        <a:cs typeface="Times New Roman" panose="02020603050405020304" pitchFamily="18" charset="0"/>
+                      </a:endParaRPr>
+                    </a:p>
+                    <a:p>
+                      <a:pPr marL="0" marR="0" algn="ctr">
+                        <a:lnSpc>
+                          <a:spcPct val="115000"/>
+                        </a:lnSpc>
+                        <a:spcBef>
+                          <a:spcPts val="0"/>
+                        </a:spcBef>
+                        <a:spcAft>
+                          <a:spcPts val="0"/>
+                        </a:spcAft>
+                      </a:pPr>
+                      <a:r>
+                        <a:rPr lang="hr-BA" sz="1400" b="1">
+                          <a:solidFill>
+                            <a:srgbClr val="000000"/>
+                          </a:solidFill>
+                          <a:effectLst/>
+                          <a:latin typeface="Times New Roman" panose="02020603050405020304" pitchFamily="18" charset="0"/>
+                          <a:ea typeface="MS Mincho" panose="02020609040205080304" pitchFamily="49" charset="-128"/>
+                          <a:cs typeface="Times New Roman" panose="02020603050405020304" pitchFamily="18" charset="0"/>
+                        </a:rPr>
+                        <a:t>Gost</a:t>
+                      </a:r>
+                      <a:endParaRPr lang="en-US" sz="1400">
+                        <a:effectLst/>
+                        <a:latin typeface="Times New Roman" panose="02020603050405020304" pitchFamily="18" charset="0"/>
+                        <a:ea typeface="MS Mincho" panose="02020609040205080304" pitchFamily="49" charset="-128"/>
+                        <a:cs typeface="Times New Roman" panose="02020603050405020304" pitchFamily="18" charset="0"/>
+                      </a:endParaRPr>
+                    </a:p>
+                  </a:txBody>
+                  <a:tcPr marL="68580" marR="68580" marT="0" marB="0">
+                    <a:lnL w="12700" cap="flat" cmpd="sng" algn="ctr">
+                      <a:solidFill>
+                        <a:srgbClr val="000000"/>
+                      </a:solidFill>
+                      <a:prstDash val="solid"/>
+                      <a:round/>
+                      <a:headEnd type="none" w="med" len="med"/>
+                      <a:tailEnd type="none" w="med" len="med"/>
+                    </a:lnL>
+                    <a:lnR w="12700" cap="flat" cmpd="sng" algn="ctr">
+                      <a:solidFill>
+                        <a:srgbClr val="000000"/>
+                      </a:solidFill>
+                      <a:prstDash val="solid"/>
+                      <a:round/>
+                      <a:headEnd type="none" w="med" len="med"/>
+                      <a:tailEnd type="none" w="med" len="med"/>
+                    </a:lnR>
+                    <a:lnT w="12700" cap="flat" cmpd="sng" algn="ctr">
+                      <a:solidFill>
+                        <a:srgbClr val="000000"/>
+                      </a:solidFill>
+                      <a:prstDash val="solid"/>
+                      <a:round/>
+                      <a:headEnd type="none" w="med" len="med"/>
+                      <a:tailEnd type="none" w="med" len="med"/>
+                    </a:lnT>
+                    <a:lnB w="12700" cap="flat" cmpd="sng" algn="ctr">
+                      <a:solidFill>
+                        <a:srgbClr val="000000"/>
+                      </a:solidFill>
+                      <a:prstDash val="solid"/>
+                      <a:round/>
+                      <a:headEnd type="none" w="med" len="med"/>
+                      <a:tailEnd type="none" w="med" len="med"/>
+                    </a:lnB>
+                    <a:solidFill>
+                      <a:srgbClr val="C6D9F1"/>
+                    </a:solidFill>
+                  </a:tcPr>
+                </a:tc>
+                <a:tc>
+                  <a:txBody>
+                    <a:bodyPr/>
+                    <a:lstStyle/>
+                    <a:p>
+                      <a:pPr marL="0" marR="0">
+                        <a:lnSpc>
+                          <a:spcPct val="115000"/>
+                        </a:lnSpc>
+                        <a:spcBef>
+                          <a:spcPts val="0"/>
+                        </a:spcBef>
+                        <a:spcAft>
+                          <a:spcPts val="0"/>
+                        </a:spcAft>
+                      </a:pPr>
+                      <a:r>
+                        <a:rPr lang="hr-BA" sz="1400">
+                          <a:solidFill>
+                            <a:srgbClr val="000000"/>
+                          </a:solidFill>
+                          <a:effectLst/>
+                          <a:latin typeface="Times New Roman" panose="02020603050405020304" pitchFamily="18" charset="0"/>
+                          <a:ea typeface="MS Mincho" panose="02020609040205080304" pitchFamily="49" charset="-128"/>
+                          <a:cs typeface="Times New Roman" panose="02020603050405020304" pitchFamily="18" charset="0"/>
+                        </a:rPr>
+                        <a:t>Osoba zainteresirana za najam. Ima pregled svih dostupnih nekretnina i podatke o njoj.  Ukoliko se odluči za najam ostavlja svoje podatke administratoru. Omogućeno mu je plaćanje putem aplikacije. Nakon što je iznajmio nekretninu omogućen mu je chat sa oglašivačem. Nakon boravka u nekretnini i može ostaviti recenziju i ocjenu.</a:t>
+                      </a:r>
+                      <a:endParaRPr lang="en-US" sz="1400">
+                        <a:effectLst/>
+                        <a:latin typeface="Times New Roman" panose="02020603050405020304" pitchFamily="18" charset="0"/>
+                        <a:ea typeface="MS Mincho" panose="02020609040205080304" pitchFamily="49" charset="-128"/>
+                        <a:cs typeface="Times New Roman" panose="02020603050405020304" pitchFamily="18" charset="0"/>
+                      </a:endParaRPr>
+                    </a:p>
+                  </a:txBody>
+                  <a:tcPr marL="68580" marR="68580" marT="0" marB="0">
+                    <a:lnL w="12700" cap="flat" cmpd="sng" algn="ctr">
+                      <a:solidFill>
+                        <a:srgbClr val="000000"/>
+                      </a:solidFill>
+                      <a:prstDash val="solid"/>
+                      <a:round/>
+                      <a:headEnd type="none" w="med" len="med"/>
+                      <a:tailEnd type="none" w="med" len="med"/>
+                    </a:lnL>
+                    <a:lnR w="12700" cap="flat" cmpd="sng" algn="ctr">
+                      <a:solidFill>
+                        <a:srgbClr val="000000"/>
+                      </a:solidFill>
+                      <a:prstDash val="solid"/>
+                      <a:round/>
+                      <a:headEnd type="none" w="med" len="med"/>
+                      <a:tailEnd type="none" w="med" len="med"/>
+                    </a:lnR>
+                    <a:lnT w="12700" cap="flat" cmpd="sng" algn="ctr">
+                      <a:solidFill>
+                        <a:srgbClr val="000000"/>
+                      </a:solidFill>
+                      <a:prstDash val="solid"/>
+                      <a:round/>
+                      <a:headEnd type="none" w="med" len="med"/>
+                      <a:tailEnd type="none" w="med" len="med"/>
+                    </a:lnT>
+                    <a:lnB w="12700" cap="flat" cmpd="sng" algn="ctr">
+                      <a:solidFill>
+                        <a:srgbClr val="000000"/>
+                      </a:solidFill>
+                      <a:prstDash val="solid"/>
+                      <a:round/>
+                      <a:headEnd type="none" w="med" len="med"/>
+                      <a:tailEnd type="none" w="med" len="med"/>
+                    </a:lnB>
+                    <a:solidFill>
+                      <a:srgbClr val="C6D9F1"/>
+                    </a:solidFill>
+                  </a:tcPr>
+                </a:tc>
+                <a:extLst>
+                  <a:ext uri="{0D108BD9-81ED-4DB2-BD59-A6C34878D82A}">
+                    <a16:rowId xmlns:a16="http://schemas.microsoft.com/office/drawing/2014/main" val="1245462449"/>
+                  </a:ext>
+                </a:extLst>
+              </a:tr>
+              <a:tr h="956597">
+                <a:tc>
+                  <a:txBody>
+                    <a:bodyPr/>
+                    <a:lstStyle/>
+                    <a:p>
+                      <a:pPr marL="0" marR="0">
+                        <a:lnSpc>
+                          <a:spcPct val="115000"/>
+                        </a:lnSpc>
+                        <a:spcBef>
+                          <a:spcPts val="0"/>
+                        </a:spcBef>
+                        <a:spcAft>
+                          <a:spcPts val="0"/>
+                        </a:spcAft>
+                      </a:pPr>
+                      <a:r>
+                        <a:rPr lang="hr-BA" sz="1400">
+                          <a:effectLst/>
+                          <a:latin typeface="Times New Roman" panose="02020603050405020304" pitchFamily="18" charset="0"/>
+                          <a:ea typeface="MS Mincho" panose="02020609040205080304" pitchFamily="49" charset="-128"/>
+                          <a:cs typeface="Times New Roman" panose="02020603050405020304" pitchFamily="18" charset="0"/>
+                        </a:rPr>
+                        <a:t> </a:t>
+                      </a:r>
+                      <a:endParaRPr lang="en-US" sz="1400">
+                        <a:effectLst/>
+                        <a:latin typeface="Times New Roman" panose="02020603050405020304" pitchFamily="18" charset="0"/>
+                        <a:ea typeface="MS Mincho" panose="02020609040205080304" pitchFamily="49" charset="-128"/>
+                        <a:cs typeface="Times New Roman" panose="02020603050405020304" pitchFamily="18" charset="0"/>
+                      </a:endParaRPr>
+                    </a:p>
+                    <a:p>
+                      <a:pPr marL="0" marR="0" algn="ctr">
+                        <a:lnSpc>
+                          <a:spcPct val="115000"/>
+                        </a:lnSpc>
+                        <a:spcBef>
+                          <a:spcPts val="0"/>
+                        </a:spcBef>
+                        <a:spcAft>
+                          <a:spcPts val="0"/>
+                        </a:spcAft>
+                      </a:pPr>
+                      <a:r>
+                        <a:rPr lang="hr-BA" sz="1400" b="1">
+                          <a:solidFill>
+                            <a:srgbClr val="000000"/>
+                          </a:solidFill>
+                          <a:effectLst/>
+                          <a:latin typeface="Times New Roman" panose="02020603050405020304" pitchFamily="18" charset="0"/>
+                          <a:ea typeface="MS Mincho" panose="02020609040205080304" pitchFamily="49" charset="-128"/>
+                          <a:cs typeface="Times New Roman" panose="02020603050405020304" pitchFamily="18" charset="0"/>
+                        </a:rPr>
+                        <a:t>Administrator</a:t>
+                      </a:r>
+                      <a:endParaRPr lang="en-US" sz="1400">
+                        <a:effectLst/>
+                        <a:latin typeface="Times New Roman" panose="02020603050405020304" pitchFamily="18" charset="0"/>
+                        <a:ea typeface="MS Mincho" panose="02020609040205080304" pitchFamily="49" charset="-128"/>
+                        <a:cs typeface="Times New Roman" panose="02020603050405020304" pitchFamily="18" charset="0"/>
+                      </a:endParaRPr>
+                    </a:p>
+                  </a:txBody>
+                  <a:tcPr marL="68580" marR="68580" marT="0" marB="0">
+                    <a:lnL w="12700" cap="flat" cmpd="sng" algn="ctr">
+                      <a:solidFill>
+                        <a:srgbClr val="000000"/>
+                      </a:solidFill>
+                      <a:prstDash val="solid"/>
+                      <a:round/>
+                      <a:headEnd type="none" w="med" len="med"/>
+                      <a:tailEnd type="none" w="med" len="med"/>
+                    </a:lnL>
+                    <a:lnR w="12700" cap="flat" cmpd="sng" algn="ctr">
+                      <a:solidFill>
+                        <a:srgbClr val="000000"/>
+                      </a:solidFill>
+                      <a:prstDash val="solid"/>
+                      <a:round/>
+                      <a:headEnd type="none" w="med" len="med"/>
+                      <a:tailEnd type="none" w="med" len="med"/>
+                    </a:lnR>
+                    <a:lnT w="12700" cap="flat" cmpd="sng" algn="ctr">
+                      <a:solidFill>
+                        <a:srgbClr val="000000"/>
+                      </a:solidFill>
+                      <a:prstDash val="solid"/>
+                      <a:round/>
+                      <a:headEnd type="none" w="med" len="med"/>
+                      <a:tailEnd type="none" w="med" len="med"/>
+                    </a:lnT>
+                    <a:lnB w="12700" cap="flat" cmpd="sng" algn="ctr">
+                      <a:solidFill>
+                        <a:srgbClr val="000000"/>
+                      </a:solidFill>
+                      <a:prstDash val="solid"/>
+                      <a:round/>
+                      <a:headEnd type="none" w="med" len="med"/>
+                      <a:tailEnd type="none" w="med" len="med"/>
+                    </a:lnB>
+                    <a:solidFill>
+                      <a:srgbClr val="C6D9F1"/>
+                    </a:solidFill>
+                  </a:tcPr>
+                </a:tc>
+                <a:tc>
+                  <a:txBody>
+                    <a:bodyPr/>
+                    <a:lstStyle/>
+                    <a:p>
+                      <a:pPr marL="0" marR="0">
+                        <a:lnSpc>
+                          <a:spcPct val="115000"/>
+                        </a:lnSpc>
+                        <a:spcBef>
+                          <a:spcPts val="0"/>
+                        </a:spcBef>
+                        <a:spcAft>
+                          <a:spcPts val="0"/>
+                        </a:spcAft>
+                      </a:pPr>
+                      <a:r>
+                        <a:rPr lang="hr-BA" sz="1400" dirty="0">
+                          <a:solidFill>
+                            <a:srgbClr val="000000"/>
+                          </a:solidFill>
+                          <a:effectLst/>
+                          <a:latin typeface="Times New Roman" panose="02020603050405020304" pitchFamily="18" charset="0"/>
+                          <a:ea typeface="MS Mincho" panose="02020609040205080304" pitchFamily="49" charset="-128"/>
+                          <a:cs typeface="Times New Roman" panose="02020603050405020304" pitchFamily="18" charset="0"/>
+                        </a:rPr>
+                        <a:t>Ima pristup svim podacima. Održava bazu podataka i brine se za njenu sigurnost. U slučaju prijestupa sa strane gosta ili iznajmljivača prekida suradnju sa njima. </a:t>
+                      </a:r>
+                      <a:endParaRPr lang="en-US" sz="1400" dirty="0">
+                        <a:effectLst/>
+                        <a:latin typeface="Times New Roman" panose="02020603050405020304" pitchFamily="18" charset="0"/>
+                        <a:ea typeface="MS Mincho" panose="02020609040205080304" pitchFamily="49" charset="-128"/>
+                        <a:cs typeface="Times New Roman" panose="02020603050405020304" pitchFamily="18" charset="0"/>
+                      </a:endParaRPr>
+                    </a:p>
+                  </a:txBody>
+                  <a:tcPr marL="68580" marR="68580" marT="0" marB="0">
+                    <a:lnL w="12700" cap="flat" cmpd="sng" algn="ctr">
+                      <a:solidFill>
+                        <a:srgbClr val="000000"/>
+                      </a:solidFill>
+                      <a:prstDash val="solid"/>
+                      <a:round/>
+                      <a:headEnd type="none" w="med" len="med"/>
+                      <a:tailEnd type="none" w="med" len="med"/>
+                    </a:lnL>
+                    <a:lnR w="12700" cap="flat" cmpd="sng" algn="ctr">
+                      <a:solidFill>
+                        <a:srgbClr val="000000"/>
+                      </a:solidFill>
+                      <a:prstDash val="solid"/>
+                      <a:round/>
+                      <a:headEnd type="none" w="med" len="med"/>
+                      <a:tailEnd type="none" w="med" len="med"/>
+                    </a:lnR>
+                    <a:lnT w="12700" cap="flat" cmpd="sng" algn="ctr">
+                      <a:solidFill>
+                        <a:srgbClr val="000000"/>
+                      </a:solidFill>
+                      <a:prstDash val="solid"/>
+                      <a:round/>
+                      <a:headEnd type="none" w="med" len="med"/>
+                      <a:tailEnd type="none" w="med" len="med"/>
+                    </a:lnT>
+                    <a:lnB w="12700" cap="flat" cmpd="sng" algn="ctr">
+                      <a:solidFill>
+                        <a:srgbClr val="000000"/>
+                      </a:solidFill>
+                      <a:prstDash val="solid"/>
+                      <a:round/>
+                      <a:headEnd type="none" w="med" len="med"/>
+                      <a:tailEnd type="none" w="med" len="med"/>
+                    </a:lnB>
+                    <a:solidFill>
+                      <a:srgbClr val="C6D9F1"/>
+                    </a:solidFill>
+                  </a:tcPr>
+                </a:tc>
+                <a:extLst>
+                  <a:ext uri="{0D108BD9-81ED-4DB2-BD59-A6C34878D82A}">
+                    <a16:rowId xmlns:a16="http://schemas.microsoft.com/office/drawing/2014/main" val="4113814794"/>
+                  </a:ext>
+                </a:extLst>
+              </a:tr>
+            </a:tbl>
+          </a:graphicData>
+        </a:graphic>
+      </p:graphicFrame>
     </p:spTree>
     <p:extLst>
       <p:ext uri="{BB962C8B-B14F-4D97-AF65-F5344CB8AC3E}">
-        <p14:creationId xmlns:p14="http://schemas.microsoft.com/office/powerpoint/2010/main" val="699631779"/>
+        <p14:creationId xmlns:p14="http://schemas.microsoft.com/office/powerpoint/2010/main" val="2072999902"/>
       </p:ext>
     </p:extLst>
   </p:cSld>
@@ -8074,6 +9146,96 @@
           <p:cNvPr id="2" name="Title 1">
             <a:extLst>
               <a:ext uri="{FF2B5EF4-FFF2-40B4-BE49-F238E27FC236}">
+                <a16:creationId xmlns:a16="http://schemas.microsoft.com/office/drawing/2014/main" id="{03B12609-8574-B4E3-5127-E7650C54FDC7}"/>
+              </a:ext>
+            </a:extLst>
+          </p:cNvPr>
+          <p:cNvSpPr>
+            <a:spLocks noGrp="1"/>
+          </p:cNvSpPr>
+          <p:nvPr>
+            <p:ph type="title"/>
+          </p:nvPr>
+        </p:nvSpPr>
+        <p:spPr/>
+        <p:txBody>
+          <a:bodyPr/>
+          <a:lstStyle/>
+          <a:p>
+            <a:r>
+              <a:rPr lang="hr-BA" b="1" dirty="0">
+                <a:latin typeface="Agency FB" panose="020B0503020202020204" pitchFamily="34" charset="0"/>
+              </a:rPr>
+              <a:t>Funkcionalni zahtjevi</a:t>
+            </a:r>
+          </a:p>
+        </p:txBody>
+      </p:sp>
+      <p:pic>
+        <p:nvPicPr>
+          <p:cNvPr id="7" name="Picture 6">
+            <a:extLst>
+              <a:ext uri="{FF2B5EF4-FFF2-40B4-BE49-F238E27FC236}">
+                <a16:creationId xmlns:a16="http://schemas.microsoft.com/office/drawing/2014/main" id="{97A83F3A-20FD-2C88-7DDD-A0A533AD0CA4}"/>
+              </a:ext>
+            </a:extLst>
+          </p:cNvPr>
+          <p:cNvPicPr>
+            <a:picLocks noChangeAspect="1"/>
+          </p:cNvPicPr>
+          <p:nvPr/>
+        </p:nvPicPr>
+        <p:blipFill>
+          <a:blip r:embed="rId2"/>
+          <a:stretch>
+            <a:fillRect/>
+          </a:stretch>
+        </p:blipFill>
+        <p:spPr>
+          <a:xfrm>
+            <a:off x="1277675" y="2351585"/>
+            <a:ext cx="8176875" cy="3823005"/>
+          </a:xfrm>
+          <a:prstGeom prst="rect">
+            <a:avLst/>
+          </a:prstGeom>
+        </p:spPr>
+      </p:pic>
+    </p:spTree>
+    <p:extLst>
+      <p:ext uri="{BB962C8B-B14F-4D97-AF65-F5344CB8AC3E}">
+        <p14:creationId xmlns:p14="http://schemas.microsoft.com/office/powerpoint/2010/main" val="699631779"/>
+      </p:ext>
+    </p:extLst>
+  </p:cSld>
+  <p:clrMapOvr>
+    <a:masterClrMapping/>
+  </p:clrMapOvr>
+</p:sld>
+</file>
+
+<file path=ppt/slides/slide5.xml><?xml version="1.0" encoding="utf-8"?>
+<p:sld xmlns:a="http://schemas.openxmlformats.org/drawingml/2006/main" xmlns:r="http://schemas.openxmlformats.org/officeDocument/2006/relationships" xmlns:p="http://schemas.openxmlformats.org/presentationml/2006/main">
+  <p:cSld>
+    <p:spTree>
+      <p:nvGrpSpPr>
+        <p:cNvPr id="1" name=""/>
+        <p:cNvGrpSpPr/>
+        <p:nvPr/>
+      </p:nvGrpSpPr>
+      <p:grpSpPr>
+        <a:xfrm>
+          <a:off x="0" y="0"/>
+          <a:ext cx="0" cy="0"/>
+          <a:chOff x="0" y="0"/>
+          <a:chExt cx="0" cy="0"/>
+        </a:xfrm>
+      </p:grpSpPr>
+      <p:sp>
+        <p:nvSpPr>
+          <p:cNvPr id="2" name="Title 1">
+            <a:extLst>
+              <a:ext uri="{FF2B5EF4-FFF2-40B4-BE49-F238E27FC236}">
                 <a16:creationId xmlns:a16="http://schemas.microsoft.com/office/drawing/2014/main" id="{9667FD8B-46E5-61D9-227C-BA0C67758BA1}"/>
               </a:ext>
             </a:extLst>
@@ -8091,10 +9253,22 @@
           <a:lstStyle/>
           <a:p>
             <a:r>
+              <a:rPr lang="en-US" b="1" dirty="0">
+                <a:latin typeface="Agency FB" panose="020B0503020202020204" pitchFamily="34" charset="0"/>
+              </a:rPr>
+              <a:t>N</a:t>
+            </a:r>
+            <a:r>
+              <a:rPr lang="hr-BA" b="1" dirty="0" err="1">
+                <a:latin typeface="Agency FB" panose="020B0503020202020204" pitchFamily="34" charset="0"/>
+              </a:rPr>
+              <a:t>efunkcionalnih</a:t>
+            </a:r>
+            <a:r>
               <a:rPr lang="hr-BA" b="1" dirty="0">
                 <a:latin typeface="Agency FB" panose="020B0503020202020204" pitchFamily="34" charset="0"/>
               </a:rPr>
-              <a:t>Neki od nefunkcionalnih zahtjevi</a:t>
+              <a:t> zahtjevi</a:t>
             </a:r>
           </a:p>
         </p:txBody>
@@ -8115,58 +9289,424 @@
             <p:ph idx="1"/>
           </p:nvPr>
         </p:nvSpPr>
-        <p:spPr/>
+        <p:spPr>
+          <a:xfrm>
+            <a:off x="680321" y="2336872"/>
+            <a:ext cx="9613861" cy="4047149"/>
+          </a:xfrm>
+        </p:spPr>
         <p:txBody>
           <a:bodyPr>
             <a:normAutofit/>
           </a:bodyPr>
           <a:lstStyle/>
           <a:p>
-            <a:r>
-              <a:rPr lang="hr-BA" sz="2800" b="1" dirty="0">
-                <a:latin typeface="Agency FB" panose="020B0503020202020204" pitchFamily="34" charset="0"/>
-              </a:rPr>
-              <a:t>Preglednici u kojima bi web stranica radila</a:t>
-            </a:r>
+            <a:pPr marL="457200" marR="0" lvl="1" indent="0">
+              <a:lnSpc>
+                <a:spcPct val="115000"/>
+              </a:lnSpc>
+              <a:spcBef>
+                <a:spcPts val="1200"/>
+              </a:spcBef>
+              <a:spcAft>
+                <a:spcPts val="1200"/>
+              </a:spcAft>
+              <a:buNone/>
+            </a:pPr>
+            <a:endParaRPr lang="en-US" sz="1400" dirty="0">
+              <a:effectLst/>
+              <a:latin typeface="Times New Roman" panose="02020603050405020304" pitchFamily="18" charset="0"/>
+              <a:ea typeface="MS Mincho" panose="02020609040205080304" pitchFamily="49" charset="-128"/>
+              <a:cs typeface="Times New Roman" panose="02020603050405020304" pitchFamily="18" charset="0"/>
+            </a:endParaRPr>
           </a:p>
           <a:p>
             <a:endParaRPr lang="hr-BA" sz="2800" b="1" dirty="0">
               <a:latin typeface="Agency FB" panose="020B0503020202020204" pitchFamily="34" charset="0"/>
             </a:endParaRPr>
           </a:p>
-          <a:p>
-            <a:r>
-              <a:rPr lang="hr-BA" sz="2800" b="1" dirty="0">
-                <a:latin typeface="Agency FB" panose="020B0503020202020204" pitchFamily="34" charset="0"/>
+        </p:txBody>
+      </p:sp>
+      <p:sp>
+        <p:nvSpPr>
+          <p:cNvPr id="7" name="TekstniOkvir 6">
+            <a:extLst>
+              <a:ext uri="{FF2B5EF4-FFF2-40B4-BE49-F238E27FC236}">
+                <a16:creationId xmlns:a16="http://schemas.microsoft.com/office/drawing/2014/main" id="{A844AC3B-B15D-4117-2DE5-95D1EE710702}"/>
+              </a:ext>
+            </a:extLst>
+          </p:cNvPr>
+          <p:cNvSpPr txBox="1"/>
+          <p:nvPr/>
+        </p:nvSpPr>
+        <p:spPr>
+          <a:xfrm>
+            <a:off x="553673" y="2305077"/>
+            <a:ext cx="7187269" cy="3979231"/>
+          </a:xfrm>
+          <a:prstGeom prst="rect">
+            <a:avLst/>
+          </a:prstGeom>
+          <a:noFill/>
+        </p:spPr>
+        <p:txBody>
+          <a:bodyPr wrap="square">
+            <a:spAutoFit/>
+          </a:bodyPr>
+          <a:lstStyle/>
+          <a:p>
+            <a:pPr marL="742950" marR="0" lvl="1" indent="-285750">
+              <a:lnSpc>
+                <a:spcPct val="115000"/>
+              </a:lnSpc>
+              <a:spcBef>
+                <a:spcPts val="1200"/>
+              </a:spcBef>
+              <a:spcAft>
+                <a:spcPts val="1200"/>
+              </a:spcAft>
+              <a:buFont typeface="Arial" panose="020B0604020202020204" pitchFamily="34" charset="0"/>
+              <a:buChar char="•"/>
+            </a:pPr>
+            <a:r>
+              <a:rPr lang="hr-BA" sz="1800" b="1" i="1" dirty="0">
+                <a:solidFill>
+                  <a:srgbClr val="4F81BD"/>
+                </a:solidFill>
+                <a:effectLst/>
+                <a:latin typeface="Times New Roman" panose="02020603050405020304" pitchFamily="18" charset="0"/>
+                <a:ea typeface="MS Gothic" panose="020B0609070205080204" pitchFamily="49" charset="-128"/>
+                <a:cs typeface="Times New Roman" panose="02020603050405020304" pitchFamily="18" charset="0"/>
               </a:rPr>
-              <a:t>Format izvještaja</a:t>
-            </a:r>
-          </a:p>
-          <a:p>
-            <a:endParaRPr lang="hr-BA" sz="2800" b="1" dirty="0">
-              <a:latin typeface="Agency FB" panose="020B0503020202020204" pitchFamily="34" charset="0"/>
+              <a:t>Okruženje u kojem platforma radi</a:t>
+            </a:r>
+            <a:endParaRPr lang="en-US" sz="1800" b="1" i="1" dirty="0">
+              <a:solidFill>
+                <a:srgbClr val="4F81BD"/>
+              </a:solidFill>
+              <a:effectLst/>
+              <a:latin typeface="Times New Roman" panose="02020603050405020304" pitchFamily="18" charset="0"/>
+              <a:ea typeface="MS Gothic" panose="020B0609070205080204" pitchFamily="49" charset="-128"/>
+              <a:cs typeface="Times New Roman" panose="02020603050405020304" pitchFamily="18" charset="0"/>
             </a:endParaRPr>
           </a:p>
           <a:p>
-            <a:r>
-              <a:rPr lang="hr-BA" sz="2800" b="1" dirty="0">
-                <a:latin typeface="Agency FB" panose="020B0503020202020204" pitchFamily="34" charset="0"/>
+            <a:pPr marR="0" lvl="0">
+              <a:lnSpc>
+                <a:spcPct val="115000"/>
+              </a:lnSpc>
+              <a:spcBef>
+                <a:spcPts val="0"/>
+              </a:spcBef>
+              <a:spcAft>
+                <a:spcPts val="1000"/>
+              </a:spcAft>
+            </a:pPr>
+            <a:r>
+              <a:rPr lang="en-US" sz="1400" dirty="0">
+                <a:effectLst/>
+                <a:latin typeface="Times New Roman" panose="02020603050405020304" pitchFamily="18" charset="0"/>
+                <a:ea typeface="MS Mincho" panose="02020609040205080304" pitchFamily="49" charset="-128"/>
+                <a:cs typeface="Times New Roman" panose="02020603050405020304" pitchFamily="18" charset="0"/>
               </a:rPr>
-              <a:t>Brzina usluge</a:t>
-            </a:r>
-          </a:p>
-          <a:p>
-            <a:endParaRPr lang="hr-BA" sz="2800" b="1" dirty="0">
-              <a:latin typeface="Agency FB" panose="020B0503020202020204" pitchFamily="34" charset="0"/>
+              <a:t>                   </a:t>
+            </a:r>
+            <a:r>
+              <a:rPr lang="hr-BA" sz="1400" dirty="0">
+                <a:solidFill>
+                  <a:schemeClr val="bg1"/>
+                </a:solidFill>
+                <a:effectLst/>
+                <a:latin typeface="Times New Roman" panose="02020603050405020304" pitchFamily="18" charset="0"/>
+                <a:ea typeface="MS Mincho" panose="02020609040205080304" pitchFamily="49" charset="-128"/>
+                <a:cs typeface="Times New Roman" panose="02020603050405020304" pitchFamily="18" charset="0"/>
+              </a:rPr>
+              <a:t>Aplikacija mora raditi na Windows operacijskom sustavu</a:t>
+            </a:r>
+            <a:endParaRPr lang="en-US" sz="1400" dirty="0">
+              <a:solidFill>
+                <a:schemeClr val="bg1"/>
+              </a:solidFill>
+              <a:effectLst/>
+              <a:latin typeface="Times New Roman" panose="02020603050405020304" pitchFamily="18" charset="0"/>
+              <a:ea typeface="MS Mincho" panose="02020609040205080304" pitchFamily="49" charset="-128"/>
+              <a:cs typeface="Times New Roman" panose="02020603050405020304" pitchFamily="18" charset="0"/>
             </a:endParaRPr>
           </a:p>
           <a:p>
-            <a:r>
-              <a:rPr lang="hr-BA" sz="2800" b="1" dirty="0">
-                <a:latin typeface="Agency FB" panose="020B0503020202020204" pitchFamily="34" charset="0"/>
+            <a:pPr marL="742950" marR="0" lvl="1" indent="-285750">
+              <a:lnSpc>
+                <a:spcPct val="115000"/>
+              </a:lnSpc>
+              <a:spcBef>
+                <a:spcPts val="1200"/>
+              </a:spcBef>
+              <a:spcAft>
+                <a:spcPts val="1200"/>
+              </a:spcAft>
+              <a:buFont typeface="Arial" panose="020B0604020202020204" pitchFamily="34" charset="0"/>
+              <a:buChar char="•"/>
+            </a:pPr>
+            <a:r>
+              <a:rPr lang="hr-BA" sz="1800" b="1" i="1" dirty="0">
+                <a:solidFill>
+                  <a:srgbClr val="4F81BD"/>
+                </a:solidFill>
+                <a:effectLst/>
+                <a:latin typeface="Times New Roman" panose="02020603050405020304" pitchFamily="18" charset="0"/>
+                <a:ea typeface="MS Gothic" panose="020B0609070205080204" pitchFamily="49" charset="-128"/>
+                <a:cs typeface="Times New Roman" panose="02020603050405020304" pitchFamily="18" charset="0"/>
               </a:rPr>
-              <a:t>Plaćanje</a:t>
-            </a:r>
+              <a:t>Aplikacije koje treba podržavati</a:t>
+            </a:r>
+            <a:endParaRPr lang="en-US" sz="1800" b="1" i="1" dirty="0">
+              <a:solidFill>
+                <a:srgbClr val="4F81BD"/>
+              </a:solidFill>
+              <a:effectLst/>
+              <a:latin typeface="Times New Roman" panose="02020603050405020304" pitchFamily="18" charset="0"/>
+              <a:ea typeface="MS Gothic" panose="020B0609070205080204" pitchFamily="49" charset="-128"/>
+              <a:cs typeface="Times New Roman" panose="02020603050405020304" pitchFamily="18" charset="0"/>
+            </a:endParaRPr>
+          </a:p>
+          <a:p>
+            <a:pPr marR="0" lvl="0">
+              <a:lnSpc>
+                <a:spcPct val="115000"/>
+              </a:lnSpc>
+              <a:spcBef>
+                <a:spcPts val="0"/>
+              </a:spcBef>
+              <a:spcAft>
+                <a:spcPts val="1000"/>
+              </a:spcAft>
+            </a:pPr>
+            <a:r>
+              <a:rPr lang="en-US" sz="1400" dirty="0">
+                <a:effectLst/>
+                <a:latin typeface="Times New Roman" panose="02020603050405020304" pitchFamily="18" charset="0"/>
+                <a:ea typeface="MS Mincho" panose="02020609040205080304" pitchFamily="49" charset="-128"/>
+                <a:cs typeface="Times New Roman" panose="02020603050405020304" pitchFamily="18" charset="0"/>
+              </a:rPr>
+              <a:t>                  </a:t>
+            </a:r>
+            <a:r>
+              <a:rPr lang="hr-BA" sz="1400" dirty="0">
+                <a:solidFill>
+                  <a:schemeClr val="bg1"/>
+                </a:solidFill>
+                <a:effectLst/>
+                <a:latin typeface="Times New Roman" panose="02020603050405020304" pitchFamily="18" charset="0"/>
+                <a:ea typeface="MS Mincho" panose="02020609040205080304" pitchFamily="49" charset="-128"/>
+                <a:cs typeface="Times New Roman" panose="02020603050405020304" pitchFamily="18" charset="0"/>
+              </a:rPr>
+              <a:t>Aplikacija određene banke radi osiguravanja sigurnog plaćanja</a:t>
+            </a:r>
+            <a:endParaRPr lang="en-US" sz="1400" dirty="0">
+              <a:solidFill>
+                <a:schemeClr val="bg1"/>
+              </a:solidFill>
+              <a:effectLst/>
+              <a:latin typeface="Times New Roman" panose="02020603050405020304" pitchFamily="18" charset="0"/>
+              <a:ea typeface="MS Mincho" panose="02020609040205080304" pitchFamily="49" charset="-128"/>
+              <a:cs typeface="Times New Roman" panose="02020603050405020304" pitchFamily="18" charset="0"/>
+            </a:endParaRPr>
+          </a:p>
+          <a:p>
+            <a:pPr marL="742950" marR="0" lvl="1" indent="-285750">
+              <a:lnSpc>
+                <a:spcPct val="115000"/>
+              </a:lnSpc>
+              <a:spcBef>
+                <a:spcPts val="1200"/>
+              </a:spcBef>
+              <a:spcAft>
+                <a:spcPts val="1200"/>
+              </a:spcAft>
+              <a:buFont typeface="Arial" panose="020B0604020202020204" pitchFamily="34" charset="0"/>
+              <a:buChar char="•"/>
+            </a:pPr>
+            <a:r>
+              <a:rPr lang="hr-BA" sz="1800" b="1" i="1" dirty="0">
+                <a:solidFill>
+                  <a:srgbClr val="4F81BD"/>
+                </a:solidFill>
+                <a:effectLst/>
+                <a:latin typeface="Times New Roman" panose="02020603050405020304" pitchFamily="18" charset="0"/>
+                <a:ea typeface="MS Gothic" panose="020B0609070205080204" pitchFamily="49" charset="-128"/>
+                <a:cs typeface="Times New Roman" panose="02020603050405020304" pitchFamily="18" charset="0"/>
+              </a:rPr>
+              <a:t>Brzina rada</a:t>
+            </a:r>
+            <a:endParaRPr lang="en-US" b="1" i="1" dirty="0">
+              <a:solidFill>
+                <a:srgbClr val="4F81BD"/>
+              </a:solidFill>
+              <a:latin typeface="Times New Roman" panose="02020603050405020304" pitchFamily="18" charset="0"/>
+              <a:ea typeface="MS Gothic" panose="020B0609070205080204" pitchFamily="49" charset="-128"/>
+              <a:cs typeface="Times New Roman" panose="02020603050405020304" pitchFamily="18" charset="0"/>
+            </a:endParaRPr>
+          </a:p>
+          <a:p>
+            <a:pPr marR="0" lvl="1">
+              <a:lnSpc>
+                <a:spcPct val="115000"/>
+              </a:lnSpc>
+              <a:spcBef>
+                <a:spcPts val="1200"/>
+              </a:spcBef>
+              <a:spcAft>
+                <a:spcPts val="1200"/>
+              </a:spcAft>
+            </a:pPr>
+            <a:r>
+              <a:rPr lang="en-US" sz="1400" b="1" i="1" dirty="0">
+                <a:solidFill>
+                  <a:srgbClr val="4F81BD"/>
+                </a:solidFill>
+                <a:effectLst/>
+                <a:latin typeface="Times New Roman" panose="02020603050405020304" pitchFamily="18" charset="0"/>
+                <a:ea typeface="MS Gothic" panose="020B0609070205080204" pitchFamily="49" charset="-128"/>
+                <a:cs typeface="Times New Roman" panose="02020603050405020304" pitchFamily="18" charset="0"/>
+              </a:rPr>
+              <a:t>        </a:t>
+            </a:r>
+            <a:r>
+              <a:rPr lang="hr-BA" sz="1400" dirty="0">
+                <a:solidFill>
+                  <a:schemeClr val="bg1"/>
+                </a:solidFill>
+                <a:effectLst/>
+                <a:latin typeface="Times New Roman" panose="02020603050405020304" pitchFamily="18" charset="0"/>
+                <a:ea typeface="MS Mincho" panose="02020609040205080304" pitchFamily="49" charset="-128"/>
+                <a:cs typeface="Times New Roman" panose="02020603050405020304" pitchFamily="18" charset="0"/>
+              </a:rPr>
+              <a:t>Aplikacija ne bi trebala imati kašnjenje veće od 3ms</a:t>
+            </a:r>
+            <a:endParaRPr lang="en-US" sz="1400" dirty="0">
+              <a:solidFill>
+                <a:schemeClr val="bg1"/>
+              </a:solidFill>
+              <a:effectLst/>
+              <a:latin typeface="Times New Roman" panose="02020603050405020304" pitchFamily="18" charset="0"/>
+              <a:ea typeface="MS Mincho" panose="02020609040205080304" pitchFamily="49" charset="-128"/>
+              <a:cs typeface="Times New Roman" panose="02020603050405020304" pitchFamily="18" charset="0"/>
+            </a:endParaRPr>
+          </a:p>
+          <a:p>
+            <a:pPr marL="742950" marR="0" lvl="1" indent="-285750">
+              <a:lnSpc>
+                <a:spcPct val="115000"/>
+              </a:lnSpc>
+              <a:spcBef>
+                <a:spcPts val="1200"/>
+              </a:spcBef>
+              <a:spcAft>
+                <a:spcPts val="1200"/>
+              </a:spcAft>
+              <a:buFont typeface="Arial" panose="020B0604020202020204" pitchFamily="34" charset="0"/>
+              <a:buChar char="•"/>
+            </a:pPr>
+            <a:r>
+              <a:rPr lang="en-US" sz="1800" b="1" i="1" dirty="0">
+                <a:solidFill>
+                  <a:srgbClr val="4F81BD"/>
+                </a:solidFill>
+                <a:effectLst/>
+                <a:latin typeface="Times New Roman" panose="02020603050405020304" pitchFamily="18" charset="0"/>
+                <a:ea typeface="MS Gothic" panose="020B0609070205080204" pitchFamily="49" charset="-128"/>
+                <a:cs typeface="Times New Roman" panose="02020603050405020304" pitchFamily="18" charset="0"/>
+              </a:rPr>
+              <a:t> </a:t>
+            </a:r>
+            <a:r>
+              <a:rPr lang="hr-BA" sz="1800" b="1" i="1" dirty="0">
+                <a:solidFill>
+                  <a:srgbClr val="4F81BD"/>
+                </a:solidFill>
+                <a:effectLst/>
+                <a:latin typeface="Times New Roman" panose="02020603050405020304" pitchFamily="18" charset="0"/>
+                <a:ea typeface="MS Gothic" panose="020B0609070205080204" pitchFamily="49" charset="-128"/>
+                <a:cs typeface="Times New Roman" panose="02020603050405020304" pitchFamily="18" charset="0"/>
+              </a:rPr>
+              <a:t>Sigurnost podataka </a:t>
+            </a:r>
+            <a:endParaRPr lang="en-US" sz="1800" b="1" i="1" dirty="0">
+              <a:solidFill>
+                <a:srgbClr val="4F81BD"/>
+              </a:solidFill>
+              <a:effectLst/>
+              <a:latin typeface="Times New Roman" panose="02020603050405020304" pitchFamily="18" charset="0"/>
+              <a:ea typeface="MS Gothic" panose="020B0609070205080204" pitchFamily="49" charset="-128"/>
+              <a:cs typeface="Times New Roman" panose="02020603050405020304" pitchFamily="18" charset="0"/>
+            </a:endParaRPr>
+          </a:p>
+          <a:p>
+            <a:pPr marR="0" lvl="0">
+              <a:lnSpc>
+                <a:spcPct val="115000"/>
+              </a:lnSpc>
+              <a:spcBef>
+                <a:spcPts val="0"/>
+              </a:spcBef>
+              <a:spcAft>
+                <a:spcPts val="1000"/>
+              </a:spcAft>
+            </a:pPr>
+            <a:r>
+              <a:rPr lang="en-US" sz="1400" dirty="0">
+                <a:effectLst/>
+                <a:latin typeface="Times New Roman" panose="02020603050405020304" pitchFamily="18" charset="0"/>
+                <a:ea typeface="MS Mincho" panose="02020609040205080304" pitchFamily="49" charset="-128"/>
+                <a:cs typeface="Times New Roman" panose="02020603050405020304" pitchFamily="18" charset="0"/>
+              </a:rPr>
+              <a:t>                   </a:t>
+            </a:r>
+            <a:r>
+              <a:rPr lang="en-US" sz="1400" dirty="0">
+                <a:solidFill>
+                  <a:schemeClr val="bg1"/>
+                </a:solidFill>
+                <a:effectLst/>
+                <a:latin typeface="Times New Roman" panose="02020603050405020304" pitchFamily="18" charset="0"/>
+                <a:ea typeface="MS Mincho" panose="02020609040205080304" pitchFamily="49" charset="-128"/>
+                <a:cs typeface="Times New Roman" panose="02020603050405020304" pitchFamily="18" charset="0"/>
+              </a:rPr>
+              <a:t>P</a:t>
+            </a:r>
+            <a:r>
+              <a:rPr lang="hr-BA" sz="1400" dirty="0" err="1">
+                <a:solidFill>
+                  <a:schemeClr val="bg1"/>
+                </a:solidFill>
+                <a:effectLst/>
+                <a:latin typeface="Times New Roman" panose="02020603050405020304" pitchFamily="18" charset="0"/>
+                <a:ea typeface="MS Mincho" panose="02020609040205080304" pitchFamily="49" charset="-128"/>
+                <a:cs typeface="Times New Roman" panose="02020603050405020304" pitchFamily="18" charset="0"/>
+              </a:rPr>
+              <a:t>ohrana</a:t>
+            </a:r>
+            <a:r>
+              <a:rPr lang="hr-BA" sz="1400" dirty="0">
+                <a:solidFill>
+                  <a:schemeClr val="bg1"/>
+                </a:solidFill>
+                <a:effectLst/>
+                <a:latin typeface="Times New Roman" panose="02020603050405020304" pitchFamily="18" charset="0"/>
+                <a:ea typeface="MS Mincho" panose="02020609040205080304" pitchFamily="49" charset="-128"/>
+                <a:cs typeface="Times New Roman" panose="02020603050405020304" pitchFamily="18" charset="0"/>
+              </a:rPr>
+              <a:t> podataka na sigurnu lokaciju </a:t>
+            </a:r>
+            <a:endParaRPr lang="en-US" sz="1400" dirty="0">
+              <a:solidFill>
+                <a:schemeClr val="bg1"/>
+              </a:solidFill>
+              <a:effectLst/>
+              <a:latin typeface="Times New Roman" panose="02020603050405020304" pitchFamily="18" charset="0"/>
+              <a:ea typeface="MS Mincho" panose="02020609040205080304" pitchFamily="49" charset="-128"/>
+              <a:cs typeface="Times New Roman" panose="02020603050405020304" pitchFamily="18" charset="0"/>
+            </a:endParaRPr>
           </a:p>
         </p:txBody>
       </p:sp>
@@ -8183,7 +9723,7 @@
 </p:sld>
 </file>
 
-<file path=ppt/slides/slide5.xml><?xml version="1.0" encoding="utf-8"?>
+<file path=ppt/slides/slide6.xml><?xml version="1.0" encoding="utf-8"?>
 <p:sld xmlns:a="http://schemas.openxmlformats.org/drawingml/2006/main" xmlns:r="http://schemas.openxmlformats.org/officeDocument/2006/relationships" xmlns:p="http://schemas.openxmlformats.org/presentationml/2006/main">
   <p:cSld>
     <p:spTree>

--- a/SpecifikacijaZahtjeva.pptx
+++ b/SpecifikacijaZahtjeva.pptx
@@ -7919,36 +7919,703 @@
           </a:p>
         </p:txBody>
       </p:sp>
-      <p:pic>
-        <p:nvPicPr>
-          <p:cNvPr id="6" name="Picture 5">
+      <p:graphicFrame>
+        <p:nvGraphicFramePr>
+          <p:cNvPr id="3" name="Table 2">
             <a:extLst>
               <a:ext uri="{FF2B5EF4-FFF2-40B4-BE49-F238E27FC236}">
-                <a16:creationId xmlns:a16="http://schemas.microsoft.com/office/drawing/2014/main" id="{01EE85F3-2A4D-8E43-009C-35215AAF2B63}"/>
+                <a16:creationId xmlns:a16="http://schemas.microsoft.com/office/drawing/2014/main" id="{47E22B51-EB15-79F0-E106-C4A7F6311F9D}"/>
               </a:ext>
             </a:extLst>
           </p:cNvPr>
-          <p:cNvPicPr>
-            <a:picLocks noChangeAspect="1"/>
-          </p:cNvPicPr>
-          <p:nvPr/>
-        </p:nvPicPr>
-        <p:blipFill>
-          <a:blip r:embed="rId2"/>
-          <a:stretch>
-            <a:fillRect/>
-          </a:stretch>
-        </p:blipFill>
-        <p:spPr>
-          <a:xfrm>
-            <a:off x="897321" y="2437734"/>
-            <a:ext cx="9130694" cy="3239166"/>
-          </a:xfrm>
-          <a:prstGeom prst="rect">
-            <a:avLst/>
-          </a:prstGeom>
-        </p:spPr>
-      </p:pic>
+          <p:cNvGraphicFramePr>
+            <a:graphicFrameLocks noGrp="1"/>
+          </p:cNvGraphicFramePr>
+          <p:nvPr>
+            <p:extLst>
+              <p:ext uri="{D42A27DB-BD31-4B8C-83A1-F6EECF244321}">
+                <p14:modId xmlns:p14="http://schemas.microsoft.com/office/powerpoint/2010/main" val="496982481"/>
+              </p:ext>
+            </p:extLst>
+          </p:nvPr>
+        </p:nvGraphicFramePr>
+        <p:xfrm>
+          <a:off x="2175258" y="3018602"/>
+          <a:ext cx="7020500" cy="2502302"/>
+        </p:xfrm>
+        <a:graphic>
+          <a:graphicData uri="http://schemas.openxmlformats.org/drawingml/2006/table">
+            <a:tbl>
+              <a:tblPr firstRow="1" firstCol="1" bandRow="1"/>
+              <a:tblGrid>
+                <a:gridCol w="1474403">
+                  <a:extLst>
+                    <a:ext uri="{9D8B030D-6E8A-4147-A177-3AD203B41FA5}">
+                      <a16:colId xmlns:a16="http://schemas.microsoft.com/office/drawing/2014/main" val="827543519"/>
+                    </a:ext>
+                  </a:extLst>
+                </a:gridCol>
+                <a:gridCol w="5546097">
+                  <a:extLst>
+                    <a:ext uri="{9D8B030D-6E8A-4147-A177-3AD203B41FA5}">
+                      <a16:colId xmlns:a16="http://schemas.microsoft.com/office/drawing/2014/main" val="443597966"/>
+                    </a:ext>
+                  </a:extLst>
+                </a:gridCol>
+              </a:tblGrid>
+              <a:tr h="254982">
+                <a:tc>
+                  <a:txBody>
+                    <a:bodyPr/>
+                    <a:lstStyle/>
+                    <a:p>
+                      <a:pPr algn="ctr">
+                        <a:lnSpc>
+                          <a:spcPct val="115000"/>
+                        </a:lnSpc>
+                        <a:spcAft>
+                          <a:spcPts val="1000"/>
+                        </a:spcAft>
+                      </a:pPr>
+                      <a:r>
+                        <a:rPr lang="hr-HR" sz="1400" b="1">
+                          <a:solidFill>
+                            <a:srgbClr val="000000"/>
+                          </a:solidFill>
+                          <a:effectLst/>
+                          <a:latin typeface="Times New Roman" panose="02020603050405020304" pitchFamily="18" charset="0"/>
+                          <a:ea typeface="MS Mincho" panose="02020609040205080304" pitchFamily="49" charset="-128"/>
+                          <a:cs typeface="Times New Roman" panose="02020603050405020304" pitchFamily="18" charset="0"/>
+                        </a:rPr>
+                        <a:t>Korisnici</a:t>
+                      </a:r>
+                      <a:endParaRPr lang="hr-HR" sz="1400">
+                        <a:effectLst/>
+                        <a:latin typeface="Times New Roman" panose="02020603050405020304" pitchFamily="18" charset="0"/>
+                        <a:ea typeface="MS Mincho" panose="02020609040205080304" pitchFamily="49" charset="-128"/>
+                        <a:cs typeface="Times New Roman" panose="02020603050405020304" pitchFamily="18" charset="0"/>
+                      </a:endParaRPr>
+                    </a:p>
+                  </a:txBody>
+                  <a:tcPr marL="68580" marR="68580" marT="0" marB="0">
+                    <a:lnL w="12700" cap="flat" cmpd="sng" algn="ctr">
+                      <a:solidFill>
+                        <a:srgbClr val="000000"/>
+                      </a:solidFill>
+                      <a:prstDash val="solid"/>
+                      <a:round/>
+                      <a:headEnd type="none" w="med" len="med"/>
+                      <a:tailEnd type="none" w="med" len="med"/>
+                    </a:lnL>
+                    <a:lnR w="12700" cap="flat" cmpd="sng" algn="ctr">
+                      <a:solidFill>
+                        <a:srgbClr val="000000"/>
+                      </a:solidFill>
+                      <a:prstDash val="solid"/>
+                      <a:round/>
+                      <a:headEnd type="none" w="med" len="med"/>
+                      <a:tailEnd type="none" w="med" len="med"/>
+                    </a:lnR>
+                    <a:lnT w="12700" cap="flat" cmpd="sng" algn="ctr">
+                      <a:solidFill>
+                        <a:srgbClr val="000000"/>
+                      </a:solidFill>
+                      <a:prstDash val="solid"/>
+                      <a:round/>
+                      <a:headEnd type="none" w="med" len="med"/>
+                      <a:tailEnd type="none" w="med" len="med"/>
+                    </a:lnT>
+                    <a:lnB w="12700" cap="flat" cmpd="sng" algn="ctr">
+                      <a:solidFill>
+                        <a:srgbClr val="000000"/>
+                      </a:solidFill>
+                      <a:prstDash val="solid"/>
+                      <a:round/>
+                      <a:headEnd type="none" w="med" len="med"/>
+                      <a:tailEnd type="none" w="med" len="med"/>
+                    </a:lnB>
+                    <a:solidFill>
+                      <a:srgbClr val="548DD4"/>
+                    </a:solidFill>
+                  </a:tcPr>
+                </a:tc>
+                <a:tc>
+                  <a:txBody>
+                    <a:bodyPr/>
+                    <a:lstStyle/>
+                    <a:p>
+                      <a:pPr algn="ctr">
+                        <a:lnSpc>
+                          <a:spcPct val="115000"/>
+                        </a:lnSpc>
+                        <a:spcAft>
+                          <a:spcPts val="1000"/>
+                        </a:spcAft>
+                      </a:pPr>
+                      <a:r>
+                        <a:rPr lang="hr-HR" sz="1400" b="1">
+                          <a:solidFill>
+                            <a:srgbClr val="000000"/>
+                          </a:solidFill>
+                          <a:effectLst/>
+                          <a:latin typeface="Times New Roman" panose="02020603050405020304" pitchFamily="18" charset="0"/>
+                          <a:ea typeface="MS Mincho" panose="02020609040205080304" pitchFamily="49" charset="-128"/>
+                          <a:cs typeface="Times New Roman" panose="02020603050405020304" pitchFamily="18" charset="0"/>
+                        </a:rPr>
+                        <a:t>Kratak opis</a:t>
+                      </a:r>
+                      <a:endParaRPr lang="hr-HR" sz="1400">
+                        <a:effectLst/>
+                        <a:latin typeface="Times New Roman" panose="02020603050405020304" pitchFamily="18" charset="0"/>
+                        <a:ea typeface="MS Mincho" panose="02020609040205080304" pitchFamily="49" charset="-128"/>
+                        <a:cs typeface="Times New Roman" panose="02020603050405020304" pitchFamily="18" charset="0"/>
+                      </a:endParaRPr>
+                    </a:p>
+                  </a:txBody>
+                  <a:tcPr marL="68580" marR="68580" marT="0" marB="0">
+                    <a:lnL w="12700" cap="flat" cmpd="sng" algn="ctr">
+                      <a:solidFill>
+                        <a:srgbClr val="000000"/>
+                      </a:solidFill>
+                      <a:prstDash val="solid"/>
+                      <a:round/>
+                      <a:headEnd type="none" w="med" len="med"/>
+                      <a:tailEnd type="none" w="med" len="med"/>
+                    </a:lnL>
+                    <a:lnR w="12700" cap="flat" cmpd="sng" algn="ctr">
+                      <a:solidFill>
+                        <a:srgbClr val="000000"/>
+                      </a:solidFill>
+                      <a:prstDash val="solid"/>
+                      <a:round/>
+                      <a:headEnd type="none" w="med" len="med"/>
+                      <a:tailEnd type="none" w="med" len="med"/>
+                    </a:lnR>
+                    <a:lnT w="12700" cap="flat" cmpd="sng" algn="ctr">
+                      <a:solidFill>
+                        <a:srgbClr val="000000"/>
+                      </a:solidFill>
+                      <a:prstDash val="solid"/>
+                      <a:round/>
+                      <a:headEnd type="none" w="med" len="med"/>
+                      <a:tailEnd type="none" w="med" len="med"/>
+                    </a:lnT>
+                    <a:lnB w="12700" cap="flat" cmpd="sng" algn="ctr">
+                      <a:solidFill>
+                        <a:srgbClr val="000000"/>
+                      </a:solidFill>
+                      <a:prstDash val="solid"/>
+                      <a:round/>
+                      <a:headEnd type="none" w="med" len="med"/>
+                      <a:tailEnd type="none" w="med" len="med"/>
+                    </a:lnB>
+                    <a:solidFill>
+                      <a:srgbClr val="548DD4"/>
+                    </a:solidFill>
+                  </a:tcPr>
+                </a:tc>
+                <a:extLst>
+                  <a:ext uri="{0D108BD9-81ED-4DB2-BD59-A6C34878D82A}">
+                    <a16:rowId xmlns:a16="http://schemas.microsoft.com/office/drawing/2014/main" val="3717746922"/>
+                  </a:ext>
+                </a:extLst>
+              </a:tr>
+              <a:tr h="783915">
+                <a:tc>
+                  <a:txBody>
+                    <a:bodyPr/>
+                    <a:lstStyle/>
+                    <a:p>
+                      <a:pPr algn="ctr">
+                        <a:lnSpc>
+                          <a:spcPct val="115000"/>
+                        </a:lnSpc>
+                        <a:spcBef>
+                          <a:spcPts val="500"/>
+                        </a:spcBef>
+                        <a:spcAft>
+                          <a:spcPts val="1000"/>
+                        </a:spcAft>
+                      </a:pPr>
+                      <a:r>
+                        <a:rPr lang="hr-HR" sz="2000" b="1" dirty="0">
+                          <a:solidFill>
+                            <a:srgbClr val="000000"/>
+                          </a:solidFill>
+                          <a:effectLst/>
+                          <a:latin typeface="Times New Roman" panose="02020603050405020304" pitchFamily="18" charset="0"/>
+                          <a:ea typeface="MS Mincho" panose="02020609040205080304" pitchFamily="49" charset="-128"/>
+                          <a:cs typeface="Times New Roman" panose="02020603050405020304" pitchFamily="18" charset="0"/>
+                        </a:rPr>
+                        <a:t>Samostalni poslužitelj</a:t>
+                      </a:r>
+                      <a:endParaRPr lang="hr-HR" sz="2000" dirty="0">
+                        <a:effectLst/>
+                        <a:latin typeface="Times New Roman" panose="02020603050405020304" pitchFamily="18" charset="0"/>
+                        <a:ea typeface="MS Mincho" panose="02020609040205080304" pitchFamily="49" charset="-128"/>
+                        <a:cs typeface="Times New Roman" panose="02020603050405020304" pitchFamily="18" charset="0"/>
+                      </a:endParaRPr>
+                    </a:p>
+                  </a:txBody>
+                  <a:tcPr marL="68580" marR="68580" marT="0" marB="0">
+                    <a:lnL w="12700" cap="flat" cmpd="sng" algn="ctr">
+                      <a:solidFill>
+                        <a:srgbClr val="000000"/>
+                      </a:solidFill>
+                      <a:prstDash val="solid"/>
+                      <a:round/>
+                      <a:headEnd type="none" w="med" len="med"/>
+                      <a:tailEnd type="none" w="med" len="med"/>
+                    </a:lnL>
+                    <a:lnR w="12700" cap="flat" cmpd="sng" algn="ctr">
+                      <a:solidFill>
+                        <a:srgbClr val="000000"/>
+                      </a:solidFill>
+                      <a:prstDash val="solid"/>
+                      <a:round/>
+                      <a:headEnd type="none" w="med" len="med"/>
+                      <a:tailEnd type="none" w="med" len="med"/>
+                    </a:lnR>
+                    <a:lnT w="12700" cap="flat" cmpd="sng" algn="ctr">
+                      <a:solidFill>
+                        <a:srgbClr val="000000"/>
+                      </a:solidFill>
+                      <a:prstDash val="solid"/>
+                      <a:round/>
+                      <a:headEnd type="none" w="med" len="med"/>
+                      <a:tailEnd type="none" w="med" len="med"/>
+                    </a:lnT>
+                    <a:lnB w="12700" cap="flat" cmpd="sng" algn="ctr">
+                      <a:solidFill>
+                        <a:srgbClr val="000000"/>
+                      </a:solidFill>
+                      <a:prstDash val="solid"/>
+                      <a:round/>
+                      <a:headEnd type="none" w="med" len="med"/>
+                      <a:tailEnd type="none" w="med" len="med"/>
+                    </a:lnB>
+                    <a:solidFill>
+                      <a:srgbClr val="C6D9F1"/>
+                    </a:solidFill>
+                  </a:tcPr>
+                </a:tc>
+                <a:tc>
+                  <a:txBody>
+                    <a:bodyPr/>
+                    <a:lstStyle/>
+                    <a:p>
+                      <a:pPr>
+                        <a:lnSpc>
+                          <a:spcPct val="115000"/>
+                        </a:lnSpc>
+                        <a:spcAft>
+                          <a:spcPts val="1000"/>
+                        </a:spcAft>
+                      </a:pPr>
+                      <a:r>
+                        <a:rPr lang="hr-HR" sz="1400">
+                          <a:solidFill>
+                            <a:srgbClr val="000000"/>
+                          </a:solidFill>
+                          <a:effectLst/>
+                          <a:latin typeface="Times New Roman" panose="02020603050405020304" pitchFamily="18" charset="0"/>
+                          <a:ea typeface="MS Mincho" panose="02020609040205080304" pitchFamily="49" charset="-128"/>
+                          <a:cs typeface="Times New Roman" panose="02020603050405020304" pitchFamily="18" charset="0"/>
+                        </a:rPr>
+                        <a:t>Osoba koja sama obavlja proces iznajmljivanja, slikanja, komunikacije... Omogućene sve osnovne mogućnosti poslužitelja za što lakše poslovno iskustvo.</a:t>
+                      </a:r>
+                      <a:endParaRPr lang="hr-HR" sz="1400">
+                        <a:effectLst/>
+                        <a:latin typeface="Times New Roman" panose="02020603050405020304" pitchFamily="18" charset="0"/>
+                        <a:ea typeface="MS Mincho" panose="02020609040205080304" pitchFamily="49" charset="-128"/>
+                        <a:cs typeface="Times New Roman" panose="02020603050405020304" pitchFamily="18" charset="0"/>
+                      </a:endParaRPr>
+                    </a:p>
+                  </a:txBody>
+                  <a:tcPr marL="68580" marR="68580" marT="0" marB="0">
+                    <a:lnL w="12700" cap="flat" cmpd="sng" algn="ctr">
+                      <a:solidFill>
+                        <a:srgbClr val="000000"/>
+                      </a:solidFill>
+                      <a:prstDash val="solid"/>
+                      <a:round/>
+                      <a:headEnd type="none" w="med" len="med"/>
+                      <a:tailEnd type="none" w="med" len="med"/>
+                    </a:lnL>
+                    <a:lnR w="12700" cap="flat" cmpd="sng" algn="ctr">
+                      <a:solidFill>
+                        <a:srgbClr val="000000"/>
+                      </a:solidFill>
+                      <a:prstDash val="solid"/>
+                      <a:round/>
+                      <a:headEnd type="none" w="med" len="med"/>
+                      <a:tailEnd type="none" w="med" len="med"/>
+                    </a:lnR>
+                    <a:lnT w="12700" cap="flat" cmpd="sng" algn="ctr">
+                      <a:solidFill>
+                        <a:srgbClr val="000000"/>
+                      </a:solidFill>
+                      <a:prstDash val="solid"/>
+                      <a:round/>
+                      <a:headEnd type="none" w="med" len="med"/>
+                      <a:tailEnd type="none" w="med" len="med"/>
+                    </a:lnT>
+                    <a:lnB w="12700" cap="flat" cmpd="sng" algn="ctr">
+                      <a:solidFill>
+                        <a:srgbClr val="000000"/>
+                      </a:solidFill>
+                      <a:prstDash val="solid"/>
+                      <a:round/>
+                      <a:headEnd type="none" w="med" len="med"/>
+                      <a:tailEnd type="none" w="med" len="med"/>
+                    </a:lnB>
+                    <a:solidFill>
+                      <a:srgbClr val="C6D9F1"/>
+                    </a:solidFill>
+                  </a:tcPr>
+                </a:tc>
+                <a:extLst>
+                  <a:ext uri="{0D108BD9-81ED-4DB2-BD59-A6C34878D82A}">
+                    <a16:rowId xmlns:a16="http://schemas.microsoft.com/office/drawing/2014/main" val="1772502513"/>
+                  </a:ext>
+                </a:extLst>
+              </a:tr>
+              <a:tr h="783915">
+                <a:tc>
+                  <a:txBody>
+                    <a:bodyPr/>
+                    <a:lstStyle/>
+                    <a:p>
+                      <a:pPr algn="ctr">
+                        <a:lnSpc>
+                          <a:spcPct val="115000"/>
+                        </a:lnSpc>
+                        <a:spcAft>
+                          <a:spcPts val="1000"/>
+                        </a:spcAft>
+                      </a:pPr>
+                      <a:r>
+                        <a:rPr lang="hr-HR" sz="1400" dirty="0">
+                          <a:effectLst/>
+                          <a:latin typeface="Times New Roman" panose="02020603050405020304" pitchFamily="18" charset="0"/>
+                          <a:ea typeface="MS Mincho" panose="02020609040205080304" pitchFamily="49" charset="-128"/>
+                          <a:cs typeface="Times New Roman" panose="02020603050405020304" pitchFamily="18" charset="0"/>
+                        </a:rPr>
+                        <a:t> </a:t>
+                      </a:r>
+                      <a:r>
+                        <a:rPr lang="hr-HR" sz="2000" b="1" dirty="0">
+                          <a:solidFill>
+                            <a:srgbClr val="000000"/>
+                          </a:solidFill>
+                          <a:effectLst/>
+                          <a:latin typeface="Times New Roman" panose="02020603050405020304" pitchFamily="18" charset="0"/>
+                          <a:ea typeface="MS Mincho" panose="02020609040205080304" pitchFamily="49" charset="-128"/>
+                          <a:cs typeface="Times New Roman" panose="02020603050405020304" pitchFamily="18" charset="0"/>
+                        </a:rPr>
+                        <a:t>Agencije</a:t>
+                      </a:r>
+                      <a:endParaRPr lang="hr-HR" sz="2000" dirty="0">
+                        <a:effectLst/>
+                        <a:latin typeface="Times New Roman" panose="02020603050405020304" pitchFamily="18" charset="0"/>
+                        <a:ea typeface="MS Mincho" panose="02020609040205080304" pitchFamily="49" charset="-128"/>
+                        <a:cs typeface="Times New Roman" panose="02020603050405020304" pitchFamily="18" charset="0"/>
+                      </a:endParaRPr>
+                    </a:p>
+                  </a:txBody>
+                  <a:tcPr marL="68580" marR="68580" marT="0" marB="0">
+                    <a:lnL w="12700" cap="flat" cmpd="sng" algn="ctr">
+                      <a:solidFill>
+                        <a:srgbClr val="000000"/>
+                      </a:solidFill>
+                      <a:prstDash val="solid"/>
+                      <a:round/>
+                      <a:headEnd type="none" w="med" len="med"/>
+                      <a:tailEnd type="none" w="med" len="med"/>
+                    </a:lnL>
+                    <a:lnR w="12700" cap="flat" cmpd="sng" algn="ctr">
+                      <a:solidFill>
+                        <a:srgbClr val="000000"/>
+                      </a:solidFill>
+                      <a:prstDash val="solid"/>
+                      <a:round/>
+                      <a:headEnd type="none" w="med" len="med"/>
+                      <a:tailEnd type="none" w="med" len="med"/>
+                    </a:lnR>
+                    <a:lnT w="12700" cap="flat" cmpd="sng" algn="ctr">
+                      <a:solidFill>
+                        <a:srgbClr val="000000"/>
+                      </a:solidFill>
+                      <a:prstDash val="solid"/>
+                      <a:round/>
+                      <a:headEnd type="none" w="med" len="med"/>
+                      <a:tailEnd type="none" w="med" len="med"/>
+                    </a:lnT>
+                    <a:lnB w="12700" cap="flat" cmpd="sng" algn="ctr">
+                      <a:solidFill>
+                        <a:srgbClr val="000000"/>
+                      </a:solidFill>
+                      <a:prstDash val="solid"/>
+                      <a:round/>
+                      <a:headEnd type="none" w="med" len="med"/>
+                      <a:tailEnd type="none" w="med" len="med"/>
+                    </a:lnB>
+                    <a:solidFill>
+                      <a:srgbClr val="C6D9F1"/>
+                    </a:solidFill>
+                  </a:tcPr>
+                </a:tc>
+                <a:tc>
+                  <a:txBody>
+                    <a:bodyPr/>
+                    <a:lstStyle/>
+                    <a:p>
+                      <a:pPr>
+                        <a:lnSpc>
+                          <a:spcPct val="115000"/>
+                        </a:lnSpc>
+                        <a:spcAft>
+                          <a:spcPts val="1000"/>
+                        </a:spcAft>
+                      </a:pPr>
+                      <a:r>
+                        <a:rPr lang="hr-HR" sz="1400">
+                          <a:solidFill>
+                            <a:srgbClr val="000000"/>
+                          </a:solidFill>
+                          <a:effectLst/>
+                          <a:latin typeface="Times New Roman" panose="02020603050405020304" pitchFamily="18" charset="0"/>
+                          <a:ea typeface="MS Mincho" panose="02020609040205080304" pitchFamily="49" charset="-128"/>
+                          <a:cs typeface="Times New Roman" panose="02020603050405020304" pitchFamily="18" charset="0"/>
+                        </a:rPr>
+                        <a:t>Kolekcija agenata koji mogu raditi na jednom ili više nekretnina u isto vrijeme. Omogućene sve timske mogućnosti za što efikasniji i ekonomičniji timski rad.</a:t>
+                      </a:r>
+                      <a:endParaRPr lang="hr-HR" sz="1400">
+                        <a:effectLst/>
+                        <a:latin typeface="Times New Roman" panose="02020603050405020304" pitchFamily="18" charset="0"/>
+                        <a:ea typeface="MS Mincho" panose="02020609040205080304" pitchFamily="49" charset="-128"/>
+                        <a:cs typeface="Times New Roman" panose="02020603050405020304" pitchFamily="18" charset="0"/>
+                      </a:endParaRPr>
+                    </a:p>
+                  </a:txBody>
+                  <a:tcPr marL="68580" marR="68580" marT="0" marB="0">
+                    <a:lnL w="12700" cap="flat" cmpd="sng" algn="ctr">
+                      <a:solidFill>
+                        <a:srgbClr val="000000"/>
+                      </a:solidFill>
+                      <a:prstDash val="solid"/>
+                      <a:round/>
+                      <a:headEnd type="none" w="med" len="med"/>
+                      <a:tailEnd type="none" w="med" len="med"/>
+                    </a:lnL>
+                    <a:lnR w="12700" cap="flat" cmpd="sng" algn="ctr">
+                      <a:solidFill>
+                        <a:srgbClr val="000000"/>
+                      </a:solidFill>
+                      <a:prstDash val="solid"/>
+                      <a:round/>
+                      <a:headEnd type="none" w="med" len="med"/>
+                      <a:tailEnd type="none" w="med" len="med"/>
+                    </a:lnR>
+                    <a:lnT w="12700" cap="flat" cmpd="sng" algn="ctr">
+                      <a:solidFill>
+                        <a:srgbClr val="000000"/>
+                      </a:solidFill>
+                      <a:prstDash val="solid"/>
+                      <a:round/>
+                      <a:headEnd type="none" w="med" len="med"/>
+                      <a:tailEnd type="none" w="med" len="med"/>
+                    </a:lnT>
+                    <a:lnB w="12700" cap="flat" cmpd="sng" algn="ctr">
+                      <a:solidFill>
+                        <a:srgbClr val="000000"/>
+                      </a:solidFill>
+                      <a:prstDash val="solid"/>
+                      <a:round/>
+                      <a:headEnd type="none" w="med" len="med"/>
+                      <a:tailEnd type="none" w="med" len="med"/>
+                    </a:lnB>
+                    <a:solidFill>
+                      <a:srgbClr val="C6D9F1"/>
+                    </a:solidFill>
+                  </a:tcPr>
+                </a:tc>
+                <a:extLst>
+                  <a:ext uri="{0D108BD9-81ED-4DB2-BD59-A6C34878D82A}">
+                    <a16:rowId xmlns:a16="http://schemas.microsoft.com/office/drawing/2014/main" val="134939779"/>
+                  </a:ext>
+                </a:extLst>
+              </a:tr>
+              <a:tr h="679490">
+                <a:tc>
+                  <a:txBody>
+                    <a:bodyPr/>
+                    <a:lstStyle/>
+                    <a:p>
+                      <a:pPr algn="ctr">
+                        <a:lnSpc>
+                          <a:spcPct val="115000"/>
+                        </a:lnSpc>
+                        <a:spcAft>
+                          <a:spcPts val="1000"/>
+                        </a:spcAft>
+                      </a:pPr>
+                      <a:r>
+                        <a:rPr lang="hr-HR" sz="1400" dirty="0">
+                          <a:effectLst/>
+                          <a:latin typeface="Times New Roman" panose="02020603050405020304" pitchFamily="18" charset="0"/>
+                          <a:ea typeface="MS Mincho" panose="02020609040205080304" pitchFamily="49" charset="-128"/>
+                          <a:cs typeface="Times New Roman" panose="02020603050405020304" pitchFamily="18" charset="0"/>
+                        </a:rPr>
+                        <a:t> </a:t>
+                      </a:r>
+                      <a:r>
+                        <a:rPr lang="hr-HR" sz="2000" b="1" dirty="0">
+                          <a:solidFill>
+                            <a:srgbClr val="000000"/>
+                          </a:solidFill>
+                          <a:effectLst/>
+                          <a:latin typeface="Times New Roman" panose="02020603050405020304" pitchFamily="18" charset="0"/>
+                          <a:ea typeface="MS Mincho" panose="02020609040205080304" pitchFamily="49" charset="-128"/>
+                          <a:cs typeface="Times New Roman" panose="02020603050405020304" pitchFamily="18" charset="0"/>
+                        </a:rPr>
+                        <a:t>Mušterije</a:t>
+                      </a:r>
+                      <a:endParaRPr lang="hr-HR" sz="1600" dirty="0">
+                        <a:effectLst/>
+                        <a:latin typeface="Times New Roman" panose="02020603050405020304" pitchFamily="18" charset="0"/>
+                        <a:ea typeface="MS Mincho" panose="02020609040205080304" pitchFamily="49" charset="-128"/>
+                        <a:cs typeface="Times New Roman" panose="02020603050405020304" pitchFamily="18" charset="0"/>
+                      </a:endParaRPr>
+                    </a:p>
+                  </a:txBody>
+                  <a:tcPr marL="68580" marR="68580" marT="0" marB="0">
+                    <a:lnL w="12700" cap="flat" cmpd="sng" algn="ctr">
+                      <a:solidFill>
+                        <a:srgbClr val="000000"/>
+                      </a:solidFill>
+                      <a:prstDash val="solid"/>
+                      <a:round/>
+                      <a:headEnd type="none" w="med" len="med"/>
+                      <a:tailEnd type="none" w="med" len="med"/>
+                    </a:lnL>
+                    <a:lnR w="12700" cap="flat" cmpd="sng" algn="ctr">
+                      <a:solidFill>
+                        <a:srgbClr val="000000"/>
+                      </a:solidFill>
+                      <a:prstDash val="solid"/>
+                      <a:round/>
+                      <a:headEnd type="none" w="med" len="med"/>
+                      <a:tailEnd type="none" w="med" len="med"/>
+                    </a:lnR>
+                    <a:lnT w="12700" cap="flat" cmpd="sng" algn="ctr">
+                      <a:solidFill>
+                        <a:srgbClr val="000000"/>
+                      </a:solidFill>
+                      <a:prstDash val="solid"/>
+                      <a:round/>
+                      <a:headEnd type="none" w="med" len="med"/>
+                      <a:tailEnd type="none" w="med" len="med"/>
+                    </a:lnT>
+                    <a:lnB w="12700" cap="flat" cmpd="sng" algn="ctr">
+                      <a:solidFill>
+                        <a:srgbClr val="000000"/>
+                      </a:solidFill>
+                      <a:prstDash val="solid"/>
+                      <a:round/>
+                      <a:headEnd type="none" w="med" len="med"/>
+                      <a:tailEnd type="none" w="med" len="med"/>
+                    </a:lnB>
+                    <a:solidFill>
+                      <a:srgbClr val="C6D9F1"/>
+                    </a:solidFill>
+                  </a:tcPr>
+                </a:tc>
+                <a:tc>
+                  <a:txBody>
+                    <a:bodyPr/>
+                    <a:lstStyle/>
+                    <a:p>
+                      <a:pPr>
+                        <a:lnSpc>
+                          <a:spcPct val="115000"/>
+                        </a:lnSpc>
+                        <a:spcAft>
+                          <a:spcPts val="1000"/>
+                        </a:spcAft>
+                      </a:pPr>
+                      <a:r>
+                        <a:rPr lang="hr-HR" sz="1400" dirty="0">
+                          <a:solidFill>
+                            <a:srgbClr val="000000"/>
+                          </a:solidFill>
+                          <a:effectLst/>
+                          <a:latin typeface="Times New Roman" panose="02020603050405020304" pitchFamily="18" charset="0"/>
+                          <a:ea typeface="MS Mincho" panose="02020609040205080304" pitchFamily="49" charset="-128"/>
+                          <a:cs typeface="Times New Roman" panose="02020603050405020304" pitchFamily="18" charset="0"/>
+                        </a:rPr>
+                        <a:t>Bilo koja osoba koja ima interes za najam nekretnina. Za postavljanje upita kroz stranicu je potreban verificirani račun.</a:t>
+                      </a:r>
+                      <a:endParaRPr lang="hr-HR" sz="1400" dirty="0">
+                        <a:effectLst/>
+                        <a:latin typeface="Times New Roman" panose="02020603050405020304" pitchFamily="18" charset="0"/>
+                        <a:ea typeface="MS Mincho" panose="02020609040205080304" pitchFamily="49" charset="-128"/>
+                        <a:cs typeface="Times New Roman" panose="02020603050405020304" pitchFamily="18" charset="0"/>
+                      </a:endParaRPr>
+                    </a:p>
+                  </a:txBody>
+                  <a:tcPr marL="68580" marR="68580" marT="0" marB="0">
+                    <a:lnL w="12700" cap="flat" cmpd="sng" algn="ctr">
+                      <a:solidFill>
+                        <a:srgbClr val="000000"/>
+                      </a:solidFill>
+                      <a:prstDash val="solid"/>
+                      <a:round/>
+                      <a:headEnd type="none" w="med" len="med"/>
+                      <a:tailEnd type="none" w="med" len="med"/>
+                    </a:lnL>
+                    <a:lnR w="12700" cap="flat" cmpd="sng" algn="ctr">
+                      <a:solidFill>
+                        <a:srgbClr val="000000"/>
+                      </a:solidFill>
+                      <a:prstDash val="solid"/>
+                      <a:round/>
+                      <a:headEnd type="none" w="med" len="med"/>
+                      <a:tailEnd type="none" w="med" len="med"/>
+                    </a:lnR>
+                    <a:lnT w="12700" cap="flat" cmpd="sng" algn="ctr">
+                      <a:solidFill>
+                        <a:srgbClr val="000000"/>
+                      </a:solidFill>
+                      <a:prstDash val="solid"/>
+                      <a:round/>
+                      <a:headEnd type="none" w="med" len="med"/>
+                      <a:tailEnd type="none" w="med" len="med"/>
+                    </a:lnT>
+                    <a:lnB w="12700" cap="flat" cmpd="sng" algn="ctr">
+                      <a:solidFill>
+                        <a:srgbClr val="000000"/>
+                      </a:solidFill>
+                      <a:prstDash val="solid"/>
+                      <a:round/>
+                      <a:headEnd type="none" w="med" len="med"/>
+                      <a:tailEnd type="none" w="med" len="med"/>
+                    </a:lnB>
+                    <a:solidFill>
+                      <a:srgbClr val="C6D9F1"/>
+                    </a:solidFill>
+                  </a:tcPr>
+                </a:tc>
+                <a:extLst>
+                  <a:ext uri="{0D108BD9-81ED-4DB2-BD59-A6C34878D82A}">
+                    <a16:rowId xmlns:a16="http://schemas.microsoft.com/office/drawing/2014/main" val="1958947153"/>
+                  </a:ext>
+                </a:extLst>
+              </a:tr>
+            </a:tbl>
+          </a:graphicData>
+        </a:graphic>
+      </p:graphicFrame>
     </p:spTree>
     <p:extLst>
       <p:ext uri="{BB962C8B-B14F-4D97-AF65-F5344CB8AC3E}">
@@ -8009,36 +8676,2252 @@
           </a:p>
         </p:txBody>
       </p:sp>
-      <p:pic>
-        <p:nvPicPr>
-          <p:cNvPr id="7" name="Picture 6">
+      <p:graphicFrame>
+        <p:nvGraphicFramePr>
+          <p:cNvPr id="5" name="Table 4">
             <a:extLst>
               <a:ext uri="{FF2B5EF4-FFF2-40B4-BE49-F238E27FC236}">
-                <a16:creationId xmlns:a16="http://schemas.microsoft.com/office/drawing/2014/main" id="{97A83F3A-20FD-2C88-7DDD-A0A533AD0CA4}"/>
+                <a16:creationId xmlns:a16="http://schemas.microsoft.com/office/drawing/2014/main" id="{FCE14D7F-DC30-8A20-768E-01BD8C4047F3}"/>
               </a:ext>
             </a:extLst>
           </p:cNvPr>
-          <p:cNvPicPr>
-            <a:picLocks noChangeAspect="1"/>
-          </p:cNvPicPr>
-          <p:nvPr/>
-        </p:nvPicPr>
-        <p:blipFill>
-          <a:blip r:embed="rId2"/>
-          <a:stretch>
-            <a:fillRect/>
-          </a:stretch>
-        </p:blipFill>
-        <p:spPr>
-          <a:xfrm>
-            <a:off x="1277675" y="2351585"/>
-            <a:ext cx="8176875" cy="3823005"/>
-          </a:xfrm>
-          <a:prstGeom prst="rect">
-            <a:avLst/>
-          </a:prstGeom>
-        </p:spPr>
-      </p:pic>
+          <p:cNvGraphicFramePr>
+            <a:graphicFrameLocks noGrp="1"/>
+          </p:cNvGraphicFramePr>
+          <p:nvPr>
+            <p:extLst>
+              <p:ext uri="{D42A27DB-BD31-4B8C-83A1-F6EECF244321}">
+                <p14:modId xmlns:p14="http://schemas.microsoft.com/office/powerpoint/2010/main" val="1458474315"/>
+              </p:ext>
+            </p:extLst>
+          </p:nvPr>
+        </p:nvGraphicFramePr>
+        <p:xfrm>
+          <a:off x="1423357" y="2544792"/>
+          <a:ext cx="8272732" cy="3692104"/>
+        </p:xfrm>
+        <a:graphic>
+          <a:graphicData uri="http://schemas.openxmlformats.org/drawingml/2006/table">
+            <a:tbl>
+              <a:tblPr firstRow="1" firstCol="1" bandRow="1"/>
+              <a:tblGrid>
+                <a:gridCol w="4136366">
+                  <a:extLst>
+                    <a:ext uri="{9D8B030D-6E8A-4147-A177-3AD203B41FA5}">
+                      <a16:colId xmlns:a16="http://schemas.microsoft.com/office/drawing/2014/main" val="1400259054"/>
+                    </a:ext>
+                  </a:extLst>
+                </a:gridCol>
+                <a:gridCol w="4136366">
+                  <a:extLst>
+                    <a:ext uri="{9D8B030D-6E8A-4147-A177-3AD203B41FA5}">
+                      <a16:colId xmlns:a16="http://schemas.microsoft.com/office/drawing/2014/main" val="4203741230"/>
+                    </a:ext>
+                  </a:extLst>
+                </a:gridCol>
+              </a:tblGrid>
+              <a:tr h="258716">
+                <a:tc>
+                  <a:txBody>
+                    <a:bodyPr/>
+                    <a:lstStyle/>
+                    <a:p>
+                      <a:pPr algn="ctr">
+                        <a:lnSpc>
+                          <a:spcPct val="115000"/>
+                        </a:lnSpc>
+                        <a:spcAft>
+                          <a:spcPts val="1000"/>
+                        </a:spcAft>
+                      </a:pPr>
+                      <a:r>
+                        <a:rPr lang="hr-HR" sz="1300" dirty="0">
+                          <a:solidFill>
+                            <a:srgbClr val="000000"/>
+                          </a:solidFill>
+                          <a:effectLst/>
+                          <a:latin typeface="Times New Roman" panose="02020603050405020304" pitchFamily="18" charset="0"/>
+                          <a:ea typeface="MS Mincho" panose="02020609040205080304" pitchFamily="49" charset="-128"/>
+                          <a:cs typeface="Times New Roman" panose="02020603050405020304" pitchFamily="18" charset="0"/>
+                        </a:rPr>
+                        <a:t>ID-zahtjeva</a:t>
+                      </a:r>
+                      <a:endParaRPr lang="hr-HR" sz="1300" dirty="0">
+                        <a:effectLst/>
+                        <a:latin typeface="Times New Roman" panose="02020603050405020304" pitchFamily="18" charset="0"/>
+                        <a:ea typeface="MS Mincho" panose="02020609040205080304" pitchFamily="49" charset="-128"/>
+                        <a:cs typeface="Times New Roman" panose="02020603050405020304" pitchFamily="18" charset="0"/>
+                      </a:endParaRPr>
+                    </a:p>
+                  </a:txBody>
+                  <a:tcPr marL="61480" marR="61480" marT="0" marB="0">
+                    <a:lnL w="12700" cap="flat" cmpd="sng" algn="ctr">
+                      <a:solidFill>
+                        <a:srgbClr val="000000"/>
+                      </a:solidFill>
+                      <a:prstDash val="solid"/>
+                      <a:round/>
+                      <a:headEnd type="none" w="med" len="med"/>
+                      <a:tailEnd type="none" w="med" len="med"/>
+                    </a:lnL>
+                    <a:lnR w="12700" cap="flat" cmpd="sng" algn="ctr">
+                      <a:solidFill>
+                        <a:srgbClr val="000000"/>
+                      </a:solidFill>
+                      <a:prstDash val="solid"/>
+                      <a:round/>
+                      <a:headEnd type="none" w="med" len="med"/>
+                      <a:tailEnd type="none" w="med" len="med"/>
+                    </a:lnR>
+                    <a:lnT w="12700" cap="flat" cmpd="sng" algn="ctr">
+                      <a:solidFill>
+                        <a:srgbClr val="000000"/>
+                      </a:solidFill>
+                      <a:prstDash val="solid"/>
+                      <a:round/>
+                      <a:headEnd type="none" w="med" len="med"/>
+                      <a:tailEnd type="none" w="med" len="med"/>
+                    </a:lnT>
+                    <a:lnB w="12700" cap="flat" cmpd="sng" algn="ctr">
+                      <a:solidFill>
+                        <a:srgbClr val="000000"/>
+                      </a:solidFill>
+                      <a:prstDash val="solid"/>
+                      <a:round/>
+                      <a:headEnd type="none" w="med" len="med"/>
+                      <a:tailEnd type="none" w="med" len="med"/>
+                    </a:lnB>
+                    <a:solidFill>
+                      <a:srgbClr val="548DD4"/>
+                    </a:solidFill>
+                  </a:tcPr>
+                </a:tc>
+                <a:tc>
+                  <a:txBody>
+                    <a:bodyPr/>
+                    <a:lstStyle/>
+                    <a:p>
+                      <a:pPr algn="ctr">
+                        <a:lnSpc>
+                          <a:spcPct val="115000"/>
+                        </a:lnSpc>
+                        <a:spcAft>
+                          <a:spcPts val="1000"/>
+                        </a:spcAft>
+                      </a:pPr>
+                      <a:r>
+                        <a:rPr lang="hr-HR" sz="1300">
+                          <a:solidFill>
+                            <a:srgbClr val="000000"/>
+                          </a:solidFill>
+                          <a:effectLst/>
+                          <a:latin typeface="Times New Roman" panose="02020603050405020304" pitchFamily="18" charset="0"/>
+                          <a:ea typeface="MS Mincho" panose="02020609040205080304" pitchFamily="49" charset="-128"/>
+                          <a:cs typeface="Times New Roman" panose="02020603050405020304" pitchFamily="18" charset="0"/>
+                        </a:rPr>
+                        <a:t>Naziv zahtjeva</a:t>
+                      </a:r>
+                      <a:endParaRPr lang="hr-HR" sz="1300">
+                        <a:effectLst/>
+                        <a:latin typeface="Times New Roman" panose="02020603050405020304" pitchFamily="18" charset="0"/>
+                        <a:ea typeface="MS Mincho" panose="02020609040205080304" pitchFamily="49" charset="-128"/>
+                        <a:cs typeface="Times New Roman" panose="02020603050405020304" pitchFamily="18" charset="0"/>
+                      </a:endParaRPr>
+                    </a:p>
+                  </a:txBody>
+                  <a:tcPr marL="61480" marR="61480" marT="0" marB="0">
+                    <a:lnL w="12700" cap="flat" cmpd="sng" algn="ctr">
+                      <a:solidFill>
+                        <a:srgbClr val="000000"/>
+                      </a:solidFill>
+                      <a:prstDash val="solid"/>
+                      <a:round/>
+                      <a:headEnd type="none" w="med" len="med"/>
+                      <a:tailEnd type="none" w="med" len="med"/>
+                    </a:lnL>
+                    <a:lnR w="12700" cap="flat" cmpd="sng" algn="ctr">
+                      <a:solidFill>
+                        <a:srgbClr val="000000"/>
+                      </a:solidFill>
+                      <a:prstDash val="solid"/>
+                      <a:round/>
+                      <a:headEnd type="none" w="med" len="med"/>
+                      <a:tailEnd type="none" w="med" len="med"/>
+                    </a:lnR>
+                    <a:lnT w="12700" cap="flat" cmpd="sng" algn="ctr">
+                      <a:solidFill>
+                        <a:srgbClr val="000000"/>
+                      </a:solidFill>
+                      <a:prstDash val="solid"/>
+                      <a:round/>
+                      <a:headEnd type="none" w="med" len="med"/>
+                      <a:tailEnd type="none" w="med" len="med"/>
+                    </a:lnT>
+                    <a:lnB w="12700" cap="flat" cmpd="sng" algn="ctr">
+                      <a:solidFill>
+                        <a:srgbClr val="000000"/>
+                      </a:solidFill>
+                      <a:prstDash val="solid"/>
+                      <a:round/>
+                      <a:headEnd type="none" w="med" len="med"/>
+                      <a:tailEnd type="none" w="med" len="med"/>
+                    </a:lnB>
+                    <a:solidFill>
+                      <a:srgbClr val="548DD4"/>
+                    </a:solidFill>
+                  </a:tcPr>
+                </a:tc>
+                <a:extLst>
+                  <a:ext uri="{0D108BD9-81ED-4DB2-BD59-A6C34878D82A}">
+                    <a16:rowId xmlns:a16="http://schemas.microsoft.com/office/drawing/2014/main" val="748391443"/>
+                  </a:ext>
+                </a:extLst>
+              </a:tr>
+              <a:tr h="272732">
+                <a:tc>
+                  <a:txBody>
+                    <a:bodyPr/>
+                    <a:lstStyle/>
+                    <a:p>
+                      <a:pPr>
+                        <a:lnSpc>
+                          <a:spcPct val="115000"/>
+                        </a:lnSpc>
+                        <a:spcAft>
+                          <a:spcPts val="1000"/>
+                        </a:spcAft>
+                      </a:pPr>
+                      <a:r>
+                        <a:rPr lang="hr-HR" sz="1300">
+                          <a:solidFill>
+                            <a:srgbClr val="000000"/>
+                          </a:solidFill>
+                          <a:effectLst/>
+                          <a:latin typeface="Times New Roman" panose="02020603050405020304" pitchFamily="18" charset="0"/>
+                          <a:ea typeface="MS Mincho" panose="02020609040205080304" pitchFamily="49" charset="-128"/>
+                          <a:cs typeface="Times New Roman" panose="02020603050405020304" pitchFamily="18" charset="0"/>
+                        </a:rPr>
+                        <a:t>Z-1</a:t>
+                      </a:r>
+                      <a:endParaRPr lang="hr-HR" sz="1300">
+                        <a:effectLst/>
+                        <a:latin typeface="Times New Roman" panose="02020603050405020304" pitchFamily="18" charset="0"/>
+                        <a:ea typeface="MS Mincho" panose="02020609040205080304" pitchFamily="49" charset="-128"/>
+                        <a:cs typeface="Times New Roman" panose="02020603050405020304" pitchFamily="18" charset="0"/>
+                      </a:endParaRPr>
+                    </a:p>
+                  </a:txBody>
+                  <a:tcPr marL="61480" marR="61480" marT="0" marB="0">
+                    <a:lnL w="12700" cap="flat" cmpd="sng" algn="ctr">
+                      <a:solidFill>
+                        <a:srgbClr val="000000"/>
+                      </a:solidFill>
+                      <a:prstDash val="solid"/>
+                      <a:round/>
+                      <a:headEnd type="none" w="med" len="med"/>
+                      <a:tailEnd type="none" w="med" len="med"/>
+                    </a:lnL>
+                    <a:lnR w="12700" cap="flat" cmpd="sng" algn="ctr">
+                      <a:solidFill>
+                        <a:srgbClr val="000000"/>
+                      </a:solidFill>
+                      <a:prstDash val="solid"/>
+                      <a:round/>
+                      <a:headEnd type="none" w="med" len="med"/>
+                      <a:tailEnd type="none" w="med" len="med"/>
+                    </a:lnR>
+                    <a:lnT w="12700" cap="flat" cmpd="sng" algn="ctr">
+                      <a:solidFill>
+                        <a:srgbClr val="000000"/>
+                      </a:solidFill>
+                      <a:prstDash val="solid"/>
+                      <a:round/>
+                      <a:headEnd type="none" w="med" len="med"/>
+                      <a:tailEnd type="none" w="med" len="med"/>
+                    </a:lnT>
+                    <a:lnB w="12700" cap="flat" cmpd="sng" algn="ctr">
+                      <a:solidFill>
+                        <a:srgbClr val="000000"/>
+                      </a:solidFill>
+                      <a:prstDash val="solid"/>
+                      <a:round/>
+                      <a:headEnd type="none" w="med" len="med"/>
+                      <a:tailEnd type="none" w="med" len="med"/>
+                    </a:lnB>
+                    <a:solidFill>
+                      <a:srgbClr val="C6D9F1"/>
+                    </a:solidFill>
+                  </a:tcPr>
+                </a:tc>
+                <a:tc>
+                  <a:txBody>
+                    <a:bodyPr/>
+                    <a:lstStyle/>
+                    <a:p>
+                      <a:pPr>
+                        <a:lnSpc>
+                          <a:spcPct val="115000"/>
+                        </a:lnSpc>
+                        <a:spcAft>
+                          <a:spcPts val="1000"/>
+                        </a:spcAft>
+                      </a:pPr>
+                      <a:r>
+                        <a:rPr lang="hr-HR" sz="1300">
+                          <a:solidFill>
+                            <a:srgbClr val="000000"/>
+                          </a:solidFill>
+                          <a:effectLst/>
+                          <a:latin typeface="Times New Roman" panose="02020603050405020304" pitchFamily="18" charset="0"/>
+                          <a:ea typeface="MS Mincho" panose="02020609040205080304" pitchFamily="49" charset="-128"/>
+                          <a:cs typeface="Times New Roman" panose="02020603050405020304" pitchFamily="18" charset="0"/>
+                        </a:rPr>
+                        <a:t>Registracija korisnika</a:t>
+                      </a:r>
+                      <a:endParaRPr lang="hr-HR" sz="1300">
+                        <a:effectLst/>
+                        <a:latin typeface="Times New Roman" panose="02020603050405020304" pitchFamily="18" charset="0"/>
+                        <a:ea typeface="MS Mincho" panose="02020609040205080304" pitchFamily="49" charset="-128"/>
+                        <a:cs typeface="Times New Roman" panose="02020603050405020304" pitchFamily="18" charset="0"/>
+                      </a:endParaRPr>
+                    </a:p>
+                  </a:txBody>
+                  <a:tcPr marL="61480" marR="61480" marT="0" marB="0">
+                    <a:lnL w="12700" cap="flat" cmpd="sng" algn="ctr">
+                      <a:solidFill>
+                        <a:srgbClr val="000000"/>
+                      </a:solidFill>
+                      <a:prstDash val="solid"/>
+                      <a:round/>
+                      <a:headEnd type="none" w="med" len="med"/>
+                      <a:tailEnd type="none" w="med" len="med"/>
+                    </a:lnL>
+                    <a:lnR w="12700" cap="flat" cmpd="sng" algn="ctr">
+                      <a:solidFill>
+                        <a:srgbClr val="000000"/>
+                      </a:solidFill>
+                      <a:prstDash val="solid"/>
+                      <a:round/>
+                      <a:headEnd type="none" w="med" len="med"/>
+                      <a:tailEnd type="none" w="med" len="med"/>
+                    </a:lnR>
+                    <a:lnT w="12700" cap="flat" cmpd="sng" algn="ctr">
+                      <a:solidFill>
+                        <a:srgbClr val="000000"/>
+                      </a:solidFill>
+                      <a:prstDash val="solid"/>
+                      <a:round/>
+                      <a:headEnd type="none" w="med" len="med"/>
+                      <a:tailEnd type="none" w="med" len="med"/>
+                    </a:lnT>
+                    <a:lnB w="12700" cap="flat" cmpd="sng" algn="ctr">
+                      <a:solidFill>
+                        <a:srgbClr val="000000"/>
+                      </a:solidFill>
+                      <a:prstDash val="solid"/>
+                      <a:round/>
+                      <a:headEnd type="none" w="med" len="med"/>
+                      <a:tailEnd type="none" w="med" len="med"/>
+                    </a:lnB>
+                    <a:solidFill>
+                      <a:srgbClr val="C6D9F1"/>
+                    </a:solidFill>
+                  </a:tcPr>
+                </a:tc>
+                <a:extLst>
+                  <a:ext uri="{0D108BD9-81ED-4DB2-BD59-A6C34878D82A}">
+                    <a16:rowId xmlns:a16="http://schemas.microsoft.com/office/drawing/2014/main" val="3411639903"/>
+                  </a:ext>
+                </a:extLst>
+              </a:tr>
+              <a:tr h="258716">
+                <a:tc>
+                  <a:txBody>
+                    <a:bodyPr/>
+                    <a:lstStyle/>
+                    <a:p>
+                      <a:pPr>
+                        <a:lnSpc>
+                          <a:spcPct val="115000"/>
+                        </a:lnSpc>
+                        <a:spcAft>
+                          <a:spcPts val="1000"/>
+                        </a:spcAft>
+                      </a:pPr>
+                      <a:r>
+                        <a:rPr lang="hr-HR" sz="1300">
+                          <a:solidFill>
+                            <a:srgbClr val="000000"/>
+                          </a:solidFill>
+                          <a:effectLst/>
+                          <a:latin typeface="Times New Roman" panose="02020603050405020304" pitchFamily="18" charset="0"/>
+                          <a:ea typeface="MS Mincho" panose="02020609040205080304" pitchFamily="49" charset="-128"/>
+                          <a:cs typeface="Times New Roman" panose="02020603050405020304" pitchFamily="18" charset="0"/>
+                        </a:rPr>
+                        <a:t>Z-2</a:t>
+                      </a:r>
+                      <a:endParaRPr lang="hr-HR" sz="1300">
+                        <a:effectLst/>
+                        <a:latin typeface="Times New Roman" panose="02020603050405020304" pitchFamily="18" charset="0"/>
+                        <a:ea typeface="MS Mincho" panose="02020609040205080304" pitchFamily="49" charset="-128"/>
+                        <a:cs typeface="Times New Roman" panose="02020603050405020304" pitchFamily="18" charset="0"/>
+                      </a:endParaRPr>
+                    </a:p>
+                  </a:txBody>
+                  <a:tcPr marL="61480" marR="61480" marT="0" marB="0">
+                    <a:lnL w="12700" cap="flat" cmpd="sng" algn="ctr">
+                      <a:solidFill>
+                        <a:srgbClr val="000000"/>
+                      </a:solidFill>
+                      <a:prstDash val="solid"/>
+                      <a:round/>
+                      <a:headEnd type="none" w="med" len="med"/>
+                      <a:tailEnd type="none" w="med" len="med"/>
+                    </a:lnL>
+                    <a:lnR w="12700" cap="flat" cmpd="sng" algn="ctr">
+                      <a:solidFill>
+                        <a:srgbClr val="000000"/>
+                      </a:solidFill>
+                      <a:prstDash val="solid"/>
+                      <a:round/>
+                      <a:headEnd type="none" w="med" len="med"/>
+                      <a:tailEnd type="none" w="med" len="med"/>
+                    </a:lnR>
+                    <a:lnT w="12700" cap="flat" cmpd="sng" algn="ctr">
+                      <a:solidFill>
+                        <a:srgbClr val="000000"/>
+                      </a:solidFill>
+                      <a:prstDash val="solid"/>
+                      <a:round/>
+                      <a:headEnd type="none" w="med" len="med"/>
+                      <a:tailEnd type="none" w="med" len="med"/>
+                    </a:lnT>
+                    <a:lnB w="12700" cap="flat" cmpd="sng" algn="ctr">
+                      <a:solidFill>
+                        <a:srgbClr val="000000"/>
+                      </a:solidFill>
+                      <a:prstDash val="solid"/>
+                      <a:round/>
+                      <a:headEnd type="none" w="med" len="med"/>
+                      <a:tailEnd type="none" w="med" len="med"/>
+                    </a:lnB>
+                    <a:solidFill>
+                      <a:srgbClr val="C6D9F1"/>
+                    </a:solidFill>
+                  </a:tcPr>
+                </a:tc>
+                <a:tc>
+                  <a:txBody>
+                    <a:bodyPr/>
+                    <a:lstStyle/>
+                    <a:p>
+                      <a:pPr>
+                        <a:lnSpc>
+                          <a:spcPct val="115000"/>
+                        </a:lnSpc>
+                        <a:spcAft>
+                          <a:spcPts val="1000"/>
+                        </a:spcAft>
+                      </a:pPr>
+                      <a:r>
+                        <a:rPr lang="hr-HR" sz="1300">
+                          <a:solidFill>
+                            <a:srgbClr val="000000"/>
+                          </a:solidFill>
+                          <a:effectLst/>
+                          <a:latin typeface="Times New Roman" panose="02020603050405020304" pitchFamily="18" charset="0"/>
+                          <a:ea typeface="MS Mincho" panose="02020609040205080304" pitchFamily="49" charset="-128"/>
+                          <a:cs typeface="Times New Roman" panose="02020603050405020304" pitchFamily="18" charset="0"/>
+                        </a:rPr>
+                        <a:t>Provjeravanje autentičnosti podataka</a:t>
+                      </a:r>
+                      <a:endParaRPr lang="hr-HR" sz="1300">
+                        <a:effectLst/>
+                        <a:latin typeface="Times New Roman" panose="02020603050405020304" pitchFamily="18" charset="0"/>
+                        <a:ea typeface="MS Mincho" panose="02020609040205080304" pitchFamily="49" charset="-128"/>
+                        <a:cs typeface="Times New Roman" panose="02020603050405020304" pitchFamily="18" charset="0"/>
+                      </a:endParaRPr>
+                    </a:p>
+                  </a:txBody>
+                  <a:tcPr marL="61480" marR="61480" marT="0" marB="0">
+                    <a:lnL w="12700" cap="flat" cmpd="sng" algn="ctr">
+                      <a:solidFill>
+                        <a:srgbClr val="000000"/>
+                      </a:solidFill>
+                      <a:prstDash val="solid"/>
+                      <a:round/>
+                      <a:headEnd type="none" w="med" len="med"/>
+                      <a:tailEnd type="none" w="med" len="med"/>
+                    </a:lnL>
+                    <a:lnR w="12700" cap="flat" cmpd="sng" algn="ctr">
+                      <a:solidFill>
+                        <a:srgbClr val="000000"/>
+                      </a:solidFill>
+                      <a:prstDash val="solid"/>
+                      <a:round/>
+                      <a:headEnd type="none" w="med" len="med"/>
+                      <a:tailEnd type="none" w="med" len="med"/>
+                    </a:lnR>
+                    <a:lnT w="12700" cap="flat" cmpd="sng" algn="ctr">
+                      <a:solidFill>
+                        <a:srgbClr val="000000"/>
+                      </a:solidFill>
+                      <a:prstDash val="solid"/>
+                      <a:round/>
+                      <a:headEnd type="none" w="med" len="med"/>
+                      <a:tailEnd type="none" w="med" len="med"/>
+                    </a:lnT>
+                    <a:lnB w="12700" cap="flat" cmpd="sng" algn="ctr">
+                      <a:solidFill>
+                        <a:srgbClr val="000000"/>
+                      </a:solidFill>
+                      <a:prstDash val="solid"/>
+                      <a:round/>
+                      <a:headEnd type="none" w="med" len="med"/>
+                      <a:tailEnd type="none" w="med" len="med"/>
+                    </a:lnB>
+                    <a:solidFill>
+                      <a:srgbClr val="C6D9F1"/>
+                    </a:solidFill>
+                  </a:tcPr>
+                </a:tc>
+                <a:extLst>
+                  <a:ext uri="{0D108BD9-81ED-4DB2-BD59-A6C34878D82A}">
+                    <a16:rowId xmlns:a16="http://schemas.microsoft.com/office/drawing/2014/main" val="609887276"/>
+                  </a:ext>
+                </a:extLst>
+              </a:tr>
+              <a:tr h="258716">
+                <a:tc>
+                  <a:txBody>
+                    <a:bodyPr/>
+                    <a:lstStyle/>
+                    <a:p>
+                      <a:pPr>
+                        <a:lnSpc>
+                          <a:spcPct val="115000"/>
+                        </a:lnSpc>
+                        <a:spcAft>
+                          <a:spcPts val="1000"/>
+                        </a:spcAft>
+                      </a:pPr>
+                      <a:r>
+                        <a:rPr lang="hr-HR" sz="1300">
+                          <a:solidFill>
+                            <a:srgbClr val="000000"/>
+                          </a:solidFill>
+                          <a:effectLst/>
+                          <a:latin typeface="Times New Roman" panose="02020603050405020304" pitchFamily="18" charset="0"/>
+                          <a:ea typeface="MS Mincho" panose="02020609040205080304" pitchFamily="49" charset="-128"/>
+                          <a:cs typeface="Times New Roman" panose="02020603050405020304" pitchFamily="18" charset="0"/>
+                        </a:rPr>
+                        <a:t>Z-3</a:t>
+                      </a:r>
+                      <a:endParaRPr lang="hr-HR" sz="1300">
+                        <a:effectLst/>
+                        <a:latin typeface="Times New Roman" panose="02020603050405020304" pitchFamily="18" charset="0"/>
+                        <a:ea typeface="MS Mincho" panose="02020609040205080304" pitchFamily="49" charset="-128"/>
+                        <a:cs typeface="Times New Roman" panose="02020603050405020304" pitchFamily="18" charset="0"/>
+                      </a:endParaRPr>
+                    </a:p>
+                  </a:txBody>
+                  <a:tcPr marL="61480" marR="61480" marT="0" marB="0">
+                    <a:lnL w="12700" cap="flat" cmpd="sng" algn="ctr">
+                      <a:solidFill>
+                        <a:srgbClr val="000000"/>
+                      </a:solidFill>
+                      <a:prstDash val="solid"/>
+                      <a:round/>
+                      <a:headEnd type="none" w="med" len="med"/>
+                      <a:tailEnd type="none" w="med" len="med"/>
+                    </a:lnL>
+                    <a:lnR w="12700" cap="flat" cmpd="sng" algn="ctr">
+                      <a:solidFill>
+                        <a:srgbClr val="000000"/>
+                      </a:solidFill>
+                      <a:prstDash val="solid"/>
+                      <a:round/>
+                      <a:headEnd type="none" w="med" len="med"/>
+                      <a:tailEnd type="none" w="med" len="med"/>
+                    </a:lnR>
+                    <a:lnT w="12700" cap="flat" cmpd="sng" algn="ctr">
+                      <a:solidFill>
+                        <a:srgbClr val="000000"/>
+                      </a:solidFill>
+                      <a:prstDash val="solid"/>
+                      <a:round/>
+                      <a:headEnd type="none" w="med" len="med"/>
+                      <a:tailEnd type="none" w="med" len="med"/>
+                    </a:lnT>
+                    <a:lnB w="12700" cap="flat" cmpd="sng" algn="ctr">
+                      <a:solidFill>
+                        <a:srgbClr val="000000"/>
+                      </a:solidFill>
+                      <a:prstDash val="solid"/>
+                      <a:round/>
+                      <a:headEnd type="none" w="med" len="med"/>
+                      <a:tailEnd type="none" w="med" len="med"/>
+                    </a:lnB>
+                    <a:solidFill>
+                      <a:srgbClr val="C6D9F1"/>
+                    </a:solidFill>
+                  </a:tcPr>
+                </a:tc>
+                <a:tc>
+                  <a:txBody>
+                    <a:bodyPr/>
+                    <a:lstStyle/>
+                    <a:p>
+                      <a:pPr>
+                        <a:lnSpc>
+                          <a:spcPct val="115000"/>
+                        </a:lnSpc>
+                        <a:spcAft>
+                          <a:spcPts val="1000"/>
+                        </a:spcAft>
+                      </a:pPr>
+                      <a:r>
+                        <a:rPr lang="hr-HR" sz="1300">
+                          <a:solidFill>
+                            <a:srgbClr val="000000"/>
+                          </a:solidFill>
+                          <a:effectLst/>
+                          <a:latin typeface="Times New Roman" panose="02020603050405020304" pitchFamily="18" charset="0"/>
+                          <a:ea typeface="MS Mincho" panose="02020609040205080304" pitchFamily="49" charset="-128"/>
+                          <a:cs typeface="Times New Roman" panose="02020603050405020304" pitchFamily="18" charset="0"/>
+                        </a:rPr>
+                        <a:t>Prijava/Odjava korisnika</a:t>
+                      </a:r>
+                      <a:endParaRPr lang="hr-HR" sz="1300">
+                        <a:effectLst/>
+                        <a:latin typeface="Times New Roman" panose="02020603050405020304" pitchFamily="18" charset="0"/>
+                        <a:ea typeface="MS Mincho" panose="02020609040205080304" pitchFamily="49" charset="-128"/>
+                        <a:cs typeface="Times New Roman" panose="02020603050405020304" pitchFamily="18" charset="0"/>
+                      </a:endParaRPr>
+                    </a:p>
+                  </a:txBody>
+                  <a:tcPr marL="61480" marR="61480" marT="0" marB="0">
+                    <a:lnL w="12700" cap="flat" cmpd="sng" algn="ctr">
+                      <a:solidFill>
+                        <a:srgbClr val="000000"/>
+                      </a:solidFill>
+                      <a:prstDash val="solid"/>
+                      <a:round/>
+                      <a:headEnd type="none" w="med" len="med"/>
+                      <a:tailEnd type="none" w="med" len="med"/>
+                    </a:lnL>
+                    <a:lnR w="12700" cap="flat" cmpd="sng" algn="ctr">
+                      <a:solidFill>
+                        <a:srgbClr val="000000"/>
+                      </a:solidFill>
+                      <a:prstDash val="solid"/>
+                      <a:round/>
+                      <a:headEnd type="none" w="med" len="med"/>
+                      <a:tailEnd type="none" w="med" len="med"/>
+                    </a:lnR>
+                    <a:lnT w="12700" cap="flat" cmpd="sng" algn="ctr">
+                      <a:solidFill>
+                        <a:srgbClr val="000000"/>
+                      </a:solidFill>
+                      <a:prstDash val="solid"/>
+                      <a:round/>
+                      <a:headEnd type="none" w="med" len="med"/>
+                      <a:tailEnd type="none" w="med" len="med"/>
+                    </a:lnT>
+                    <a:lnB w="12700" cap="flat" cmpd="sng" algn="ctr">
+                      <a:solidFill>
+                        <a:srgbClr val="000000"/>
+                      </a:solidFill>
+                      <a:prstDash val="solid"/>
+                      <a:round/>
+                      <a:headEnd type="none" w="med" len="med"/>
+                      <a:tailEnd type="none" w="med" len="med"/>
+                    </a:lnB>
+                    <a:solidFill>
+                      <a:srgbClr val="C6D9F1"/>
+                    </a:solidFill>
+                  </a:tcPr>
+                </a:tc>
+                <a:extLst>
+                  <a:ext uri="{0D108BD9-81ED-4DB2-BD59-A6C34878D82A}">
+                    <a16:rowId xmlns:a16="http://schemas.microsoft.com/office/drawing/2014/main" val="530486910"/>
+                  </a:ext>
+                </a:extLst>
+              </a:tr>
+              <a:tr h="272732">
+                <a:tc>
+                  <a:txBody>
+                    <a:bodyPr/>
+                    <a:lstStyle/>
+                    <a:p>
+                      <a:pPr>
+                        <a:lnSpc>
+                          <a:spcPct val="115000"/>
+                        </a:lnSpc>
+                        <a:spcAft>
+                          <a:spcPts val="1000"/>
+                        </a:spcAft>
+                      </a:pPr>
+                      <a:r>
+                        <a:rPr lang="hr-HR" sz="1300">
+                          <a:solidFill>
+                            <a:srgbClr val="000000"/>
+                          </a:solidFill>
+                          <a:effectLst/>
+                          <a:latin typeface="Times New Roman" panose="02020603050405020304" pitchFamily="18" charset="0"/>
+                          <a:ea typeface="MS Mincho" panose="02020609040205080304" pitchFamily="49" charset="-128"/>
+                          <a:cs typeface="Times New Roman" panose="02020603050405020304" pitchFamily="18" charset="0"/>
+                        </a:rPr>
+                        <a:t>Z-4</a:t>
+                      </a:r>
+                      <a:endParaRPr lang="hr-HR" sz="1300">
+                        <a:effectLst/>
+                        <a:latin typeface="Times New Roman" panose="02020603050405020304" pitchFamily="18" charset="0"/>
+                        <a:ea typeface="MS Mincho" panose="02020609040205080304" pitchFamily="49" charset="-128"/>
+                        <a:cs typeface="Times New Roman" panose="02020603050405020304" pitchFamily="18" charset="0"/>
+                      </a:endParaRPr>
+                    </a:p>
+                  </a:txBody>
+                  <a:tcPr marL="61480" marR="61480" marT="0" marB="0">
+                    <a:lnL w="12700" cap="flat" cmpd="sng" algn="ctr">
+                      <a:solidFill>
+                        <a:srgbClr val="000000"/>
+                      </a:solidFill>
+                      <a:prstDash val="solid"/>
+                      <a:round/>
+                      <a:headEnd type="none" w="med" len="med"/>
+                      <a:tailEnd type="none" w="med" len="med"/>
+                    </a:lnL>
+                    <a:lnR w="12700" cap="flat" cmpd="sng" algn="ctr">
+                      <a:solidFill>
+                        <a:srgbClr val="000000"/>
+                      </a:solidFill>
+                      <a:prstDash val="solid"/>
+                      <a:round/>
+                      <a:headEnd type="none" w="med" len="med"/>
+                      <a:tailEnd type="none" w="med" len="med"/>
+                    </a:lnR>
+                    <a:lnT w="12700" cap="flat" cmpd="sng" algn="ctr">
+                      <a:solidFill>
+                        <a:srgbClr val="000000"/>
+                      </a:solidFill>
+                      <a:prstDash val="solid"/>
+                      <a:round/>
+                      <a:headEnd type="none" w="med" len="med"/>
+                      <a:tailEnd type="none" w="med" len="med"/>
+                    </a:lnT>
+                    <a:lnB w="12700" cap="flat" cmpd="sng" algn="ctr">
+                      <a:solidFill>
+                        <a:srgbClr val="000000"/>
+                      </a:solidFill>
+                      <a:prstDash val="solid"/>
+                      <a:round/>
+                      <a:headEnd type="none" w="med" len="med"/>
+                      <a:tailEnd type="none" w="med" len="med"/>
+                    </a:lnB>
+                    <a:solidFill>
+                      <a:srgbClr val="C6D9F1"/>
+                    </a:solidFill>
+                  </a:tcPr>
+                </a:tc>
+                <a:tc>
+                  <a:txBody>
+                    <a:bodyPr/>
+                    <a:lstStyle/>
+                    <a:p>
+                      <a:pPr>
+                        <a:lnSpc>
+                          <a:spcPct val="115000"/>
+                        </a:lnSpc>
+                        <a:spcAft>
+                          <a:spcPts val="1000"/>
+                        </a:spcAft>
+                      </a:pPr>
+                      <a:r>
+                        <a:rPr lang="hr-HR" sz="1300">
+                          <a:solidFill>
+                            <a:srgbClr val="000000"/>
+                          </a:solidFill>
+                          <a:effectLst/>
+                          <a:latin typeface="Times New Roman" panose="02020603050405020304" pitchFamily="18" charset="0"/>
+                          <a:ea typeface="MS Mincho" panose="02020609040205080304" pitchFamily="49" charset="-128"/>
+                          <a:cs typeface="Times New Roman" panose="02020603050405020304" pitchFamily="18" charset="0"/>
+                        </a:rPr>
+                        <a:t>Postavljanje oglasa</a:t>
+                      </a:r>
+                      <a:endParaRPr lang="hr-HR" sz="1300">
+                        <a:effectLst/>
+                        <a:latin typeface="Times New Roman" panose="02020603050405020304" pitchFamily="18" charset="0"/>
+                        <a:ea typeface="MS Mincho" panose="02020609040205080304" pitchFamily="49" charset="-128"/>
+                        <a:cs typeface="Times New Roman" panose="02020603050405020304" pitchFamily="18" charset="0"/>
+                      </a:endParaRPr>
+                    </a:p>
+                  </a:txBody>
+                  <a:tcPr marL="61480" marR="61480" marT="0" marB="0">
+                    <a:lnL w="12700" cap="flat" cmpd="sng" algn="ctr">
+                      <a:solidFill>
+                        <a:srgbClr val="000000"/>
+                      </a:solidFill>
+                      <a:prstDash val="solid"/>
+                      <a:round/>
+                      <a:headEnd type="none" w="med" len="med"/>
+                      <a:tailEnd type="none" w="med" len="med"/>
+                    </a:lnL>
+                    <a:lnR w="12700" cap="flat" cmpd="sng" algn="ctr">
+                      <a:solidFill>
+                        <a:srgbClr val="000000"/>
+                      </a:solidFill>
+                      <a:prstDash val="solid"/>
+                      <a:round/>
+                      <a:headEnd type="none" w="med" len="med"/>
+                      <a:tailEnd type="none" w="med" len="med"/>
+                    </a:lnR>
+                    <a:lnT w="12700" cap="flat" cmpd="sng" algn="ctr">
+                      <a:solidFill>
+                        <a:srgbClr val="000000"/>
+                      </a:solidFill>
+                      <a:prstDash val="solid"/>
+                      <a:round/>
+                      <a:headEnd type="none" w="med" len="med"/>
+                      <a:tailEnd type="none" w="med" len="med"/>
+                    </a:lnT>
+                    <a:lnB w="12700" cap="flat" cmpd="sng" algn="ctr">
+                      <a:solidFill>
+                        <a:srgbClr val="000000"/>
+                      </a:solidFill>
+                      <a:prstDash val="solid"/>
+                      <a:round/>
+                      <a:headEnd type="none" w="med" len="med"/>
+                      <a:tailEnd type="none" w="med" len="med"/>
+                    </a:lnB>
+                    <a:solidFill>
+                      <a:srgbClr val="C6D9F1"/>
+                    </a:solidFill>
+                  </a:tcPr>
+                </a:tc>
+                <a:extLst>
+                  <a:ext uri="{0D108BD9-81ED-4DB2-BD59-A6C34878D82A}">
+                    <a16:rowId xmlns:a16="http://schemas.microsoft.com/office/drawing/2014/main" val="146805216"/>
+                  </a:ext>
+                </a:extLst>
+              </a:tr>
+              <a:tr h="258716">
+                <a:tc>
+                  <a:txBody>
+                    <a:bodyPr/>
+                    <a:lstStyle/>
+                    <a:p>
+                      <a:pPr>
+                        <a:lnSpc>
+                          <a:spcPct val="115000"/>
+                        </a:lnSpc>
+                        <a:spcAft>
+                          <a:spcPts val="1000"/>
+                        </a:spcAft>
+                      </a:pPr>
+                      <a:r>
+                        <a:rPr lang="hr-HR" sz="1300">
+                          <a:solidFill>
+                            <a:srgbClr val="000000"/>
+                          </a:solidFill>
+                          <a:effectLst/>
+                          <a:latin typeface="Times New Roman" panose="02020603050405020304" pitchFamily="18" charset="0"/>
+                          <a:ea typeface="MS Mincho" panose="02020609040205080304" pitchFamily="49" charset="-128"/>
+                          <a:cs typeface="Times New Roman" panose="02020603050405020304" pitchFamily="18" charset="0"/>
+                        </a:rPr>
+                        <a:t>Z-5</a:t>
+                      </a:r>
+                      <a:endParaRPr lang="hr-HR" sz="1300">
+                        <a:effectLst/>
+                        <a:latin typeface="Times New Roman" panose="02020603050405020304" pitchFamily="18" charset="0"/>
+                        <a:ea typeface="MS Mincho" panose="02020609040205080304" pitchFamily="49" charset="-128"/>
+                        <a:cs typeface="Times New Roman" panose="02020603050405020304" pitchFamily="18" charset="0"/>
+                      </a:endParaRPr>
+                    </a:p>
+                  </a:txBody>
+                  <a:tcPr marL="61480" marR="61480" marT="0" marB="0">
+                    <a:lnL w="12700" cap="flat" cmpd="sng" algn="ctr">
+                      <a:solidFill>
+                        <a:srgbClr val="000000"/>
+                      </a:solidFill>
+                      <a:prstDash val="solid"/>
+                      <a:round/>
+                      <a:headEnd type="none" w="med" len="med"/>
+                      <a:tailEnd type="none" w="med" len="med"/>
+                    </a:lnL>
+                    <a:lnR w="12700" cap="flat" cmpd="sng" algn="ctr">
+                      <a:solidFill>
+                        <a:srgbClr val="000000"/>
+                      </a:solidFill>
+                      <a:prstDash val="solid"/>
+                      <a:round/>
+                      <a:headEnd type="none" w="med" len="med"/>
+                      <a:tailEnd type="none" w="med" len="med"/>
+                    </a:lnR>
+                    <a:lnT w="12700" cap="flat" cmpd="sng" algn="ctr">
+                      <a:solidFill>
+                        <a:srgbClr val="000000"/>
+                      </a:solidFill>
+                      <a:prstDash val="solid"/>
+                      <a:round/>
+                      <a:headEnd type="none" w="med" len="med"/>
+                      <a:tailEnd type="none" w="med" len="med"/>
+                    </a:lnT>
+                    <a:lnB w="12700" cap="flat" cmpd="sng" algn="ctr">
+                      <a:solidFill>
+                        <a:srgbClr val="000000"/>
+                      </a:solidFill>
+                      <a:prstDash val="solid"/>
+                      <a:round/>
+                      <a:headEnd type="none" w="med" len="med"/>
+                      <a:tailEnd type="none" w="med" len="med"/>
+                    </a:lnB>
+                    <a:solidFill>
+                      <a:srgbClr val="C6D9F1"/>
+                    </a:solidFill>
+                  </a:tcPr>
+                </a:tc>
+                <a:tc>
+                  <a:txBody>
+                    <a:bodyPr/>
+                    <a:lstStyle/>
+                    <a:p>
+                      <a:pPr>
+                        <a:lnSpc>
+                          <a:spcPct val="115000"/>
+                        </a:lnSpc>
+                        <a:spcAft>
+                          <a:spcPts val="1000"/>
+                        </a:spcAft>
+                      </a:pPr>
+                      <a:r>
+                        <a:rPr lang="hr-HR" sz="1300">
+                          <a:solidFill>
+                            <a:srgbClr val="000000"/>
+                          </a:solidFill>
+                          <a:effectLst/>
+                          <a:latin typeface="Times New Roman" panose="02020603050405020304" pitchFamily="18" charset="0"/>
+                          <a:ea typeface="MS Mincho" panose="02020609040205080304" pitchFamily="49" charset="-128"/>
+                          <a:cs typeface="Times New Roman" panose="02020603050405020304" pitchFamily="18" charset="0"/>
+                        </a:rPr>
+                        <a:t>Postavljanje slika i opisa</a:t>
+                      </a:r>
+                      <a:endParaRPr lang="hr-HR" sz="1300">
+                        <a:effectLst/>
+                        <a:latin typeface="Times New Roman" panose="02020603050405020304" pitchFamily="18" charset="0"/>
+                        <a:ea typeface="MS Mincho" panose="02020609040205080304" pitchFamily="49" charset="-128"/>
+                        <a:cs typeface="Times New Roman" panose="02020603050405020304" pitchFamily="18" charset="0"/>
+                      </a:endParaRPr>
+                    </a:p>
+                  </a:txBody>
+                  <a:tcPr marL="61480" marR="61480" marT="0" marB="0">
+                    <a:lnL w="12700" cap="flat" cmpd="sng" algn="ctr">
+                      <a:solidFill>
+                        <a:srgbClr val="000000"/>
+                      </a:solidFill>
+                      <a:prstDash val="solid"/>
+                      <a:round/>
+                      <a:headEnd type="none" w="med" len="med"/>
+                      <a:tailEnd type="none" w="med" len="med"/>
+                    </a:lnL>
+                    <a:lnR w="12700" cap="flat" cmpd="sng" algn="ctr">
+                      <a:solidFill>
+                        <a:srgbClr val="000000"/>
+                      </a:solidFill>
+                      <a:prstDash val="solid"/>
+                      <a:round/>
+                      <a:headEnd type="none" w="med" len="med"/>
+                      <a:tailEnd type="none" w="med" len="med"/>
+                    </a:lnR>
+                    <a:lnT w="12700" cap="flat" cmpd="sng" algn="ctr">
+                      <a:solidFill>
+                        <a:srgbClr val="000000"/>
+                      </a:solidFill>
+                      <a:prstDash val="solid"/>
+                      <a:round/>
+                      <a:headEnd type="none" w="med" len="med"/>
+                      <a:tailEnd type="none" w="med" len="med"/>
+                    </a:lnT>
+                    <a:lnB w="12700" cap="flat" cmpd="sng" algn="ctr">
+                      <a:solidFill>
+                        <a:srgbClr val="000000"/>
+                      </a:solidFill>
+                      <a:prstDash val="solid"/>
+                      <a:round/>
+                      <a:headEnd type="none" w="med" len="med"/>
+                      <a:tailEnd type="none" w="med" len="med"/>
+                    </a:lnB>
+                    <a:solidFill>
+                      <a:srgbClr val="C6D9F1"/>
+                    </a:solidFill>
+                  </a:tcPr>
+                </a:tc>
+                <a:extLst>
+                  <a:ext uri="{0D108BD9-81ED-4DB2-BD59-A6C34878D82A}">
+                    <a16:rowId xmlns:a16="http://schemas.microsoft.com/office/drawing/2014/main" val="733898294"/>
+                  </a:ext>
+                </a:extLst>
+              </a:tr>
+              <a:tr h="272732">
+                <a:tc>
+                  <a:txBody>
+                    <a:bodyPr/>
+                    <a:lstStyle/>
+                    <a:p>
+                      <a:pPr>
+                        <a:lnSpc>
+                          <a:spcPct val="115000"/>
+                        </a:lnSpc>
+                        <a:spcAft>
+                          <a:spcPts val="1000"/>
+                        </a:spcAft>
+                      </a:pPr>
+                      <a:r>
+                        <a:rPr lang="hr-HR" sz="1300">
+                          <a:solidFill>
+                            <a:srgbClr val="000000"/>
+                          </a:solidFill>
+                          <a:effectLst/>
+                          <a:latin typeface="Times New Roman" panose="02020603050405020304" pitchFamily="18" charset="0"/>
+                          <a:ea typeface="MS Mincho" panose="02020609040205080304" pitchFamily="49" charset="-128"/>
+                          <a:cs typeface="Times New Roman" panose="02020603050405020304" pitchFamily="18" charset="0"/>
+                        </a:rPr>
+                        <a:t>Z-6</a:t>
+                      </a:r>
+                      <a:endParaRPr lang="hr-HR" sz="1300">
+                        <a:effectLst/>
+                        <a:latin typeface="Times New Roman" panose="02020603050405020304" pitchFamily="18" charset="0"/>
+                        <a:ea typeface="MS Mincho" panose="02020609040205080304" pitchFamily="49" charset="-128"/>
+                        <a:cs typeface="Times New Roman" panose="02020603050405020304" pitchFamily="18" charset="0"/>
+                      </a:endParaRPr>
+                    </a:p>
+                  </a:txBody>
+                  <a:tcPr marL="61480" marR="61480" marT="0" marB="0">
+                    <a:lnL w="12700" cap="flat" cmpd="sng" algn="ctr">
+                      <a:solidFill>
+                        <a:srgbClr val="000000"/>
+                      </a:solidFill>
+                      <a:prstDash val="solid"/>
+                      <a:round/>
+                      <a:headEnd type="none" w="med" len="med"/>
+                      <a:tailEnd type="none" w="med" len="med"/>
+                    </a:lnL>
+                    <a:lnR w="12700" cap="flat" cmpd="sng" algn="ctr">
+                      <a:solidFill>
+                        <a:srgbClr val="000000"/>
+                      </a:solidFill>
+                      <a:prstDash val="solid"/>
+                      <a:round/>
+                      <a:headEnd type="none" w="med" len="med"/>
+                      <a:tailEnd type="none" w="med" len="med"/>
+                    </a:lnR>
+                    <a:lnT w="12700" cap="flat" cmpd="sng" algn="ctr">
+                      <a:solidFill>
+                        <a:srgbClr val="000000"/>
+                      </a:solidFill>
+                      <a:prstDash val="solid"/>
+                      <a:round/>
+                      <a:headEnd type="none" w="med" len="med"/>
+                      <a:tailEnd type="none" w="med" len="med"/>
+                    </a:lnT>
+                    <a:lnB w="12700" cap="flat" cmpd="sng" algn="ctr">
+                      <a:solidFill>
+                        <a:srgbClr val="000000"/>
+                      </a:solidFill>
+                      <a:prstDash val="solid"/>
+                      <a:round/>
+                      <a:headEnd type="none" w="med" len="med"/>
+                      <a:tailEnd type="none" w="med" len="med"/>
+                    </a:lnB>
+                    <a:solidFill>
+                      <a:srgbClr val="C6D9F1"/>
+                    </a:solidFill>
+                  </a:tcPr>
+                </a:tc>
+                <a:tc>
+                  <a:txBody>
+                    <a:bodyPr/>
+                    <a:lstStyle/>
+                    <a:p>
+                      <a:pPr>
+                        <a:lnSpc>
+                          <a:spcPct val="115000"/>
+                        </a:lnSpc>
+                        <a:spcAft>
+                          <a:spcPts val="1000"/>
+                        </a:spcAft>
+                      </a:pPr>
+                      <a:r>
+                        <a:rPr lang="hr-HR" sz="1300">
+                          <a:solidFill>
+                            <a:srgbClr val="000000"/>
+                          </a:solidFill>
+                          <a:effectLst/>
+                          <a:latin typeface="Times New Roman" panose="02020603050405020304" pitchFamily="18" charset="0"/>
+                          <a:ea typeface="MS Mincho" panose="02020609040205080304" pitchFamily="49" charset="-128"/>
+                          <a:cs typeface="Times New Roman" panose="02020603050405020304" pitchFamily="18" charset="0"/>
+                        </a:rPr>
+                        <a:t>Rezervacija</a:t>
+                      </a:r>
+                      <a:endParaRPr lang="hr-HR" sz="1300">
+                        <a:effectLst/>
+                        <a:latin typeface="Times New Roman" panose="02020603050405020304" pitchFamily="18" charset="0"/>
+                        <a:ea typeface="MS Mincho" panose="02020609040205080304" pitchFamily="49" charset="-128"/>
+                        <a:cs typeface="Times New Roman" panose="02020603050405020304" pitchFamily="18" charset="0"/>
+                      </a:endParaRPr>
+                    </a:p>
+                  </a:txBody>
+                  <a:tcPr marL="61480" marR="61480" marT="0" marB="0">
+                    <a:lnL w="12700" cap="flat" cmpd="sng" algn="ctr">
+                      <a:solidFill>
+                        <a:srgbClr val="000000"/>
+                      </a:solidFill>
+                      <a:prstDash val="solid"/>
+                      <a:round/>
+                      <a:headEnd type="none" w="med" len="med"/>
+                      <a:tailEnd type="none" w="med" len="med"/>
+                    </a:lnL>
+                    <a:lnR w="12700" cap="flat" cmpd="sng" algn="ctr">
+                      <a:solidFill>
+                        <a:srgbClr val="000000"/>
+                      </a:solidFill>
+                      <a:prstDash val="solid"/>
+                      <a:round/>
+                      <a:headEnd type="none" w="med" len="med"/>
+                      <a:tailEnd type="none" w="med" len="med"/>
+                    </a:lnR>
+                    <a:lnT w="12700" cap="flat" cmpd="sng" algn="ctr">
+                      <a:solidFill>
+                        <a:srgbClr val="000000"/>
+                      </a:solidFill>
+                      <a:prstDash val="solid"/>
+                      <a:round/>
+                      <a:headEnd type="none" w="med" len="med"/>
+                      <a:tailEnd type="none" w="med" len="med"/>
+                    </a:lnT>
+                    <a:lnB w="12700" cap="flat" cmpd="sng" algn="ctr">
+                      <a:solidFill>
+                        <a:srgbClr val="000000"/>
+                      </a:solidFill>
+                      <a:prstDash val="solid"/>
+                      <a:round/>
+                      <a:headEnd type="none" w="med" len="med"/>
+                      <a:tailEnd type="none" w="med" len="med"/>
+                    </a:lnB>
+                    <a:solidFill>
+                      <a:srgbClr val="C6D9F1"/>
+                    </a:solidFill>
+                  </a:tcPr>
+                </a:tc>
+                <a:extLst>
+                  <a:ext uri="{0D108BD9-81ED-4DB2-BD59-A6C34878D82A}">
+                    <a16:rowId xmlns:a16="http://schemas.microsoft.com/office/drawing/2014/main" val="2818252668"/>
+                  </a:ext>
+                </a:extLst>
+              </a:tr>
+              <a:tr h="258716">
+                <a:tc>
+                  <a:txBody>
+                    <a:bodyPr/>
+                    <a:lstStyle/>
+                    <a:p>
+                      <a:pPr>
+                        <a:lnSpc>
+                          <a:spcPct val="115000"/>
+                        </a:lnSpc>
+                        <a:spcAft>
+                          <a:spcPts val="1000"/>
+                        </a:spcAft>
+                      </a:pPr>
+                      <a:r>
+                        <a:rPr lang="hr-HR" sz="1300">
+                          <a:solidFill>
+                            <a:srgbClr val="000000"/>
+                          </a:solidFill>
+                          <a:effectLst/>
+                          <a:latin typeface="Times New Roman" panose="02020603050405020304" pitchFamily="18" charset="0"/>
+                          <a:ea typeface="MS Mincho" panose="02020609040205080304" pitchFamily="49" charset="-128"/>
+                          <a:cs typeface="Times New Roman" panose="02020603050405020304" pitchFamily="18" charset="0"/>
+                        </a:rPr>
+                        <a:t>Z-7</a:t>
+                      </a:r>
+                      <a:endParaRPr lang="hr-HR" sz="1300">
+                        <a:effectLst/>
+                        <a:latin typeface="Times New Roman" panose="02020603050405020304" pitchFamily="18" charset="0"/>
+                        <a:ea typeface="MS Mincho" panose="02020609040205080304" pitchFamily="49" charset="-128"/>
+                        <a:cs typeface="Times New Roman" panose="02020603050405020304" pitchFamily="18" charset="0"/>
+                      </a:endParaRPr>
+                    </a:p>
+                  </a:txBody>
+                  <a:tcPr marL="61480" marR="61480" marT="0" marB="0">
+                    <a:lnL w="12700" cap="flat" cmpd="sng" algn="ctr">
+                      <a:solidFill>
+                        <a:srgbClr val="000000"/>
+                      </a:solidFill>
+                      <a:prstDash val="solid"/>
+                      <a:round/>
+                      <a:headEnd type="none" w="med" len="med"/>
+                      <a:tailEnd type="none" w="med" len="med"/>
+                    </a:lnL>
+                    <a:lnR w="12700" cap="flat" cmpd="sng" algn="ctr">
+                      <a:solidFill>
+                        <a:srgbClr val="000000"/>
+                      </a:solidFill>
+                      <a:prstDash val="solid"/>
+                      <a:round/>
+                      <a:headEnd type="none" w="med" len="med"/>
+                      <a:tailEnd type="none" w="med" len="med"/>
+                    </a:lnR>
+                    <a:lnT w="12700" cap="flat" cmpd="sng" algn="ctr">
+                      <a:solidFill>
+                        <a:srgbClr val="000000"/>
+                      </a:solidFill>
+                      <a:prstDash val="solid"/>
+                      <a:round/>
+                      <a:headEnd type="none" w="med" len="med"/>
+                      <a:tailEnd type="none" w="med" len="med"/>
+                    </a:lnT>
+                    <a:lnB w="12700" cap="flat" cmpd="sng" algn="ctr">
+                      <a:solidFill>
+                        <a:srgbClr val="000000"/>
+                      </a:solidFill>
+                      <a:prstDash val="solid"/>
+                      <a:round/>
+                      <a:headEnd type="none" w="med" len="med"/>
+                      <a:tailEnd type="none" w="med" len="med"/>
+                    </a:lnB>
+                    <a:solidFill>
+                      <a:srgbClr val="C6D9F1"/>
+                    </a:solidFill>
+                  </a:tcPr>
+                </a:tc>
+                <a:tc>
+                  <a:txBody>
+                    <a:bodyPr/>
+                    <a:lstStyle/>
+                    <a:p>
+                      <a:pPr>
+                        <a:lnSpc>
+                          <a:spcPct val="115000"/>
+                        </a:lnSpc>
+                        <a:spcAft>
+                          <a:spcPts val="1000"/>
+                        </a:spcAft>
+                      </a:pPr>
+                      <a:r>
+                        <a:rPr lang="hr-HR" sz="1300">
+                          <a:solidFill>
+                            <a:srgbClr val="000000"/>
+                          </a:solidFill>
+                          <a:effectLst/>
+                          <a:latin typeface="Times New Roman" panose="02020603050405020304" pitchFamily="18" charset="0"/>
+                          <a:ea typeface="MS Mincho" panose="02020609040205080304" pitchFamily="49" charset="-128"/>
+                          <a:cs typeface="Times New Roman" panose="02020603050405020304" pitchFamily="18" charset="0"/>
+                        </a:rPr>
+                        <a:t>Filteri</a:t>
+                      </a:r>
+                      <a:endParaRPr lang="hr-HR" sz="1300">
+                        <a:effectLst/>
+                        <a:latin typeface="Times New Roman" panose="02020603050405020304" pitchFamily="18" charset="0"/>
+                        <a:ea typeface="MS Mincho" panose="02020609040205080304" pitchFamily="49" charset="-128"/>
+                        <a:cs typeface="Times New Roman" panose="02020603050405020304" pitchFamily="18" charset="0"/>
+                      </a:endParaRPr>
+                    </a:p>
+                  </a:txBody>
+                  <a:tcPr marL="61480" marR="61480" marT="0" marB="0">
+                    <a:lnL w="12700" cap="flat" cmpd="sng" algn="ctr">
+                      <a:solidFill>
+                        <a:srgbClr val="000000"/>
+                      </a:solidFill>
+                      <a:prstDash val="solid"/>
+                      <a:round/>
+                      <a:headEnd type="none" w="med" len="med"/>
+                      <a:tailEnd type="none" w="med" len="med"/>
+                    </a:lnL>
+                    <a:lnR w="12700" cap="flat" cmpd="sng" algn="ctr">
+                      <a:solidFill>
+                        <a:srgbClr val="000000"/>
+                      </a:solidFill>
+                      <a:prstDash val="solid"/>
+                      <a:round/>
+                      <a:headEnd type="none" w="med" len="med"/>
+                      <a:tailEnd type="none" w="med" len="med"/>
+                    </a:lnR>
+                    <a:lnT w="12700" cap="flat" cmpd="sng" algn="ctr">
+                      <a:solidFill>
+                        <a:srgbClr val="000000"/>
+                      </a:solidFill>
+                      <a:prstDash val="solid"/>
+                      <a:round/>
+                      <a:headEnd type="none" w="med" len="med"/>
+                      <a:tailEnd type="none" w="med" len="med"/>
+                    </a:lnT>
+                    <a:lnB w="12700" cap="flat" cmpd="sng" algn="ctr">
+                      <a:solidFill>
+                        <a:srgbClr val="000000"/>
+                      </a:solidFill>
+                      <a:prstDash val="solid"/>
+                      <a:round/>
+                      <a:headEnd type="none" w="med" len="med"/>
+                      <a:tailEnd type="none" w="med" len="med"/>
+                    </a:lnB>
+                    <a:solidFill>
+                      <a:srgbClr val="C6D9F1"/>
+                    </a:solidFill>
+                  </a:tcPr>
+                </a:tc>
+                <a:extLst>
+                  <a:ext uri="{0D108BD9-81ED-4DB2-BD59-A6C34878D82A}">
+                    <a16:rowId xmlns:a16="http://schemas.microsoft.com/office/drawing/2014/main" val="4005875306"/>
+                  </a:ext>
+                </a:extLst>
+              </a:tr>
+              <a:tr h="258716">
+                <a:tc>
+                  <a:txBody>
+                    <a:bodyPr/>
+                    <a:lstStyle/>
+                    <a:p>
+                      <a:pPr>
+                        <a:lnSpc>
+                          <a:spcPct val="115000"/>
+                        </a:lnSpc>
+                        <a:spcAft>
+                          <a:spcPts val="1000"/>
+                        </a:spcAft>
+                      </a:pPr>
+                      <a:r>
+                        <a:rPr lang="hr-HR" sz="1300">
+                          <a:solidFill>
+                            <a:srgbClr val="000000"/>
+                          </a:solidFill>
+                          <a:effectLst/>
+                          <a:latin typeface="Times New Roman" panose="02020603050405020304" pitchFamily="18" charset="0"/>
+                          <a:ea typeface="MS Mincho" panose="02020609040205080304" pitchFamily="49" charset="-128"/>
+                          <a:cs typeface="Times New Roman" panose="02020603050405020304" pitchFamily="18" charset="0"/>
+                        </a:rPr>
+                        <a:t>Z-8</a:t>
+                      </a:r>
+                      <a:endParaRPr lang="hr-HR" sz="1300">
+                        <a:effectLst/>
+                        <a:latin typeface="Times New Roman" panose="02020603050405020304" pitchFamily="18" charset="0"/>
+                        <a:ea typeface="MS Mincho" panose="02020609040205080304" pitchFamily="49" charset="-128"/>
+                        <a:cs typeface="Times New Roman" panose="02020603050405020304" pitchFamily="18" charset="0"/>
+                      </a:endParaRPr>
+                    </a:p>
+                  </a:txBody>
+                  <a:tcPr marL="61480" marR="61480" marT="0" marB="0">
+                    <a:lnL w="12700" cap="flat" cmpd="sng" algn="ctr">
+                      <a:solidFill>
+                        <a:srgbClr val="000000"/>
+                      </a:solidFill>
+                      <a:prstDash val="solid"/>
+                      <a:round/>
+                      <a:headEnd type="none" w="med" len="med"/>
+                      <a:tailEnd type="none" w="med" len="med"/>
+                    </a:lnL>
+                    <a:lnR w="12700" cap="flat" cmpd="sng" algn="ctr">
+                      <a:solidFill>
+                        <a:srgbClr val="000000"/>
+                      </a:solidFill>
+                      <a:prstDash val="solid"/>
+                      <a:round/>
+                      <a:headEnd type="none" w="med" len="med"/>
+                      <a:tailEnd type="none" w="med" len="med"/>
+                    </a:lnR>
+                    <a:lnT w="12700" cap="flat" cmpd="sng" algn="ctr">
+                      <a:solidFill>
+                        <a:srgbClr val="000000"/>
+                      </a:solidFill>
+                      <a:prstDash val="solid"/>
+                      <a:round/>
+                      <a:headEnd type="none" w="med" len="med"/>
+                      <a:tailEnd type="none" w="med" len="med"/>
+                    </a:lnT>
+                    <a:lnB w="12700" cap="flat" cmpd="sng" algn="ctr">
+                      <a:solidFill>
+                        <a:srgbClr val="000000"/>
+                      </a:solidFill>
+                      <a:prstDash val="solid"/>
+                      <a:round/>
+                      <a:headEnd type="none" w="med" len="med"/>
+                      <a:tailEnd type="none" w="med" len="med"/>
+                    </a:lnB>
+                    <a:solidFill>
+                      <a:srgbClr val="C6D9F1"/>
+                    </a:solidFill>
+                  </a:tcPr>
+                </a:tc>
+                <a:tc>
+                  <a:txBody>
+                    <a:bodyPr/>
+                    <a:lstStyle/>
+                    <a:p>
+                      <a:pPr>
+                        <a:lnSpc>
+                          <a:spcPct val="115000"/>
+                        </a:lnSpc>
+                        <a:spcAft>
+                          <a:spcPts val="1000"/>
+                        </a:spcAft>
+                      </a:pPr>
+                      <a:r>
+                        <a:rPr lang="hr-HR" sz="1300">
+                          <a:solidFill>
+                            <a:srgbClr val="000000"/>
+                          </a:solidFill>
+                          <a:effectLst/>
+                          <a:latin typeface="Times New Roman" panose="02020603050405020304" pitchFamily="18" charset="0"/>
+                          <a:ea typeface="MS Mincho" panose="02020609040205080304" pitchFamily="49" charset="-128"/>
+                          <a:cs typeface="Times New Roman" panose="02020603050405020304" pitchFamily="18" charset="0"/>
+                        </a:rPr>
+                        <a:t>Upravljanje kalendarom</a:t>
+                      </a:r>
+                      <a:endParaRPr lang="hr-HR" sz="1300">
+                        <a:effectLst/>
+                        <a:latin typeface="Times New Roman" panose="02020603050405020304" pitchFamily="18" charset="0"/>
+                        <a:ea typeface="MS Mincho" panose="02020609040205080304" pitchFamily="49" charset="-128"/>
+                        <a:cs typeface="Times New Roman" panose="02020603050405020304" pitchFamily="18" charset="0"/>
+                      </a:endParaRPr>
+                    </a:p>
+                  </a:txBody>
+                  <a:tcPr marL="61480" marR="61480" marT="0" marB="0">
+                    <a:lnL w="12700" cap="flat" cmpd="sng" algn="ctr">
+                      <a:solidFill>
+                        <a:srgbClr val="000000"/>
+                      </a:solidFill>
+                      <a:prstDash val="solid"/>
+                      <a:round/>
+                      <a:headEnd type="none" w="med" len="med"/>
+                      <a:tailEnd type="none" w="med" len="med"/>
+                    </a:lnL>
+                    <a:lnR w="12700" cap="flat" cmpd="sng" algn="ctr">
+                      <a:solidFill>
+                        <a:srgbClr val="000000"/>
+                      </a:solidFill>
+                      <a:prstDash val="solid"/>
+                      <a:round/>
+                      <a:headEnd type="none" w="med" len="med"/>
+                      <a:tailEnd type="none" w="med" len="med"/>
+                    </a:lnR>
+                    <a:lnT w="12700" cap="flat" cmpd="sng" algn="ctr">
+                      <a:solidFill>
+                        <a:srgbClr val="000000"/>
+                      </a:solidFill>
+                      <a:prstDash val="solid"/>
+                      <a:round/>
+                      <a:headEnd type="none" w="med" len="med"/>
+                      <a:tailEnd type="none" w="med" len="med"/>
+                    </a:lnT>
+                    <a:lnB w="12700" cap="flat" cmpd="sng" algn="ctr">
+                      <a:solidFill>
+                        <a:srgbClr val="000000"/>
+                      </a:solidFill>
+                      <a:prstDash val="solid"/>
+                      <a:round/>
+                      <a:headEnd type="none" w="med" len="med"/>
+                      <a:tailEnd type="none" w="med" len="med"/>
+                    </a:lnB>
+                    <a:solidFill>
+                      <a:srgbClr val="C6D9F1"/>
+                    </a:solidFill>
+                  </a:tcPr>
+                </a:tc>
+                <a:extLst>
+                  <a:ext uri="{0D108BD9-81ED-4DB2-BD59-A6C34878D82A}">
+                    <a16:rowId xmlns:a16="http://schemas.microsoft.com/office/drawing/2014/main" val="209637918"/>
+                  </a:ext>
+                </a:extLst>
+              </a:tr>
+              <a:tr h="272732">
+                <a:tc>
+                  <a:txBody>
+                    <a:bodyPr/>
+                    <a:lstStyle/>
+                    <a:p>
+                      <a:pPr>
+                        <a:lnSpc>
+                          <a:spcPct val="115000"/>
+                        </a:lnSpc>
+                        <a:spcAft>
+                          <a:spcPts val="1000"/>
+                        </a:spcAft>
+                      </a:pPr>
+                      <a:r>
+                        <a:rPr lang="hr-HR" sz="1300">
+                          <a:solidFill>
+                            <a:srgbClr val="000000"/>
+                          </a:solidFill>
+                          <a:effectLst/>
+                          <a:latin typeface="Times New Roman" panose="02020603050405020304" pitchFamily="18" charset="0"/>
+                          <a:ea typeface="MS Mincho" panose="02020609040205080304" pitchFamily="49" charset="-128"/>
+                          <a:cs typeface="Times New Roman" panose="02020603050405020304" pitchFamily="18" charset="0"/>
+                        </a:rPr>
+                        <a:t>Z-9</a:t>
+                      </a:r>
+                      <a:endParaRPr lang="hr-HR" sz="1300">
+                        <a:effectLst/>
+                        <a:latin typeface="Times New Roman" panose="02020603050405020304" pitchFamily="18" charset="0"/>
+                        <a:ea typeface="MS Mincho" panose="02020609040205080304" pitchFamily="49" charset="-128"/>
+                        <a:cs typeface="Times New Roman" panose="02020603050405020304" pitchFamily="18" charset="0"/>
+                      </a:endParaRPr>
+                    </a:p>
+                  </a:txBody>
+                  <a:tcPr marL="61480" marR="61480" marT="0" marB="0">
+                    <a:lnL w="12700" cap="flat" cmpd="sng" algn="ctr">
+                      <a:solidFill>
+                        <a:srgbClr val="000000"/>
+                      </a:solidFill>
+                      <a:prstDash val="solid"/>
+                      <a:round/>
+                      <a:headEnd type="none" w="med" len="med"/>
+                      <a:tailEnd type="none" w="med" len="med"/>
+                    </a:lnL>
+                    <a:lnR w="12700" cap="flat" cmpd="sng" algn="ctr">
+                      <a:solidFill>
+                        <a:srgbClr val="000000"/>
+                      </a:solidFill>
+                      <a:prstDash val="solid"/>
+                      <a:round/>
+                      <a:headEnd type="none" w="med" len="med"/>
+                      <a:tailEnd type="none" w="med" len="med"/>
+                    </a:lnR>
+                    <a:lnT w="12700" cap="flat" cmpd="sng" algn="ctr">
+                      <a:solidFill>
+                        <a:srgbClr val="000000"/>
+                      </a:solidFill>
+                      <a:prstDash val="solid"/>
+                      <a:round/>
+                      <a:headEnd type="none" w="med" len="med"/>
+                      <a:tailEnd type="none" w="med" len="med"/>
+                    </a:lnT>
+                    <a:lnB w="12700" cap="flat" cmpd="sng" algn="ctr">
+                      <a:solidFill>
+                        <a:srgbClr val="000000"/>
+                      </a:solidFill>
+                      <a:prstDash val="solid"/>
+                      <a:round/>
+                      <a:headEnd type="none" w="med" len="med"/>
+                      <a:tailEnd type="none" w="med" len="med"/>
+                    </a:lnB>
+                    <a:solidFill>
+                      <a:srgbClr val="C6D9F1"/>
+                    </a:solidFill>
+                  </a:tcPr>
+                </a:tc>
+                <a:tc>
+                  <a:txBody>
+                    <a:bodyPr/>
+                    <a:lstStyle/>
+                    <a:p>
+                      <a:pPr>
+                        <a:lnSpc>
+                          <a:spcPct val="115000"/>
+                        </a:lnSpc>
+                        <a:spcAft>
+                          <a:spcPts val="1000"/>
+                        </a:spcAft>
+                      </a:pPr>
+                      <a:r>
+                        <a:rPr lang="hr-HR" sz="1300">
+                          <a:solidFill>
+                            <a:srgbClr val="000000"/>
+                          </a:solidFill>
+                          <a:effectLst/>
+                          <a:latin typeface="Times New Roman" panose="02020603050405020304" pitchFamily="18" charset="0"/>
+                          <a:ea typeface="MS Mincho" panose="02020609040205080304" pitchFamily="49" charset="-128"/>
+                          <a:cs typeface="Times New Roman" panose="02020603050405020304" pitchFamily="18" charset="0"/>
+                        </a:rPr>
+                        <a:t>Plaćanje</a:t>
+                      </a:r>
+                      <a:endParaRPr lang="hr-HR" sz="1300">
+                        <a:effectLst/>
+                        <a:latin typeface="Times New Roman" panose="02020603050405020304" pitchFamily="18" charset="0"/>
+                        <a:ea typeface="MS Mincho" panose="02020609040205080304" pitchFamily="49" charset="-128"/>
+                        <a:cs typeface="Times New Roman" panose="02020603050405020304" pitchFamily="18" charset="0"/>
+                      </a:endParaRPr>
+                    </a:p>
+                  </a:txBody>
+                  <a:tcPr marL="61480" marR="61480" marT="0" marB="0">
+                    <a:lnL w="12700" cap="flat" cmpd="sng" algn="ctr">
+                      <a:solidFill>
+                        <a:srgbClr val="000000"/>
+                      </a:solidFill>
+                      <a:prstDash val="solid"/>
+                      <a:round/>
+                      <a:headEnd type="none" w="med" len="med"/>
+                      <a:tailEnd type="none" w="med" len="med"/>
+                    </a:lnL>
+                    <a:lnR w="12700" cap="flat" cmpd="sng" algn="ctr">
+                      <a:solidFill>
+                        <a:srgbClr val="000000"/>
+                      </a:solidFill>
+                      <a:prstDash val="solid"/>
+                      <a:round/>
+                      <a:headEnd type="none" w="med" len="med"/>
+                      <a:tailEnd type="none" w="med" len="med"/>
+                    </a:lnR>
+                    <a:lnT w="12700" cap="flat" cmpd="sng" algn="ctr">
+                      <a:solidFill>
+                        <a:srgbClr val="000000"/>
+                      </a:solidFill>
+                      <a:prstDash val="solid"/>
+                      <a:round/>
+                      <a:headEnd type="none" w="med" len="med"/>
+                      <a:tailEnd type="none" w="med" len="med"/>
+                    </a:lnT>
+                    <a:lnB w="12700" cap="flat" cmpd="sng" algn="ctr">
+                      <a:solidFill>
+                        <a:srgbClr val="000000"/>
+                      </a:solidFill>
+                      <a:prstDash val="solid"/>
+                      <a:round/>
+                      <a:headEnd type="none" w="med" len="med"/>
+                      <a:tailEnd type="none" w="med" len="med"/>
+                    </a:lnB>
+                    <a:solidFill>
+                      <a:srgbClr val="C6D9F1"/>
+                    </a:solidFill>
+                  </a:tcPr>
+                </a:tc>
+                <a:extLst>
+                  <a:ext uri="{0D108BD9-81ED-4DB2-BD59-A6C34878D82A}">
+                    <a16:rowId xmlns:a16="http://schemas.microsoft.com/office/drawing/2014/main" val="4284726603"/>
+                  </a:ext>
+                </a:extLst>
+              </a:tr>
+              <a:tr h="258716">
+                <a:tc>
+                  <a:txBody>
+                    <a:bodyPr/>
+                    <a:lstStyle/>
+                    <a:p>
+                      <a:pPr>
+                        <a:lnSpc>
+                          <a:spcPct val="115000"/>
+                        </a:lnSpc>
+                        <a:spcAft>
+                          <a:spcPts val="1000"/>
+                        </a:spcAft>
+                      </a:pPr>
+                      <a:r>
+                        <a:rPr lang="hr-HR" sz="1300">
+                          <a:solidFill>
+                            <a:srgbClr val="000000"/>
+                          </a:solidFill>
+                          <a:effectLst/>
+                          <a:latin typeface="Times New Roman" panose="02020603050405020304" pitchFamily="18" charset="0"/>
+                          <a:ea typeface="MS Mincho" panose="02020609040205080304" pitchFamily="49" charset="-128"/>
+                          <a:cs typeface="Times New Roman" panose="02020603050405020304" pitchFamily="18" charset="0"/>
+                        </a:rPr>
+                        <a:t>Z-10</a:t>
+                      </a:r>
+                      <a:endParaRPr lang="hr-HR" sz="1300">
+                        <a:effectLst/>
+                        <a:latin typeface="Times New Roman" panose="02020603050405020304" pitchFamily="18" charset="0"/>
+                        <a:ea typeface="MS Mincho" panose="02020609040205080304" pitchFamily="49" charset="-128"/>
+                        <a:cs typeface="Times New Roman" panose="02020603050405020304" pitchFamily="18" charset="0"/>
+                      </a:endParaRPr>
+                    </a:p>
+                  </a:txBody>
+                  <a:tcPr marL="61480" marR="61480" marT="0" marB="0">
+                    <a:lnL w="12700" cap="flat" cmpd="sng" algn="ctr">
+                      <a:solidFill>
+                        <a:srgbClr val="000000"/>
+                      </a:solidFill>
+                      <a:prstDash val="solid"/>
+                      <a:round/>
+                      <a:headEnd type="none" w="med" len="med"/>
+                      <a:tailEnd type="none" w="med" len="med"/>
+                    </a:lnL>
+                    <a:lnR w="12700" cap="flat" cmpd="sng" algn="ctr">
+                      <a:solidFill>
+                        <a:srgbClr val="000000"/>
+                      </a:solidFill>
+                      <a:prstDash val="solid"/>
+                      <a:round/>
+                      <a:headEnd type="none" w="med" len="med"/>
+                      <a:tailEnd type="none" w="med" len="med"/>
+                    </a:lnR>
+                    <a:lnT w="12700" cap="flat" cmpd="sng" algn="ctr">
+                      <a:solidFill>
+                        <a:srgbClr val="000000"/>
+                      </a:solidFill>
+                      <a:prstDash val="solid"/>
+                      <a:round/>
+                      <a:headEnd type="none" w="med" len="med"/>
+                      <a:tailEnd type="none" w="med" len="med"/>
+                    </a:lnT>
+                    <a:lnB w="12700" cap="flat" cmpd="sng" algn="ctr">
+                      <a:solidFill>
+                        <a:srgbClr val="000000"/>
+                      </a:solidFill>
+                      <a:prstDash val="solid"/>
+                      <a:round/>
+                      <a:headEnd type="none" w="med" len="med"/>
+                      <a:tailEnd type="none" w="med" len="med"/>
+                    </a:lnB>
+                    <a:solidFill>
+                      <a:srgbClr val="C6D9F1"/>
+                    </a:solidFill>
+                  </a:tcPr>
+                </a:tc>
+                <a:tc>
+                  <a:txBody>
+                    <a:bodyPr/>
+                    <a:lstStyle/>
+                    <a:p>
+                      <a:pPr>
+                        <a:lnSpc>
+                          <a:spcPct val="115000"/>
+                        </a:lnSpc>
+                        <a:spcAft>
+                          <a:spcPts val="1000"/>
+                        </a:spcAft>
+                      </a:pPr>
+                      <a:r>
+                        <a:rPr lang="hr-HR" sz="1300">
+                          <a:solidFill>
+                            <a:srgbClr val="000000"/>
+                          </a:solidFill>
+                          <a:effectLst/>
+                          <a:latin typeface="Times New Roman" panose="02020603050405020304" pitchFamily="18" charset="0"/>
+                          <a:ea typeface="MS Mincho" panose="02020609040205080304" pitchFamily="49" charset="-128"/>
+                          <a:cs typeface="Times New Roman" panose="02020603050405020304" pitchFamily="18" charset="0"/>
+                        </a:rPr>
+                        <a:t>Višejezičnost</a:t>
+                      </a:r>
+                      <a:endParaRPr lang="hr-HR" sz="1300">
+                        <a:effectLst/>
+                        <a:latin typeface="Times New Roman" panose="02020603050405020304" pitchFamily="18" charset="0"/>
+                        <a:ea typeface="MS Mincho" panose="02020609040205080304" pitchFamily="49" charset="-128"/>
+                        <a:cs typeface="Times New Roman" panose="02020603050405020304" pitchFamily="18" charset="0"/>
+                      </a:endParaRPr>
+                    </a:p>
+                  </a:txBody>
+                  <a:tcPr marL="61480" marR="61480" marT="0" marB="0">
+                    <a:lnL w="12700" cap="flat" cmpd="sng" algn="ctr">
+                      <a:solidFill>
+                        <a:srgbClr val="000000"/>
+                      </a:solidFill>
+                      <a:prstDash val="solid"/>
+                      <a:round/>
+                      <a:headEnd type="none" w="med" len="med"/>
+                      <a:tailEnd type="none" w="med" len="med"/>
+                    </a:lnL>
+                    <a:lnR w="12700" cap="flat" cmpd="sng" algn="ctr">
+                      <a:solidFill>
+                        <a:srgbClr val="000000"/>
+                      </a:solidFill>
+                      <a:prstDash val="solid"/>
+                      <a:round/>
+                      <a:headEnd type="none" w="med" len="med"/>
+                      <a:tailEnd type="none" w="med" len="med"/>
+                    </a:lnR>
+                    <a:lnT w="12700" cap="flat" cmpd="sng" algn="ctr">
+                      <a:solidFill>
+                        <a:srgbClr val="000000"/>
+                      </a:solidFill>
+                      <a:prstDash val="solid"/>
+                      <a:round/>
+                      <a:headEnd type="none" w="med" len="med"/>
+                      <a:tailEnd type="none" w="med" len="med"/>
+                    </a:lnT>
+                    <a:lnB w="12700" cap="flat" cmpd="sng" algn="ctr">
+                      <a:solidFill>
+                        <a:srgbClr val="000000"/>
+                      </a:solidFill>
+                      <a:prstDash val="solid"/>
+                      <a:round/>
+                      <a:headEnd type="none" w="med" len="med"/>
+                      <a:tailEnd type="none" w="med" len="med"/>
+                    </a:lnB>
+                    <a:solidFill>
+                      <a:srgbClr val="C6D9F1"/>
+                    </a:solidFill>
+                  </a:tcPr>
+                </a:tc>
+                <a:extLst>
+                  <a:ext uri="{0D108BD9-81ED-4DB2-BD59-A6C34878D82A}">
+                    <a16:rowId xmlns:a16="http://schemas.microsoft.com/office/drawing/2014/main" val="2237720938"/>
+                  </a:ext>
+                </a:extLst>
+              </a:tr>
+              <a:tr h="258716">
+                <a:tc>
+                  <a:txBody>
+                    <a:bodyPr/>
+                    <a:lstStyle/>
+                    <a:p>
+                      <a:pPr>
+                        <a:lnSpc>
+                          <a:spcPct val="115000"/>
+                        </a:lnSpc>
+                        <a:spcAft>
+                          <a:spcPts val="1000"/>
+                        </a:spcAft>
+                      </a:pPr>
+                      <a:r>
+                        <a:rPr lang="hr-HR" sz="1300">
+                          <a:solidFill>
+                            <a:srgbClr val="000000"/>
+                          </a:solidFill>
+                          <a:effectLst/>
+                          <a:latin typeface="Times New Roman" panose="02020603050405020304" pitchFamily="18" charset="0"/>
+                          <a:ea typeface="MS Mincho" panose="02020609040205080304" pitchFamily="49" charset="-128"/>
+                          <a:cs typeface="Times New Roman" panose="02020603050405020304" pitchFamily="18" charset="0"/>
+                        </a:rPr>
+                        <a:t>Z-11</a:t>
+                      </a:r>
+                      <a:endParaRPr lang="hr-HR" sz="1300">
+                        <a:effectLst/>
+                        <a:latin typeface="Times New Roman" panose="02020603050405020304" pitchFamily="18" charset="0"/>
+                        <a:ea typeface="MS Mincho" panose="02020609040205080304" pitchFamily="49" charset="-128"/>
+                        <a:cs typeface="Times New Roman" panose="02020603050405020304" pitchFamily="18" charset="0"/>
+                      </a:endParaRPr>
+                    </a:p>
+                  </a:txBody>
+                  <a:tcPr marL="61480" marR="61480" marT="0" marB="0">
+                    <a:lnL w="12700" cap="flat" cmpd="sng" algn="ctr">
+                      <a:solidFill>
+                        <a:srgbClr val="000000"/>
+                      </a:solidFill>
+                      <a:prstDash val="solid"/>
+                      <a:round/>
+                      <a:headEnd type="none" w="med" len="med"/>
+                      <a:tailEnd type="none" w="med" len="med"/>
+                    </a:lnL>
+                    <a:lnR w="12700" cap="flat" cmpd="sng" algn="ctr">
+                      <a:solidFill>
+                        <a:srgbClr val="000000"/>
+                      </a:solidFill>
+                      <a:prstDash val="solid"/>
+                      <a:round/>
+                      <a:headEnd type="none" w="med" len="med"/>
+                      <a:tailEnd type="none" w="med" len="med"/>
+                    </a:lnR>
+                    <a:lnT w="12700" cap="flat" cmpd="sng" algn="ctr">
+                      <a:solidFill>
+                        <a:srgbClr val="000000"/>
+                      </a:solidFill>
+                      <a:prstDash val="solid"/>
+                      <a:round/>
+                      <a:headEnd type="none" w="med" len="med"/>
+                      <a:tailEnd type="none" w="med" len="med"/>
+                    </a:lnT>
+                    <a:lnB w="12700" cap="flat" cmpd="sng" algn="ctr">
+                      <a:solidFill>
+                        <a:srgbClr val="000000"/>
+                      </a:solidFill>
+                      <a:prstDash val="solid"/>
+                      <a:round/>
+                      <a:headEnd type="none" w="med" len="med"/>
+                      <a:tailEnd type="none" w="med" len="med"/>
+                    </a:lnB>
+                    <a:solidFill>
+                      <a:srgbClr val="C6D9F1"/>
+                    </a:solidFill>
+                  </a:tcPr>
+                </a:tc>
+                <a:tc>
+                  <a:txBody>
+                    <a:bodyPr/>
+                    <a:lstStyle/>
+                    <a:p>
+                      <a:pPr>
+                        <a:lnSpc>
+                          <a:spcPct val="115000"/>
+                        </a:lnSpc>
+                        <a:spcAft>
+                          <a:spcPts val="1000"/>
+                        </a:spcAft>
+                      </a:pPr>
+                      <a:r>
+                        <a:rPr lang="hr-HR" sz="1300">
+                          <a:solidFill>
+                            <a:srgbClr val="000000"/>
+                          </a:solidFill>
+                          <a:effectLst/>
+                          <a:latin typeface="Times New Roman" panose="02020603050405020304" pitchFamily="18" charset="0"/>
+                          <a:ea typeface="MS Mincho" panose="02020609040205080304" pitchFamily="49" charset="-128"/>
+                          <a:cs typeface="Times New Roman" panose="02020603050405020304" pitchFamily="18" charset="0"/>
+                        </a:rPr>
+                        <a:t>Povratni izvještaj</a:t>
+                      </a:r>
+                      <a:endParaRPr lang="hr-HR" sz="1300">
+                        <a:effectLst/>
+                        <a:latin typeface="Times New Roman" panose="02020603050405020304" pitchFamily="18" charset="0"/>
+                        <a:ea typeface="MS Mincho" panose="02020609040205080304" pitchFamily="49" charset="-128"/>
+                        <a:cs typeface="Times New Roman" panose="02020603050405020304" pitchFamily="18" charset="0"/>
+                      </a:endParaRPr>
+                    </a:p>
+                  </a:txBody>
+                  <a:tcPr marL="61480" marR="61480" marT="0" marB="0">
+                    <a:lnL w="12700" cap="flat" cmpd="sng" algn="ctr">
+                      <a:solidFill>
+                        <a:srgbClr val="000000"/>
+                      </a:solidFill>
+                      <a:prstDash val="solid"/>
+                      <a:round/>
+                      <a:headEnd type="none" w="med" len="med"/>
+                      <a:tailEnd type="none" w="med" len="med"/>
+                    </a:lnL>
+                    <a:lnR w="12700" cap="flat" cmpd="sng" algn="ctr">
+                      <a:solidFill>
+                        <a:srgbClr val="000000"/>
+                      </a:solidFill>
+                      <a:prstDash val="solid"/>
+                      <a:round/>
+                      <a:headEnd type="none" w="med" len="med"/>
+                      <a:tailEnd type="none" w="med" len="med"/>
+                    </a:lnR>
+                    <a:lnT w="12700" cap="flat" cmpd="sng" algn="ctr">
+                      <a:solidFill>
+                        <a:srgbClr val="000000"/>
+                      </a:solidFill>
+                      <a:prstDash val="solid"/>
+                      <a:round/>
+                      <a:headEnd type="none" w="med" len="med"/>
+                      <a:tailEnd type="none" w="med" len="med"/>
+                    </a:lnT>
+                    <a:lnB w="12700" cap="flat" cmpd="sng" algn="ctr">
+                      <a:solidFill>
+                        <a:srgbClr val="000000"/>
+                      </a:solidFill>
+                      <a:prstDash val="solid"/>
+                      <a:round/>
+                      <a:headEnd type="none" w="med" len="med"/>
+                      <a:tailEnd type="none" w="med" len="med"/>
+                    </a:lnB>
+                    <a:solidFill>
+                      <a:srgbClr val="C6D9F1"/>
+                    </a:solidFill>
+                  </a:tcPr>
+                </a:tc>
+                <a:extLst>
+                  <a:ext uri="{0D108BD9-81ED-4DB2-BD59-A6C34878D82A}">
+                    <a16:rowId xmlns:a16="http://schemas.microsoft.com/office/drawing/2014/main" val="3844527486"/>
+                  </a:ext>
+                </a:extLst>
+              </a:tr>
+              <a:tr h="272732">
+                <a:tc>
+                  <a:txBody>
+                    <a:bodyPr/>
+                    <a:lstStyle/>
+                    <a:p>
+                      <a:pPr>
+                        <a:lnSpc>
+                          <a:spcPct val="115000"/>
+                        </a:lnSpc>
+                        <a:spcAft>
+                          <a:spcPts val="1000"/>
+                        </a:spcAft>
+                      </a:pPr>
+                      <a:r>
+                        <a:rPr lang="hr-HR" sz="1300">
+                          <a:solidFill>
+                            <a:srgbClr val="000000"/>
+                          </a:solidFill>
+                          <a:effectLst/>
+                          <a:latin typeface="Times New Roman" panose="02020603050405020304" pitchFamily="18" charset="0"/>
+                          <a:ea typeface="MS Mincho" panose="02020609040205080304" pitchFamily="49" charset="-128"/>
+                          <a:cs typeface="Times New Roman" panose="02020603050405020304" pitchFamily="18" charset="0"/>
+                        </a:rPr>
+                        <a:t>Z-12</a:t>
+                      </a:r>
+                      <a:endParaRPr lang="hr-HR" sz="1300">
+                        <a:effectLst/>
+                        <a:latin typeface="Times New Roman" panose="02020603050405020304" pitchFamily="18" charset="0"/>
+                        <a:ea typeface="MS Mincho" panose="02020609040205080304" pitchFamily="49" charset="-128"/>
+                        <a:cs typeface="Times New Roman" panose="02020603050405020304" pitchFamily="18" charset="0"/>
+                      </a:endParaRPr>
+                    </a:p>
+                  </a:txBody>
+                  <a:tcPr marL="61480" marR="61480" marT="0" marB="0">
+                    <a:lnL w="12700" cap="flat" cmpd="sng" algn="ctr">
+                      <a:solidFill>
+                        <a:srgbClr val="000000"/>
+                      </a:solidFill>
+                      <a:prstDash val="solid"/>
+                      <a:round/>
+                      <a:headEnd type="none" w="med" len="med"/>
+                      <a:tailEnd type="none" w="med" len="med"/>
+                    </a:lnL>
+                    <a:lnR w="12700" cap="flat" cmpd="sng" algn="ctr">
+                      <a:solidFill>
+                        <a:srgbClr val="000000"/>
+                      </a:solidFill>
+                      <a:prstDash val="solid"/>
+                      <a:round/>
+                      <a:headEnd type="none" w="med" len="med"/>
+                      <a:tailEnd type="none" w="med" len="med"/>
+                    </a:lnR>
+                    <a:lnT w="12700" cap="flat" cmpd="sng" algn="ctr">
+                      <a:solidFill>
+                        <a:srgbClr val="000000"/>
+                      </a:solidFill>
+                      <a:prstDash val="solid"/>
+                      <a:round/>
+                      <a:headEnd type="none" w="med" len="med"/>
+                      <a:tailEnd type="none" w="med" len="med"/>
+                    </a:lnT>
+                    <a:lnB w="12700" cap="flat" cmpd="sng" algn="ctr">
+                      <a:solidFill>
+                        <a:srgbClr val="000000"/>
+                      </a:solidFill>
+                      <a:prstDash val="solid"/>
+                      <a:round/>
+                      <a:headEnd type="none" w="med" len="med"/>
+                      <a:tailEnd type="none" w="med" len="med"/>
+                    </a:lnB>
+                    <a:solidFill>
+                      <a:srgbClr val="C6D9F1"/>
+                    </a:solidFill>
+                  </a:tcPr>
+                </a:tc>
+                <a:tc>
+                  <a:txBody>
+                    <a:bodyPr/>
+                    <a:lstStyle/>
+                    <a:p>
+                      <a:pPr>
+                        <a:lnSpc>
+                          <a:spcPct val="115000"/>
+                        </a:lnSpc>
+                        <a:spcAft>
+                          <a:spcPts val="1000"/>
+                        </a:spcAft>
+                      </a:pPr>
+                      <a:r>
+                        <a:rPr lang="hr-HR" sz="1300">
+                          <a:solidFill>
+                            <a:srgbClr val="000000"/>
+                          </a:solidFill>
+                          <a:effectLst/>
+                          <a:latin typeface="Times New Roman" panose="02020603050405020304" pitchFamily="18" charset="0"/>
+                          <a:ea typeface="MS Mincho" panose="02020609040205080304" pitchFamily="49" charset="-128"/>
+                          <a:cs typeface="Times New Roman" panose="02020603050405020304" pitchFamily="18" charset="0"/>
+                        </a:rPr>
+                        <a:t>Recenzija</a:t>
+                      </a:r>
+                      <a:endParaRPr lang="hr-HR" sz="1300">
+                        <a:effectLst/>
+                        <a:latin typeface="Times New Roman" panose="02020603050405020304" pitchFamily="18" charset="0"/>
+                        <a:ea typeface="MS Mincho" panose="02020609040205080304" pitchFamily="49" charset="-128"/>
+                        <a:cs typeface="Times New Roman" panose="02020603050405020304" pitchFamily="18" charset="0"/>
+                      </a:endParaRPr>
+                    </a:p>
+                  </a:txBody>
+                  <a:tcPr marL="61480" marR="61480" marT="0" marB="0">
+                    <a:lnL w="12700" cap="flat" cmpd="sng" algn="ctr">
+                      <a:solidFill>
+                        <a:srgbClr val="000000"/>
+                      </a:solidFill>
+                      <a:prstDash val="solid"/>
+                      <a:round/>
+                      <a:headEnd type="none" w="med" len="med"/>
+                      <a:tailEnd type="none" w="med" len="med"/>
+                    </a:lnL>
+                    <a:lnR w="12700" cap="flat" cmpd="sng" algn="ctr">
+                      <a:solidFill>
+                        <a:srgbClr val="000000"/>
+                      </a:solidFill>
+                      <a:prstDash val="solid"/>
+                      <a:round/>
+                      <a:headEnd type="none" w="med" len="med"/>
+                      <a:tailEnd type="none" w="med" len="med"/>
+                    </a:lnR>
+                    <a:lnT w="12700" cap="flat" cmpd="sng" algn="ctr">
+                      <a:solidFill>
+                        <a:srgbClr val="000000"/>
+                      </a:solidFill>
+                      <a:prstDash val="solid"/>
+                      <a:round/>
+                      <a:headEnd type="none" w="med" len="med"/>
+                      <a:tailEnd type="none" w="med" len="med"/>
+                    </a:lnT>
+                    <a:lnB w="12700" cap="flat" cmpd="sng" algn="ctr">
+                      <a:solidFill>
+                        <a:srgbClr val="000000"/>
+                      </a:solidFill>
+                      <a:prstDash val="solid"/>
+                      <a:round/>
+                      <a:headEnd type="none" w="med" len="med"/>
+                      <a:tailEnd type="none" w="med" len="med"/>
+                    </a:lnB>
+                    <a:solidFill>
+                      <a:srgbClr val="C6D9F1"/>
+                    </a:solidFill>
+                  </a:tcPr>
+                </a:tc>
+                <a:extLst>
+                  <a:ext uri="{0D108BD9-81ED-4DB2-BD59-A6C34878D82A}">
+                    <a16:rowId xmlns:a16="http://schemas.microsoft.com/office/drawing/2014/main" val="903368984"/>
+                  </a:ext>
+                </a:extLst>
+              </a:tr>
+              <a:tr h="258716">
+                <a:tc>
+                  <a:txBody>
+                    <a:bodyPr/>
+                    <a:lstStyle/>
+                    <a:p>
+                      <a:pPr>
+                        <a:lnSpc>
+                          <a:spcPct val="115000"/>
+                        </a:lnSpc>
+                        <a:spcAft>
+                          <a:spcPts val="1000"/>
+                        </a:spcAft>
+                      </a:pPr>
+                      <a:r>
+                        <a:rPr lang="hr-HR" sz="1300">
+                          <a:solidFill>
+                            <a:srgbClr val="000000"/>
+                          </a:solidFill>
+                          <a:effectLst/>
+                          <a:latin typeface="Times New Roman" panose="02020603050405020304" pitchFamily="18" charset="0"/>
+                          <a:ea typeface="MS Mincho" panose="02020609040205080304" pitchFamily="49" charset="-128"/>
+                          <a:cs typeface="Times New Roman" panose="02020603050405020304" pitchFamily="18" charset="0"/>
+                        </a:rPr>
+                        <a:t>Z-13</a:t>
+                      </a:r>
+                      <a:endParaRPr lang="hr-HR" sz="1300">
+                        <a:effectLst/>
+                        <a:latin typeface="Times New Roman" panose="02020603050405020304" pitchFamily="18" charset="0"/>
+                        <a:ea typeface="MS Mincho" panose="02020609040205080304" pitchFamily="49" charset="-128"/>
+                        <a:cs typeface="Times New Roman" panose="02020603050405020304" pitchFamily="18" charset="0"/>
+                      </a:endParaRPr>
+                    </a:p>
+                  </a:txBody>
+                  <a:tcPr marL="61480" marR="61480" marT="0" marB="0">
+                    <a:lnL w="12700" cap="flat" cmpd="sng" algn="ctr">
+                      <a:solidFill>
+                        <a:srgbClr val="000000"/>
+                      </a:solidFill>
+                      <a:prstDash val="solid"/>
+                      <a:round/>
+                      <a:headEnd type="none" w="med" len="med"/>
+                      <a:tailEnd type="none" w="med" len="med"/>
+                    </a:lnL>
+                    <a:lnR w="12700" cap="flat" cmpd="sng" algn="ctr">
+                      <a:solidFill>
+                        <a:srgbClr val="000000"/>
+                      </a:solidFill>
+                      <a:prstDash val="solid"/>
+                      <a:round/>
+                      <a:headEnd type="none" w="med" len="med"/>
+                      <a:tailEnd type="none" w="med" len="med"/>
+                    </a:lnR>
+                    <a:lnT w="12700" cap="flat" cmpd="sng" algn="ctr">
+                      <a:solidFill>
+                        <a:srgbClr val="000000"/>
+                      </a:solidFill>
+                      <a:prstDash val="solid"/>
+                      <a:round/>
+                      <a:headEnd type="none" w="med" len="med"/>
+                      <a:tailEnd type="none" w="med" len="med"/>
+                    </a:lnT>
+                    <a:lnB w="12700" cap="flat" cmpd="sng" algn="ctr">
+                      <a:solidFill>
+                        <a:srgbClr val="000000"/>
+                      </a:solidFill>
+                      <a:prstDash val="solid"/>
+                      <a:round/>
+                      <a:headEnd type="none" w="med" len="med"/>
+                      <a:tailEnd type="none" w="med" len="med"/>
+                    </a:lnB>
+                    <a:solidFill>
+                      <a:srgbClr val="C6D9F1"/>
+                    </a:solidFill>
+                  </a:tcPr>
+                </a:tc>
+                <a:tc>
+                  <a:txBody>
+                    <a:bodyPr/>
+                    <a:lstStyle/>
+                    <a:p>
+                      <a:pPr>
+                        <a:lnSpc>
+                          <a:spcPct val="115000"/>
+                        </a:lnSpc>
+                        <a:spcAft>
+                          <a:spcPts val="1000"/>
+                        </a:spcAft>
+                      </a:pPr>
+                      <a:r>
+                        <a:rPr lang="hr-HR" sz="1300" dirty="0">
+                          <a:solidFill>
+                            <a:srgbClr val="000000"/>
+                          </a:solidFill>
+                          <a:effectLst/>
+                          <a:latin typeface="Times New Roman" panose="02020603050405020304" pitchFamily="18" charset="0"/>
+                          <a:ea typeface="MS Mincho" panose="02020609040205080304" pitchFamily="49" charset="-128"/>
+                          <a:cs typeface="Times New Roman" panose="02020603050405020304" pitchFamily="18" charset="0"/>
+                        </a:rPr>
+                        <a:t>Chat</a:t>
+                      </a:r>
+                      <a:endParaRPr lang="hr-HR" sz="1300" dirty="0">
+                        <a:effectLst/>
+                        <a:latin typeface="Times New Roman" panose="02020603050405020304" pitchFamily="18" charset="0"/>
+                        <a:ea typeface="MS Mincho" panose="02020609040205080304" pitchFamily="49" charset="-128"/>
+                        <a:cs typeface="Times New Roman" panose="02020603050405020304" pitchFamily="18" charset="0"/>
+                      </a:endParaRPr>
+                    </a:p>
+                  </a:txBody>
+                  <a:tcPr marL="61480" marR="61480" marT="0" marB="0">
+                    <a:lnL w="12700" cap="flat" cmpd="sng" algn="ctr">
+                      <a:solidFill>
+                        <a:srgbClr val="000000"/>
+                      </a:solidFill>
+                      <a:prstDash val="solid"/>
+                      <a:round/>
+                      <a:headEnd type="none" w="med" len="med"/>
+                      <a:tailEnd type="none" w="med" len="med"/>
+                    </a:lnL>
+                    <a:lnR w="12700" cap="flat" cmpd="sng" algn="ctr">
+                      <a:solidFill>
+                        <a:srgbClr val="000000"/>
+                      </a:solidFill>
+                      <a:prstDash val="solid"/>
+                      <a:round/>
+                      <a:headEnd type="none" w="med" len="med"/>
+                      <a:tailEnd type="none" w="med" len="med"/>
+                    </a:lnR>
+                    <a:lnT w="12700" cap="flat" cmpd="sng" algn="ctr">
+                      <a:solidFill>
+                        <a:srgbClr val="000000"/>
+                      </a:solidFill>
+                      <a:prstDash val="solid"/>
+                      <a:round/>
+                      <a:headEnd type="none" w="med" len="med"/>
+                      <a:tailEnd type="none" w="med" len="med"/>
+                    </a:lnT>
+                    <a:lnB w="12700" cap="flat" cmpd="sng" algn="ctr">
+                      <a:solidFill>
+                        <a:srgbClr val="000000"/>
+                      </a:solidFill>
+                      <a:prstDash val="solid"/>
+                      <a:round/>
+                      <a:headEnd type="none" w="med" len="med"/>
+                      <a:tailEnd type="none" w="med" len="med"/>
+                    </a:lnB>
+                    <a:solidFill>
+                      <a:srgbClr val="C6D9F1"/>
+                    </a:solidFill>
+                  </a:tcPr>
+                </a:tc>
+                <a:extLst>
+                  <a:ext uri="{0D108BD9-81ED-4DB2-BD59-A6C34878D82A}">
+                    <a16:rowId xmlns:a16="http://schemas.microsoft.com/office/drawing/2014/main" val="917250697"/>
+                  </a:ext>
+                </a:extLst>
+              </a:tr>
+            </a:tbl>
+          </a:graphicData>
+        </a:graphic>
+      </p:graphicFrame>
     </p:spTree>
     <p:extLst>
       <p:ext uri="{BB962C8B-B14F-4D97-AF65-F5344CB8AC3E}">
